--- a/06-Periferie/01_Pro_ucitele/Prezentace/62-periferie-magicka_lampa.pptx
+++ b/06-Periferie/01_Pro_ucitele/Prezentace/62-periferie-magicka_lampa.pptx
@@ -1,24 +1,119 @@
 
 <file path=ppt/presentation.xml><?xml version="1.0" encoding="utf-8"?>
-<p:presentation xmlns:a="http://schemas.openxmlformats.org/drawingml/2006/main" xmlns:p="http://schemas.openxmlformats.org/presentationml/2006/main" xmlns:r="http://schemas.openxmlformats.org/officeDocument/2006/relationships" xmlns:p14="http://schemas.microsoft.com/office/powerpoint/2010/main" xmlns:p15="http://schemas.microsoft.com/office/powerpoint/2012/main" xmlns:mc="http://schemas.openxmlformats.org/markup-compatibility/2006">
+<p:presentation xmlns:a="http://schemas.openxmlformats.org/drawingml/2006/main" xmlns:r="http://schemas.openxmlformats.org/officeDocument/2006/relationships" xmlns:p="http://schemas.openxmlformats.org/presentationml/2006/main">
   <p:sldMasterIdLst>
-    <p:sldMasterId id="2147483648" r:id="rId2"/>
-    <p:sldMasterId id="2147483661" r:id="rId3"/>
-    <p:sldMasterId id="2147483674" r:id="rId4"/>
+    <p:sldMasterId id="2147483648" r:id="rId1"/>
+    <p:sldMasterId id="2147483661" r:id="rId2"/>
+    <p:sldMasterId id="2147483674" r:id="rId3"/>
   </p:sldMasterIdLst>
   <p:sldIdLst>
-    <p:sldId id="256" r:id="rId5"/>
-    <p:sldId id="257" r:id="rId6"/>
-    <p:sldId id="258" r:id="rId7"/>
-    <p:sldId id="259" r:id="rId8"/>
+    <p:sldId id="256" r:id="rId4"/>
+    <p:sldId id="257" r:id="rId5"/>
+    <p:sldId id="258" r:id="rId6"/>
+    <p:sldId id="259" r:id="rId7"/>
   </p:sldIdLst>
   <p:sldSz cx="10080625" cy="7559675"/>
-  <p:notesSz cx="7559675" cy="10691812"/>
+  <p:notesSz cx="7559675" cy="10691813"/>
+  <p:defaultTextStyle>
+    <a:defPPr>
+      <a:defRPr lang="cs-CZ"/>
+    </a:defPPr>
+    <a:lvl1pPr marL="0" algn="l" defTabSz="914400" rtl="0" eaLnBrk="1" latinLnBrk="0" hangingPunct="1">
+      <a:defRPr sz="1800" kern="1200">
+        <a:solidFill>
+          <a:schemeClr val="tx1"/>
+        </a:solidFill>
+        <a:latin typeface="+mn-lt"/>
+        <a:ea typeface="+mn-ea"/>
+        <a:cs typeface="+mn-cs"/>
+      </a:defRPr>
+    </a:lvl1pPr>
+    <a:lvl2pPr marL="457200" algn="l" defTabSz="914400" rtl="0" eaLnBrk="1" latinLnBrk="0" hangingPunct="1">
+      <a:defRPr sz="1800" kern="1200">
+        <a:solidFill>
+          <a:schemeClr val="tx1"/>
+        </a:solidFill>
+        <a:latin typeface="+mn-lt"/>
+        <a:ea typeface="+mn-ea"/>
+        <a:cs typeface="+mn-cs"/>
+      </a:defRPr>
+    </a:lvl2pPr>
+    <a:lvl3pPr marL="914400" algn="l" defTabSz="914400" rtl="0" eaLnBrk="1" latinLnBrk="0" hangingPunct="1">
+      <a:defRPr sz="1800" kern="1200">
+        <a:solidFill>
+          <a:schemeClr val="tx1"/>
+        </a:solidFill>
+        <a:latin typeface="+mn-lt"/>
+        <a:ea typeface="+mn-ea"/>
+        <a:cs typeface="+mn-cs"/>
+      </a:defRPr>
+    </a:lvl3pPr>
+    <a:lvl4pPr marL="1371600" algn="l" defTabSz="914400" rtl="0" eaLnBrk="1" latinLnBrk="0" hangingPunct="1">
+      <a:defRPr sz="1800" kern="1200">
+        <a:solidFill>
+          <a:schemeClr val="tx1"/>
+        </a:solidFill>
+        <a:latin typeface="+mn-lt"/>
+        <a:ea typeface="+mn-ea"/>
+        <a:cs typeface="+mn-cs"/>
+      </a:defRPr>
+    </a:lvl4pPr>
+    <a:lvl5pPr marL="1828800" algn="l" defTabSz="914400" rtl="0" eaLnBrk="1" latinLnBrk="0" hangingPunct="1">
+      <a:defRPr sz="1800" kern="1200">
+        <a:solidFill>
+          <a:schemeClr val="tx1"/>
+        </a:solidFill>
+        <a:latin typeface="+mn-lt"/>
+        <a:ea typeface="+mn-ea"/>
+        <a:cs typeface="+mn-cs"/>
+      </a:defRPr>
+    </a:lvl5pPr>
+    <a:lvl6pPr marL="2286000" algn="l" defTabSz="914400" rtl="0" eaLnBrk="1" latinLnBrk="0" hangingPunct="1">
+      <a:defRPr sz="1800" kern="1200">
+        <a:solidFill>
+          <a:schemeClr val="tx1"/>
+        </a:solidFill>
+        <a:latin typeface="+mn-lt"/>
+        <a:ea typeface="+mn-ea"/>
+        <a:cs typeface="+mn-cs"/>
+      </a:defRPr>
+    </a:lvl6pPr>
+    <a:lvl7pPr marL="2743200" algn="l" defTabSz="914400" rtl="0" eaLnBrk="1" latinLnBrk="0" hangingPunct="1">
+      <a:defRPr sz="1800" kern="1200">
+        <a:solidFill>
+          <a:schemeClr val="tx1"/>
+        </a:solidFill>
+        <a:latin typeface="+mn-lt"/>
+        <a:ea typeface="+mn-ea"/>
+        <a:cs typeface="+mn-cs"/>
+      </a:defRPr>
+    </a:lvl7pPr>
+    <a:lvl8pPr marL="3200400" algn="l" defTabSz="914400" rtl="0" eaLnBrk="1" latinLnBrk="0" hangingPunct="1">
+      <a:defRPr sz="1800" kern="1200">
+        <a:solidFill>
+          <a:schemeClr val="tx1"/>
+        </a:solidFill>
+        <a:latin typeface="+mn-lt"/>
+        <a:ea typeface="+mn-ea"/>
+        <a:cs typeface="+mn-cs"/>
+      </a:defRPr>
+    </a:lvl8pPr>
+    <a:lvl9pPr marL="3657600" algn="l" defTabSz="914400" rtl="0" eaLnBrk="1" latinLnBrk="0" hangingPunct="1">
+      <a:defRPr sz="1800" kern="1200">
+        <a:solidFill>
+          <a:schemeClr val="tx1"/>
+        </a:solidFill>
+        <a:latin typeface="+mn-lt"/>
+        <a:ea typeface="+mn-ea"/>
+        <a:cs typeface="+mn-cs"/>
+      </a:defRPr>
+    </a:lvl9pPr>
+  </p:defaultTextStyle>
 </p:presentation>
 </file>
 
 <file path=ppt/slideLayouts/slideLayout1.xml><?xml version="1.0" encoding="utf-8"?>
-<p:sldLayout xmlns:a="http://schemas.openxmlformats.org/drawingml/2006/main" xmlns:p="http://schemas.openxmlformats.org/presentationml/2006/main" xmlns:r="http://schemas.openxmlformats.org/officeDocument/2006/relationships" xmlns:p14="http://schemas.microsoft.com/office/powerpoint/2010/main" xmlns:p15="http://schemas.microsoft.com/office/powerpoint/2012/main" xmlns:mc="http://schemas.openxmlformats.org/markup-compatibility/2006" type="blank" preserve="1">
+<p:sldLayout xmlns:a="http://schemas.openxmlformats.org/drawingml/2006/main" xmlns:r="http://schemas.openxmlformats.org/officeDocument/2006/relationships" xmlns:p="http://schemas.openxmlformats.org/presentationml/2006/main" type="blank" preserve="1">
   <p:cSld name="Blank Slide">
     <p:spTree>
       <p:nvGrpSpPr>
@@ -36,11 +131,14 @@
       </p:grpSpPr>
     </p:spTree>
   </p:cSld>
+  <p:clrMapOvr>
+    <a:masterClrMapping/>
+  </p:clrMapOvr>
 </p:sldLayout>
 </file>
 
 <file path=ppt/slideLayouts/slideLayout10.xml><?xml version="1.0" encoding="utf-8"?>
-<p:sldLayout xmlns:a="http://schemas.openxmlformats.org/drawingml/2006/main" xmlns:p="http://schemas.openxmlformats.org/presentationml/2006/main" xmlns:r="http://schemas.openxmlformats.org/officeDocument/2006/relationships" xmlns:p14="http://schemas.microsoft.com/office/powerpoint/2010/main" xmlns:p15="http://schemas.microsoft.com/office/powerpoint/2012/main" xmlns:mc="http://schemas.openxmlformats.org/markup-compatibility/2006" type="objOverTx" preserve="1">
+<p:sldLayout xmlns:a="http://schemas.openxmlformats.org/drawingml/2006/main" xmlns:r="http://schemas.openxmlformats.org/officeDocument/2006/relationships" xmlns:p="http://schemas.openxmlformats.org/presentationml/2006/main" type="objOverTx" preserve="1">
   <p:cSld name="Title, Content over Content">
     <p:spTree>
       <p:nvGrpSpPr>
@@ -76,9 +174,10 @@
           </a:prstGeom>
         </p:spPr>
         <p:txBody>
-          <a:bodyPr lIns="0" rIns="0" tIns="0" bIns="0" anchor="ctr"/>
-          <a:p>
-            <a:endParaRPr b="0" lang="cs-CZ" sz="1800" spc="-1" strike="noStrike">
+          <a:bodyPr lIns="0" tIns="0" rIns="0" bIns="0" anchor="ctr"/>
+          <a:lstStyle/>
+          <a:p>
+            <a:endParaRPr lang="cs-CZ" sz="1800" b="0" strike="noStrike" spc="-1">
               <a:solidFill>
                 <a:srgbClr val="000000"/>
               </a:solidFill>
@@ -107,11 +206,12 @@
           </a:prstGeom>
         </p:spPr>
         <p:txBody>
-          <a:bodyPr lIns="0" rIns="0" tIns="0" bIns="0">
+          <a:bodyPr lIns="0" tIns="0" rIns="0" bIns="0">
             <a:normAutofit/>
           </a:bodyPr>
-          <a:p>
-            <a:endParaRPr b="0" lang="cs-CZ" sz="2800" spc="-1" strike="noStrike">
+          <a:lstStyle/>
+          <a:p>
+            <a:endParaRPr lang="cs-CZ" sz="2800" b="0" strike="noStrike" spc="-1">
               <a:solidFill>
                 <a:srgbClr val="000000"/>
               </a:solidFill>
@@ -140,11 +240,12 @@
           </a:prstGeom>
         </p:spPr>
         <p:txBody>
-          <a:bodyPr lIns="0" rIns="0" tIns="0" bIns="0">
+          <a:bodyPr lIns="0" tIns="0" rIns="0" bIns="0">
             <a:normAutofit/>
           </a:bodyPr>
-          <a:p>
-            <a:endParaRPr b="0" lang="cs-CZ" sz="2800" spc="-1" strike="noStrike">
+          <a:lstStyle/>
+          <a:p>
+            <a:endParaRPr lang="cs-CZ" sz="2800" b="0" strike="noStrike" spc="-1">
               <a:solidFill>
                 <a:srgbClr val="000000"/>
               </a:solidFill>
@@ -155,11 +256,14 @@
       </p:sp>
     </p:spTree>
   </p:cSld>
+  <p:clrMapOvr>
+    <a:masterClrMapping/>
+  </p:clrMapOvr>
 </p:sldLayout>
 </file>
 
 <file path=ppt/slideLayouts/slideLayout11.xml><?xml version="1.0" encoding="utf-8"?>
-<p:sldLayout xmlns:a="http://schemas.openxmlformats.org/drawingml/2006/main" xmlns:p="http://schemas.openxmlformats.org/presentationml/2006/main" xmlns:r="http://schemas.openxmlformats.org/officeDocument/2006/relationships" xmlns:p14="http://schemas.microsoft.com/office/powerpoint/2010/main" xmlns:p15="http://schemas.microsoft.com/office/powerpoint/2012/main" xmlns:mc="http://schemas.openxmlformats.org/markup-compatibility/2006" type="fourObj" preserve="1">
+<p:sldLayout xmlns:a="http://schemas.openxmlformats.org/drawingml/2006/main" xmlns:r="http://schemas.openxmlformats.org/officeDocument/2006/relationships" xmlns:p="http://schemas.openxmlformats.org/presentationml/2006/main" type="fourObj" preserve="1">
   <p:cSld name="Title, 4 Content">
     <p:spTree>
       <p:nvGrpSpPr>
@@ -195,9 +299,10 @@
           </a:prstGeom>
         </p:spPr>
         <p:txBody>
-          <a:bodyPr lIns="0" rIns="0" tIns="0" bIns="0" anchor="ctr"/>
-          <a:p>
-            <a:endParaRPr b="0" lang="cs-CZ" sz="1800" spc="-1" strike="noStrike">
+          <a:bodyPr lIns="0" tIns="0" rIns="0" bIns="0" anchor="ctr"/>
+          <a:lstStyle/>
+          <a:p>
+            <a:endParaRPr lang="cs-CZ" sz="1800" b="0" strike="noStrike" spc="-1">
               <a:solidFill>
                 <a:srgbClr val="000000"/>
               </a:solidFill>
@@ -226,11 +331,12 @@
           </a:prstGeom>
         </p:spPr>
         <p:txBody>
-          <a:bodyPr lIns="0" rIns="0" tIns="0" bIns="0">
+          <a:bodyPr lIns="0" tIns="0" rIns="0" bIns="0">
             <a:normAutofit/>
           </a:bodyPr>
-          <a:p>
-            <a:endParaRPr b="0" lang="cs-CZ" sz="2800" spc="-1" strike="noStrike">
+          <a:lstStyle/>
+          <a:p>
+            <a:endParaRPr lang="cs-CZ" sz="2800" b="0" strike="noStrike" spc="-1">
               <a:solidFill>
                 <a:srgbClr val="000000"/>
               </a:solidFill>
@@ -259,11 +365,12 @@
           </a:prstGeom>
         </p:spPr>
         <p:txBody>
-          <a:bodyPr lIns="0" rIns="0" tIns="0" bIns="0">
+          <a:bodyPr lIns="0" tIns="0" rIns="0" bIns="0">
             <a:normAutofit/>
           </a:bodyPr>
-          <a:p>
-            <a:endParaRPr b="0" lang="cs-CZ" sz="2800" spc="-1" strike="noStrike">
+          <a:lstStyle/>
+          <a:p>
+            <a:endParaRPr lang="cs-CZ" sz="2800" b="0" strike="noStrike" spc="-1">
               <a:solidFill>
                 <a:srgbClr val="000000"/>
               </a:solidFill>
@@ -292,11 +399,12 @@
           </a:prstGeom>
         </p:spPr>
         <p:txBody>
-          <a:bodyPr lIns="0" rIns="0" tIns="0" bIns="0">
+          <a:bodyPr lIns="0" tIns="0" rIns="0" bIns="0">
             <a:normAutofit/>
           </a:bodyPr>
-          <a:p>
-            <a:endParaRPr b="0" lang="cs-CZ" sz="2800" spc="-1" strike="noStrike">
+          <a:lstStyle/>
+          <a:p>
+            <a:endParaRPr lang="cs-CZ" sz="2800" b="0" strike="noStrike" spc="-1">
               <a:solidFill>
                 <a:srgbClr val="000000"/>
               </a:solidFill>
@@ -325,11 +433,12 @@
           </a:prstGeom>
         </p:spPr>
         <p:txBody>
-          <a:bodyPr lIns="0" rIns="0" tIns="0" bIns="0">
+          <a:bodyPr lIns="0" tIns="0" rIns="0" bIns="0">
             <a:normAutofit/>
           </a:bodyPr>
-          <a:p>
-            <a:endParaRPr b="0" lang="cs-CZ" sz="2800" spc="-1" strike="noStrike">
+          <a:lstStyle/>
+          <a:p>
+            <a:endParaRPr lang="cs-CZ" sz="2800" b="0" strike="noStrike" spc="-1">
               <a:solidFill>
                 <a:srgbClr val="000000"/>
               </a:solidFill>
@@ -340,11 +449,14 @@
       </p:sp>
     </p:spTree>
   </p:cSld>
+  <p:clrMapOvr>
+    <a:masterClrMapping/>
+  </p:clrMapOvr>
 </p:sldLayout>
 </file>
 
 <file path=ppt/slideLayouts/slideLayout12.xml><?xml version="1.0" encoding="utf-8"?>
-<p:sldLayout xmlns:a="http://schemas.openxmlformats.org/drawingml/2006/main" xmlns:p="http://schemas.openxmlformats.org/presentationml/2006/main" xmlns:r="http://schemas.openxmlformats.org/officeDocument/2006/relationships" xmlns:p14="http://schemas.microsoft.com/office/powerpoint/2010/main" xmlns:p15="http://schemas.microsoft.com/office/powerpoint/2012/main" xmlns:mc="http://schemas.openxmlformats.org/markup-compatibility/2006" type="blank" preserve="1">
+<p:sldLayout xmlns:a="http://schemas.openxmlformats.org/drawingml/2006/main" xmlns:r="http://schemas.openxmlformats.org/officeDocument/2006/relationships" xmlns:p="http://schemas.openxmlformats.org/presentationml/2006/main" type="blank" preserve="1">
   <p:cSld name="Title, 6 Content">
     <p:spTree>
       <p:nvGrpSpPr>
@@ -380,9 +492,10 @@
           </a:prstGeom>
         </p:spPr>
         <p:txBody>
-          <a:bodyPr lIns="0" rIns="0" tIns="0" bIns="0" anchor="ctr"/>
-          <a:p>
-            <a:endParaRPr b="0" lang="cs-CZ" sz="1800" spc="-1" strike="noStrike">
+          <a:bodyPr lIns="0" tIns="0" rIns="0" bIns="0" anchor="ctr"/>
+          <a:lstStyle/>
+          <a:p>
+            <a:endParaRPr lang="cs-CZ" sz="1800" b="0" strike="noStrike" spc="-1">
               <a:solidFill>
                 <a:srgbClr val="000000"/>
               </a:solidFill>
@@ -411,11 +524,12 @@
           </a:prstGeom>
         </p:spPr>
         <p:txBody>
-          <a:bodyPr lIns="0" rIns="0" tIns="0" bIns="0">
+          <a:bodyPr lIns="0" tIns="0" rIns="0" bIns="0">
             <a:normAutofit/>
           </a:bodyPr>
-          <a:p>
-            <a:endParaRPr b="0" lang="cs-CZ" sz="2800" spc="-1" strike="noStrike">
+          <a:lstStyle/>
+          <a:p>
+            <a:endParaRPr lang="cs-CZ" sz="2800" b="0" strike="noStrike" spc="-1">
               <a:solidFill>
                 <a:srgbClr val="000000"/>
               </a:solidFill>
@@ -444,11 +558,12 @@
           </a:prstGeom>
         </p:spPr>
         <p:txBody>
-          <a:bodyPr lIns="0" rIns="0" tIns="0" bIns="0">
+          <a:bodyPr lIns="0" tIns="0" rIns="0" bIns="0">
             <a:normAutofit/>
           </a:bodyPr>
-          <a:p>
-            <a:endParaRPr b="0" lang="cs-CZ" sz="2800" spc="-1" strike="noStrike">
+          <a:lstStyle/>
+          <a:p>
+            <a:endParaRPr lang="cs-CZ" sz="2800" b="0" strike="noStrike" spc="-1">
               <a:solidFill>
                 <a:srgbClr val="000000"/>
               </a:solidFill>
@@ -477,11 +592,12 @@
           </a:prstGeom>
         </p:spPr>
         <p:txBody>
-          <a:bodyPr lIns="0" rIns="0" tIns="0" bIns="0">
+          <a:bodyPr lIns="0" tIns="0" rIns="0" bIns="0">
             <a:normAutofit/>
           </a:bodyPr>
-          <a:p>
-            <a:endParaRPr b="0" lang="cs-CZ" sz="2800" spc="-1" strike="noStrike">
+          <a:lstStyle/>
+          <a:p>
+            <a:endParaRPr lang="cs-CZ" sz="2800" b="0" strike="noStrike" spc="-1">
               <a:solidFill>
                 <a:srgbClr val="000000"/>
               </a:solidFill>
@@ -510,11 +626,12 @@
           </a:prstGeom>
         </p:spPr>
         <p:txBody>
-          <a:bodyPr lIns="0" rIns="0" tIns="0" bIns="0">
+          <a:bodyPr lIns="0" tIns="0" rIns="0" bIns="0">
             <a:normAutofit/>
           </a:bodyPr>
-          <a:p>
-            <a:endParaRPr b="0" lang="cs-CZ" sz="2800" spc="-1" strike="noStrike">
+          <a:lstStyle/>
+          <a:p>
+            <a:endParaRPr lang="cs-CZ" sz="2800" b="0" strike="noStrike" spc="-1">
               <a:solidFill>
                 <a:srgbClr val="000000"/>
               </a:solidFill>
@@ -543,11 +660,12 @@
           </a:prstGeom>
         </p:spPr>
         <p:txBody>
-          <a:bodyPr lIns="0" rIns="0" tIns="0" bIns="0">
+          <a:bodyPr lIns="0" tIns="0" rIns="0" bIns="0">
             <a:normAutofit/>
           </a:bodyPr>
-          <a:p>
-            <a:endParaRPr b="0" lang="cs-CZ" sz="2800" spc="-1" strike="noStrike">
+          <a:lstStyle/>
+          <a:p>
+            <a:endParaRPr lang="cs-CZ" sz="2800" b="0" strike="noStrike" spc="-1">
               <a:solidFill>
                 <a:srgbClr val="000000"/>
               </a:solidFill>
@@ -576,11 +694,12 @@
           </a:prstGeom>
         </p:spPr>
         <p:txBody>
-          <a:bodyPr lIns="0" rIns="0" tIns="0" bIns="0">
+          <a:bodyPr lIns="0" tIns="0" rIns="0" bIns="0">
             <a:normAutofit/>
           </a:bodyPr>
-          <a:p>
-            <a:endParaRPr b="0" lang="cs-CZ" sz="2800" spc="-1" strike="noStrike">
+          <a:lstStyle/>
+          <a:p>
+            <a:endParaRPr lang="cs-CZ" sz="2800" b="0" strike="noStrike" spc="-1">
               <a:solidFill>
                 <a:srgbClr val="000000"/>
               </a:solidFill>
@@ -591,11 +710,14 @@
       </p:sp>
     </p:spTree>
   </p:cSld>
+  <p:clrMapOvr>
+    <a:masterClrMapping/>
+  </p:clrMapOvr>
 </p:sldLayout>
 </file>
 
 <file path=ppt/slideLayouts/slideLayout13.xml><?xml version="1.0" encoding="utf-8"?>
-<p:sldLayout xmlns:a="http://schemas.openxmlformats.org/drawingml/2006/main" xmlns:p="http://schemas.openxmlformats.org/presentationml/2006/main" xmlns:r="http://schemas.openxmlformats.org/officeDocument/2006/relationships" xmlns:p14="http://schemas.microsoft.com/office/powerpoint/2010/main" xmlns:p15="http://schemas.microsoft.com/office/powerpoint/2012/main" xmlns:mc="http://schemas.openxmlformats.org/markup-compatibility/2006" type="blank" preserve="1">
+<p:sldLayout xmlns:a="http://schemas.openxmlformats.org/drawingml/2006/main" xmlns:r="http://schemas.openxmlformats.org/officeDocument/2006/relationships" xmlns:p="http://schemas.openxmlformats.org/presentationml/2006/main" type="blank" preserve="1">
   <p:cSld name="Blank Slide">
     <p:spTree>
       <p:nvGrpSpPr>
@@ -613,11 +735,14 @@
       </p:grpSpPr>
     </p:spTree>
   </p:cSld>
+  <p:clrMapOvr>
+    <a:masterClrMapping/>
+  </p:clrMapOvr>
 </p:sldLayout>
 </file>
 
 <file path=ppt/slideLayouts/slideLayout14.xml><?xml version="1.0" encoding="utf-8"?>
-<p:sldLayout xmlns:a="http://schemas.openxmlformats.org/drawingml/2006/main" xmlns:p="http://schemas.openxmlformats.org/presentationml/2006/main" xmlns:r="http://schemas.openxmlformats.org/officeDocument/2006/relationships" xmlns:p14="http://schemas.microsoft.com/office/powerpoint/2010/main" xmlns:p15="http://schemas.microsoft.com/office/powerpoint/2012/main" xmlns:mc="http://schemas.openxmlformats.org/markup-compatibility/2006" type="tx" preserve="1">
+<p:sldLayout xmlns:a="http://schemas.openxmlformats.org/drawingml/2006/main" xmlns:r="http://schemas.openxmlformats.org/officeDocument/2006/relationships" xmlns:p="http://schemas.openxmlformats.org/presentationml/2006/main" type="tx" preserve="1">
   <p:cSld name="Title Slide">
     <p:spTree>
       <p:nvGrpSpPr>
@@ -653,9 +778,10 @@
           </a:prstGeom>
         </p:spPr>
         <p:txBody>
-          <a:bodyPr lIns="0" rIns="0" tIns="0" bIns="0" anchor="ctr"/>
-          <a:p>
-            <a:endParaRPr b="0" lang="cs-CZ" sz="1800" spc="-1" strike="noStrike">
+          <a:bodyPr lIns="0" tIns="0" rIns="0" bIns="0" anchor="ctr"/>
+          <a:lstStyle/>
+          <a:p>
+            <a:endParaRPr lang="cs-CZ" sz="1800" b="0" strike="noStrike" spc="-1">
               <a:solidFill>
                 <a:srgbClr val="000000"/>
               </a:solidFill>
@@ -684,10 +810,11 @@
           </a:prstGeom>
         </p:spPr>
         <p:txBody>
-          <a:bodyPr lIns="0" rIns="0" tIns="0" bIns="0" anchor="ctr"/>
+          <a:bodyPr lIns="0" tIns="0" rIns="0" bIns="0" anchor="ctr"/>
+          <a:lstStyle/>
           <a:p>
             <a:pPr algn="ctr"/>
-            <a:endParaRPr b="0" lang="cs-CZ" sz="3200" spc="-1" strike="noStrike">
+            <a:endParaRPr lang="cs-CZ" sz="3200" b="0" strike="noStrike" spc="-1">
               <a:latin typeface="Arial"/>
             </a:endParaRPr>
           </a:p>
@@ -695,11 +822,14 @@
       </p:sp>
     </p:spTree>
   </p:cSld>
+  <p:clrMapOvr>
+    <a:masterClrMapping/>
+  </p:clrMapOvr>
 </p:sldLayout>
 </file>
 
 <file path=ppt/slideLayouts/slideLayout15.xml><?xml version="1.0" encoding="utf-8"?>
-<p:sldLayout xmlns:a="http://schemas.openxmlformats.org/drawingml/2006/main" xmlns:p="http://schemas.openxmlformats.org/presentationml/2006/main" xmlns:r="http://schemas.openxmlformats.org/officeDocument/2006/relationships" xmlns:p14="http://schemas.microsoft.com/office/powerpoint/2010/main" xmlns:p15="http://schemas.microsoft.com/office/powerpoint/2012/main" xmlns:mc="http://schemas.openxmlformats.org/markup-compatibility/2006" type="obj" preserve="1">
+<p:sldLayout xmlns:a="http://schemas.openxmlformats.org/drawingml/2006/main" xmlns:r="http://schemas.openxmlformats.org/officeDocument/2006/relationships" xmlns:p="http://schemas.openxmlformats.org/presentationml/2006/main" type="obj" preserve="1">
   <p:cSld name="Title, Content">
     <p:spTree>
       <p:nvGrpSpPr>
@@ -735,9 +865,10 @@
           </a:prstGeom>
         </p:spPr>
         <p:txBody>
-          <a:bodyPr lIns="0" rIns="0" tIns="0" bIns="0" anchor="ctr"/>
-          <a:p>
-            <a:endParaRPr b="0" lang="cs-CZ" sz="1800" spc="-1" strike="noStrike">
+          <a:bodyPr lIns="0" tIns="0" rIns="0" bIns="0" anchor="ctr"/>
+          <a:lstStyle/>
+          <a:p>
+            <a:endParaRPr lang="cs-CZ" sz="1800" b="0" strike="noStrike" spc="-1">
               <a:solidFill>
                 <a:srgbClr val="000000"/>
               </a:solidFill>
@@ -766,11 +897,12 @@
           </a:prstGeom>
         </p:spPr>
         <p:txBody>
-          <a:bodyPr lIns="0" rIns="0" tIns="0" bIns="0">
+          <a:bodyPr lIns="0" tIns="0" rIns="0" bIns="0">
             <a:normAutofit/>
           </a:bodyPr>
-          <a:p>
-            <a:endParaRPr b="0" lang="cs-CZ" sz="2800" spc="-1" strike="noStrike">
+          <a:lstStyle/>
+          <a:p>
+            <a:endParaRPr lang="cs-CZ" sz="2800" b="0" strike="noStrike" spc="-1">
               <a:solidFill>
                 <a:srgbClr val="000000"/>
               </a:solidFill>
@@ -781,11 +913,14 @@
       </p:sp>
     </p:spTree>
   </p:cSld>
+  <p:clrMapOvr>
+    <a:masterClrMapping/>
+  </p:clrMapOvr>
 </p:sldLayout>
 </file>
 
 <file path=ppt/slideLayouts/slideLayout16.xml><?xml version="1.0" encoding="utf-8"?>
-<p:sldLayout xmlns:a="http://schemas.openxmlformats.org/drawingml/2006/main" xmlns:p="http://schemas.openxmlformats.org/presentationml/2006/main" xmlns:r="http://schemas.openxmlformats.org/officeDocument/2006/relationships" xmlns:p14="http://schemas.microsoft.com/office/powerpoint/2010/main" xmlns:p15="http://schemas.microsoft.com/office/powerpoint/2012/main" xmlns:mc="http://schemas.openxmlformats.org/markup-compatibility/2006" type="twoObj" preserve="1">
+<p:sldLayout xmlns:a="http://schemas.openxmlformats.org/drawingml/2006/main" xmlns:r="http://schemas.openxmlformats.org/officeDocument/2006/relationships" xmlns:p="http://schemas.openxmlformats.org/presentationml/2006/main" type="twoObj" preserve="1">
   <p:cSld name="Title, 2 Content">
     <p:spTree>
       <p:nvGrpSpPr>
@@ -821,9 +956,10 @@
           </a:prstGeom>
         </p:spPr>
         <p:txBody>
-          <a:bodyPr lIns="0" rIns="0" tIns="0" bIns="0" anchor="ctr"/>
-          <a:p>
-            <a:endParaRPr b="0" lang="cs-CZ" sz="1800" spc="-1" strike="noStrike">
+          <a:bodyPr lIns="0" tIns="0" rIns="0" bIns="0" anchor="ctr"/>
+          <a:lstStyle/>
+          <a:p>
+            <a:endParaRPr lang="cs-CZ" sz="1800" b="0" strike="noStrike" spc="-1">
               <a:solidFill>
                 <a:srgbClr val="000000"/>
               </a:solidFill>
@@ -852,11 +988,12 @@
           </a:prstGeom>
         </p:spPr>
         <p:txBody>
-          <a:bodyPr lIns="0" rIns="0" tIns="0" bIns="0">
+          <a:bodyPr lIns="0" tIns="0" rIns="0" bIns="0">
             <a:normAutofit/>
           </a:bodyPr>
-          <a:p>
-            <a:endParaRPr b="0" lang="cs-CZ" sz="2800" spc="-1" strike="noStrike">
+          <a:lstStyle/>
+          <a:p>
+            <a:endParaRPr lang="cs-CZ" sz="2800" b="0" strike="noStrike" spc="-1">
               <a:solidFill>
                 <a:srgbClr val="000000"/>
               </a:solidFill>
@@ -885,11 +1022,12 @@
           </a:prstGeom>
         </p:spPr>
         <p:txBody>
-          <a:bodyPr lIns="0" rIns="0" tIns="0" bIns="0">
+          <a:bodyPr lIns="0" tIns="0" rIns="0" bIns="0">
             <a:normAutofit/>
           </a:bodyPr>
-          <a:p>
-            <a:endParaRPr b="0" lang="cs-CZ" sz="2800" spc="-1" strike="noStrike">
+          <a:lstStyle/>
+          <a:p>
+            <a:endParaRPr lang="cs-CZ" sz="2800" b="0" strike="noStrike" spc="-1">
               <a:solidFill>
                 <a:srgbClr val="000000"/>
               </a:solidFill>
@@ -900,11 +1038,14 @@
       </p:sp>
     </p:spTree>
   </p:cSld>
+  <p:clrMapOvr>
+    <a:masterClrMapping/>
+  </p:clrMapOvr>
 </p:sldLayout>
 </file>
 
 <file path=ppt/slideLayouts/slideLayout17.xml><?xml version="1.0" encoding="utf-8"?>
-<p:sldLayout xmlns:a="http://schemas.openxmlformats.org/drawingml/2006/main" xmlns:p="http://schemas.openxmlformats.org/presentationml/2006/main" xmlns:r="http://schemas.openxmlformats.org/officeDocument/2006/relationships" xmlns:p14="http://schemas.microsoft.com/office/powerpoint/2010/main" xmlns:p15="http://schemas.microsoft.com/office/powerpoint/2012/main" xmlns:mc="http://schemas.openxmlformats.org/markup-compatibility/2006" type="titleOnly" preserve="1">
+<p:sldLayout xmlns:a="http://schemas.openxmlformats.org/drawingml/2006/main" xmlns:r="http://schemas.openxmlformats.org/officeDocument/2006/relationships" xmlns:p="http://schemas.openxmlformats.org/presentationml/2006/main" type="titleOnly" preserve="1">
   <p:cSld name="Title Only">
     <p:spTree>
       <p:nvGrpSpPr>
@@ -940,9 +1081,10 @@
           </a:prstGeom>
         </p:spPr>
         <p:txBody>
-          <a:bodyPr lIns="0" rIns="0" tIns="0" bIns="0" anchor="ctr"/>
-          <a:p>
-            <a:endParaRPr b="0" lang="cs-CZ" sz="1800" spc="-1" strike="noStrike">
+          <a:bodyPr lIns="0" tIns="0" rIns="0" bIns="0" anchor="ctr"/>
+          <a:lstStyle/>
+          <a:p>
+            <a:endParaRPr lang="cs-CZ" sz="1800" b="0" strike="noStrike" spc="-1">
               <a:solidFill>
                 <a:srgbClr val="000000"/>
               </a:solidFill>
@@ -953,11 +1095,14 @@
       </p:sp>
     </p:spTree>
   </p:cSld>
+  <p:clrMapOvr>
+    <a:masterClrMapping/>
+  </p:clrMapOvr>
 </p:sldLayout>
 </file>
 
 <file path=ppt/slideLayouts/slideLayout18.xml><?xml version="1.0" encoding="utf-8"?>
-<p:sldLayout xmlns:a="http://schemas.openxmlformats.org/drawingml/2006/main" xmlns:p="http://schemas.openxmlformats.org/presentationml/2006/main" xmlns:r="http://schemas.openxmlformats.org/officeDocument/2006/relationships" xmlns:p14="http://schemas.microsoft.com/office/powerpoint/2010/main" xmlns:p15="http://schemas.microsoft.com/office/powerpoint/2012/main" xmlns:mc="http://schemas.openxmlformats.org/markup-compatibility/2006" type="objOnly" preserve="1">
+<p:sldLayout xmlns:a="http://schemas.openxmlformats.org/drawingml/2006/main" xmlns:r="http://schemas.openxmlformats.org/officeDocument/2006/relationships" xmlns:p="http://schemas.openxmlformats.org/presentationml/2006/main" type="objOnly" preserve="1">
   <p:cSld name="Centered Text">
     <p:spTree>
       <p:nvGrpSpPr>
@@ -993,10 +1138,11 @@
           </a:prstGeom>
         </p:spPr>
         <p:txBody>
-          <a:bodyPr lIns="0" rIns="0" tIns="0" bIns="0" anchor="ctr"/>
+          <a:bodyPr lIns="0" tIns="0" rIns="0" bIns="0" anchor="ctr"/>
+          <a:lstStyle/>
           <a:p>
             <a:pPr algn="ctr"/>
-            <a:endParaRPr b="0" lang="cs-CZ" sz="3200" spc="-1" strike="noStrike">
+            <a:endParaRPr lang="cs-CZ" sz="3200" b="0" strike="noStrike" spc="-1">
               <a:latin typeface="Arial"/>
             </a:endParaRPr>
           </a:p>
@@ -1004,11 +1150,14 @@
       </p:sp>
     </p:spTree>
   </p:cSld>
+  <p:clrMapOvr>
+    <a:masterClrMapping/>
+  </p:clrMapOvr>
 </p:sldLayout>
 </file>
 
 <file path=ppt/slideLayouts/slideLayout19.xml><?xml version="1.0" encoding="utf-8"?>
-<p:sldLayout xmlns:a="http://schemas.openxmlformats.org/drawingml/2006/main" xmlns:p="http://schemas.openxmlformats.org/presentationml/2006/main" xmlns:r="http://schemas.openxmlformats.org/officeDocument/2006/relationships" xmlns:p14="http://schemas.microsoft.com/office/powerpoint/2010/main" xmlns:p15="http://schemas.microsoft.com/office/powerpoint/2012/main" xmlns:mc="http://schemas.openxmlformats.org/markup-compatibility/2006" type="twoObjAndObj" preserve="1">
+<p:sldLayout xmlns:a="http://schemas.openxmlformats.org/drawingml/2006/main" xmlns:r="http://schemas.openxmlformats.org/officeDocument/2006/relationships" xmlns:p="http://schemas.openxmlformats.org/presentationml/2006/main" type="twoObjAndObj" preserve="1">
   <p:cSld name="Title, 2 Content and Content">
     <p:spTree>
       <p:nvGrpSpPr>
@@ -1044,9 +1193,10 @@
           </a:prstGeom>
         </p:spPr>
         <p:txBody>
-          <a:bodyPr lIns="0" rIns="0" tIns="0" bIns="0" anchor="ctr"/>
-          <a:p>
-            <a:endParaRPr b="0" lang="cs-CZ" sz="1800" spc="-1" strike="noStrike">
+          <a:bodyPr lIns="0" tIns="0" rIns="0" bIns="0" anchor="ctr"/>
+          <a:lstStyle/>
+          <a:p>
+            <a:endParaRPr lang="cs-CZ" sz="1800" b="0" strike="noStrike" spc="-1">
               <a:solidFill>
                 <a:srgbClr val="000000"/>
               </a:solidFill>
@@ -1075,11 +1225,12 @@
           </a:prstGeom>
         </p:spPr>
         <p:txBody>
-          <a:bodyPr lIns="0" rIns="0" tIns="0" bIns="0">
+          <a:bodyPr lIns="0" tIns="0" rIns="0" bIns="0">
             <a:normAutofit/>
           </a:bodyPr>
-          <a:p>
-            <a:endParaRPr b="0" lang="cs-CZ" sz="2800" spc="-1" strike="noStrike">
+          <a:lstStyle/>
+          <a:p>
+            <a:endParaRPr lang="cs-CZ" sz="2800" b="0" strike="noStrike" spc="-1">
               <a:solidFill>
                 <a:srgbClr val="000000"/>
               </a:solidFill>
@@ -1108,11 +1259,12 @@
           </a:prstGeom>
         </p:spPr>
         <p:txBody>
-          <a:bodyPr lIns="0" rIns="0" tIns="0" bIns="0">
+          <a:bodyPr lIns="0" tIns="0" rIns="0" bIns="0">
             <a:normAutofit/>
           </a:bodyPr>
-          <a:p>
-            <a:endParaRPr b="0" lang="cs-CZ" sz="2800" spc="-1" strike="noStrike">
+          <a:lstStyle/>
+          <a:p>
+            <a:endParaRPr lang="cs-CZ" sz="2800" b="0" strike="noStrike" spc="-1">
               <a:solidFill>
                 <a:srgbClr val="000000"/>
               </a:solidFill>
@@ -1141,11 +1293,12 @@
           </a:prstGeom>
         </p:spPr>
         <p:txBody>
-          <a:bodyPr lIns="0" rIns="0" tIns="0" bIns="0">
+          <a:bodyPr lIns="0" tIns="0" rIns="0" bIns="0">
             <a:normAutofit/>
           </a:bodyPr>
-          <a:p>
-            <a:endParaRPr b="0" lang="cs-CZ" sz="2800" spc="-1" strike="noStrike">
+          <a:lstStyle/>
+          <a:p>
+            <a:endParaRPr lang="cs-CZ" sz="2800" b="0" strike="noStrike" spc="-1">
               <a:solidFill>
                 <a:srgbClr val="000000"/>
               </a:solidFill>
@@ -1156,11 +1309,14 @@
       </p:sp>
     </p:spTree>
   </p:cSld>
+  <p:clrMapOvr>
+    <a:masterClrMapping/>
+  </p:clrMapOvr>
 </p:sldLayout>
 </file>
 
 <file path=ppt/slideLayouts/slideLayout2.xml><?xml version="1.0" encoding="utf-8"?>
-<p:sldLayout xmlns:a="http://schemas.openxmlformats.org/drawingml/2006/main" xmlns:p="http://schemas.openxmlformats.org/presentationml/2006/main" xmlns:r="http://schemas.openxmlformats.org/officeDocument/2006/relationships" xmlns:p14="http://schemas.microsoft.com/office/powerpoint/2010/main" xmlns:p15="http://schemas.microsoft.com/office/powerpoint/2012/main" xmlns:mc="http://schemas.openxmlformats.org/markup-compatibility/2006" type="tx" preserve="1">
+<p:sldLayout xmlns:a="http://schemas.openxmlformats.org/drawingml/2006/main" xmlns:r="http://schemas.openxmlformats.org/officeDocument/2006/relationships" xmlns:p="http://schemas.openxmlformats.org/presentationml/2006/main" type="tx" preserve="1">
   <p:cSld name="Title Slide">
     <p:spTree>
       <p:nvGrpSpPr>
@@ -1196,9 +1352,10 @@
           </a:prstGeom>
         </p:spPr>
         <p:txBody>
-          <a:bodyPr lIns="0" rIns="0" tIns="0" bIns="0" anchor="ctr"/>
-          <a:p>
-            <a:endParaRPr b="0" lang="cs-CZ" sz="1800" spc="-1" strike="noStrike">
+          <a:bodyPr lIns="0" tIns="0" rIns="0" bIns="0" anchor="ctr"/>
+          <a:lstStyle/>
+          <a:p>
+            <a:endParaRPr lang="cs-CZ" sz="1800" b="0" strike="noStrike" spc="-1">
               <a:solidFill>
                 <a:srgbClr val="000000"/>
               </a:solidFill>
@@ -1227,10 +1384,11 @@
           </a:prstGeom>
         </p:spPr>
         <p:txBody>
-          <a:bodyPr lIns="0" rIns="0" tIns="0" bIns="0" anchor="ctr"/>
+          <a:bodyPr lIns="0" tIns="0" rIns="0" bIns="0" anchor="ctr"/>
+          <a:lstStyle/>
           <a:p>
             <a:pPr algn="ctr"/>
-            <a:endParaRPr b="0" lang="cs-CZ" sz="3200" spc="-1" strike="noStrike">
+            <a:endParaRPr lang="cs-CZ" sz="3200" b="0" strike="noStrike" spc="-1">
               <a:latin typeface="Arial"/>
             </a:endParaRPr>
           </a:p>
@@ -1238,11 +1396,14 @@
       </p:sp>
     </p:spTree>
   </p:cSld>
+  <p:clrMapOvr>
+    <a:masterClrMapping/>
+  </p:clrMapOvr>
 </p:sldLayout>
 </file>
 
 <file path=ppt/slideLayouts/slideLayout20.xml><?xml version="1.0" encoding="utf-8"?>
-<p:sldLayout xmlns:a="http://schemas.openxmlformats.org/drawingml/2006/main" xmlns:p="http://schemas.openxmlformats.org/presentationml/2006/main" xmlns:r="http://schemas.openxmlformats.org/officeDocument/2006/relationships" xmlns:p14="http://schemas.microsoft.com/office/powerpoint/2010/main" xmlns:p15="http://schemas.microsoft.com/office/powerpoint/2012/main" xmlns:mc="http://schemas.openxmlformats.org/markup-compatibility/2006" type="objAndTwoObj" preserve="1">
+<p:sldLayout xmlns:a="http://schemas.openxmlformats.org/drawingml/2006/main" xmlns:r="http://schemas.openxmlformats.org/officeDocument/2006/relationships" xmlns:p="http://schemas.openxmlformats.org/presentationml/2006/main" type="objAndTwoObj" preserve="1">
   <p:cSld name="Title Content and 2 Content">
     <p:spTree>
       <p:nvGrpSpPr>
@@ -1278,9 +1439,10 @@
           </a:prstGeom>
         </p:spPr>
         <p:txBody>
-          <a:bodyPr lIns="0" rIns="0" tIns="0" bIns="0" anchor="ctr"/>
-          <a:p>
-            <a:endParaRPr b="0" lang="cs-CZ" sz="1800" spc="-1" strike="noStrike">
+          <a:bodyPr lIns="0" tIns="0" rIns="0" bIns="0" anchor="ctr"/>
+          <a:lstStyle/>
+          <a:p>
+            <a:endParaRPr lang="cs-CZ" sz="1800" b="0" strike="noStrike" spc="-1">
               <a:solidFill>
                 <a:srgbClr val="000000"/>
               </a:solidFill>
@@ -1309,11 +1471,12 @@
           </a:prstGeom>
         </p:spPr>
         <p:txBody>
-          <a:bodyPr lIns="0" rIns="0" tIns="0" bIns="0">
+          <a:bodyPr lIns="0" tIns="0" rIns="0" bIns="0">
             <a:normAutofit/>
           </a:bodyPr>
-          <a:p>
-            <a:endParaRPr b="0" lang="cs-CZ" sz="2800" spc="-1" strike="noStrike">
+          <a:lstStyle/>
+          <a:p>
+            <a:endParaRPr lang="cs-CZ" sz="2800" b="0" strike="noStrike" spc="-1">
               <a:solidFill>
                 <a:srgbClr val="000000"/>
               </a:solidFill>
@@ -1342,11 +1505,12 @@
           </a:prstGeom>
         </p:spPr>
         <p:txBody>
-          <a:bodyPr lIns="0" rIns="0" tIns="0" bIns="0">
+          <a:bodyPr lIns="0" tIns="0" rIns="0" bIns="0">
             <a:normAutofit/>
           </a:bodyPr>
-          <a:p>
-            <a:endParaRPr b="0" lang="cs-CZ" sz="2800" spc="-1" strike="noStrike">
+          <a:lstStyle/>
+          <a:p>
+            <a:endParaRPr lang="cs-CZ" sz="2800" b="0" strike="noStrike" spc="-1">
               <a:solidFill>
                 <a:srgbClr val="000000"/>
               </a:solidFill>
@@ -1375,11 +1539,12 @@
           </a:prstGeom>
         </p:spPr>
         <p:txBody>
-          <a:bodyPr lIns="0" rIns="0" tIns="0" bIns="0">
+          <a:bodyPr lIns="0" tIns="0" rIns="0" bIns="0">
             <a:normAutofit/>
           </a:bodyPr>
-          <a:p>
-            <a:endParaRPr b="0" lang="cs-CZ" sz="2800" spc="-1" strike="noStrike">
+          <a:lstStyle/>
+          <a:p>
+            <a:endParaRPr lang="cs-CZ" sz="2800" b="0" strike="noStrike" spc="-1">
               <a:solidFill>
                 <a:srgbClr val="000000"/>
               </a:solidFill>
@@ -1390,11 +1555,14 @@
       </p:sp>
     </p:spTree>
   </p:cSld>
+  <p:clrMapOvr>
+    <a:masterClrMapping/>
+  </p:clrMapOvr>
 </p:sldLayout>
 </file>
 
 <file path=ppt/slideLayouts/slideLayout21.xml><?xml version="1.0" encoding="utf-8"?>
-<p:sldLayout xmlns:a="http://schemas.openxmlformats.org/drawingml/2006/main" xmlns:p="http://schemas.openxmlformats.org/presentationml/2006/main" xmlns:r="http://schemas.openxmlformats.org/officeDocument/2006/relationships" xmlns:p14="http://schemas.microsoft.com/office/powerpoint/2010/main" xmlns:p15="http://schemas.microsoft.com/office/powerpoint/2012/main" xmlns:mc="http://schemas.openxmlformats.org/markup-compatibility/2006" type="twoObjOverTx" preserve="1">
+<p:sldLayout xmlns:a="http://schemas.openxmlformats.org/drawingml/2006/main" xmlns:r="http://schemas.openxmlformats.org/officeDocument/2006/relationships" xmlns:p="http://schemas.openxmlformats.org/presentationml/2006/main" type="twoObjOverTx" preserve="1">
   <p:cSld name="Title, 2 Content over Content">
     <p:spTree>
       <p:nvGrpSpPr>
@@ -1430,9 +1598,10 @@
           </a:prstGeom>
         </p:spPr>
         <p:txBody>
-          <a:bodyPr lIns="0" rIns="0" tIns="0" bIns="0" anchor="ctr"/>
-          <a:p>
-            <a:endParaRPr b="0" lang="cs-CZ" sz="1800" spc="-1" strike="noStrike">
+          <a:bodyPr lIns="0" tIns="0" rIns="0" bIns="0" anchor="ctr"/>
+          <a:lstStyle/>
+          <a:p>
+            <a:endParaRPr lang="cs-CZ" sz="1800" b="0" strike="noStrike" spc="-1">
               <a:solidFill>
                 <a:srgbClr val="000000"/>
               </a:solidFill>
@@ -1461,11 +1630,12 @@
           </a:prstGeom>
         </p:spPr>
         <p:txBody>
-          <a:bodyPr lIns="0" rIns="0" tIns="0" bIns="0">
+          <a:bodyPr lIns="0" tIns="0" rIns="0" bIns="0">
             <a:normAutofit/>
           </a:bodyPr>
-          <a:p>
-            <a:endParaRPr b="0" lang="cs-CZ" sz="2800" spc="-1" strike="noStrike">
+          <a:lstStyle/>
+          <a:p>
+            <a:endParaRPr lang="cs-CZ" sz="2800" b="0" strike="noStrike" spc="-1">
               <a:solidFill>
                 <a:srgbClr val="000000"/>
               </a:solidFill>
@@ -1494,11 +1664,12 @@
           </a:prstGeom>
         </p:spPr>
         <p:txBody>
-          <a:bodyPr lIns="0" rIns="0" tIns="0" bIns="0">
+          <a:bodyPr lIns="0" tIns="0" rIns="0" bIns="0">
             <a:normAutofit/>
           </a:bodyPr>
-          <a:p>
-            <a:endParaRPr b="0" lang="cs-CZ" sz="2800" spc="-1" strike="noStrike">
+          <a:lstStyle/>
+          <a:p>
+            <a:endParaRPr lang="cs-CZ" sz="2800" b="0" strike="noStrike" spc="-1">
               <a:solidFill>
                 <a:srgbClr val="000000"/>
               </a:solidFill>
@@ -1527,11 +1698,12 @@
           </a:prstGeom>
         </p:spPr>
         <p:txBody>
-          <a:bodyPr lIns="0" rIns="0" tIns="0" bIns="0">
+          <a:bodyPr lIns="0" tIns="0" rIns="0" bIns="0">
             <a:normAutofit/>
           </a:bodyPr>
-          <a:p>
-            <a:endParaRPr b="0" lang="cs-CZ" sz="2800" spc="-1" strike="noStrike">
+          <a:lstStyle/>
+          <a:p>
+            <a:endParaRPr lang="cs-CZ" sz="2800" b="0" strike="noStrike" spc="-1">
               <a:solidFill>
                 <a:srgbClr val="000000"/>
               </a:solidFill>
@@ -1542,11 +1714,14 @@
       </p:sp>
     </p:spTree>
   </p:cSld>
+  <p:clrMapOvr>
+    <a:masterClrMapping/>
+  </p:clrMapOvr>
 </p:sldLayout>
 </file>
 
 <file path=ppt/slideLayouts/slideLayout22.xml><?xml version="1.0" encoding="utf-8"?>
-<p:sldLayout xmlns:a="http://schemas.openxmlformats.org/drawingml/2006/main" xmlns:p="http://schemas.openxmlformats.org/presentationml/2006/main" xmlns:r="http://schemas.openxmlformats.org/officeDocument/2006/relationships" xmlns:p14="http://schemas.microsoft.com/office/powerpoint/2010/main" xmlns:p15="http://schemas.microsoft.com/office/powerpoint/2012/main" xmlns:mc="http://schemas.openxmlformats.org/markup-compatibility/2006" type="objOverTx" preserve="1">
+<p:sldLayout xmlns:a="http://schemas.openxmlformats.org/drawingml/2006/main" xmlns:r="http://schemas.openxmlformats.org/officeDocument/2006/relationships" xmlns:p="http://schemas.openxmlformats.org/presentationml/2006/main" type="objOverTx" preserve="1">
   <p:cSld name="Title, Content over Content">
     <p:spTree>
       <p:nvGrpSpPr>
@@ -1582,9 +1757,10 @@
           </a:prstGeom>
         </p:spPr>
         <p:txBody>
-          <a:bodyPr lIns="0" rIns="0" tIns="0" bIns="0" anchor="ctr"/>
-          <a:p>
-            <a:endParaRPr b="0" lang="cs-CZ" sz="1800" spc="-1" strike="noStrike">
+          <a:bodyPr lIns="0" tIns="0" rIns="0" bIns="0" anchor="ctr"/>
+          <a:lstStyle/>
+          <a:p>
+            <a:endParaRPr lang="cs-CZ" sz="1800" b="0" strike="noStrike" spc="-1">
               <a:solidFill>
                 <a:srgbClr val="000000"/>
               </a:solidFill>
@@ -1613,11 +1789,12 @@
           </a:prstGeom>
         </p:spPr>
         <p:txBody>
-          <a:bodyPr lIns="0" rIns="0" tIns="0" bIns="0">
+          <a:bodyPr lIns="0" tIns="0" rIns="0" bIns="0">
             <a:normAutofit/>
           </a:bodyPr>
-          <a:p>
-            <a:endParaRPr b="0" lang="cs-CZ" sz="2800" spc="-1" strike="noStrike">
+          <a:lstStyle/>
+          <a:p>
+            <a:endParaRPr lang="cs-CZ" sz="2800" b="0" strike="noStrike" spc="-1">
               <a:solidFill>
                 <a:srgbClr val="000000"/>
               </a:solidFill>
@@ -1646,11 +1823,12 @@
           </a:prstGeom>
         </p:spPr>
         <p:txBody>
-          <a:bodyPr lIns="0" rIns="0" tIns="0" bIns="0">
+          <a:bodyPr lIns="0" tIns="0" rIns="0" bIns="0">
             <a:normAutofit/>
           </a:bodyPr>
-          <a:p>
-            <a:endParaRPr b="0" lang="cs-CZ" sz="2800" spc="-1" strike="noStrike">
+          <a:lstStyle/>
+          <a:p>
+            <a:endParaRPr lang="cs-CZ" sz="2800" b="0" strike="noStrike" spc="-1">
               <a:solidFill>
                 <a:srgbClr val="000000"/>
               </a:solidFill>
@@ -1661,11 +1839,14 @@
       </p:sp>
     </p:spTree>
   </p:cSld>
+  <p:clrMapOvr>
+    <a:masterClrMapping/>
+  </p:clrMapOvr>
 </p:sldLayout>
 </file>
 
 <file path=ppt/slideLayouts/slideLayout23.xml><?xml version="1.0" encoding="utf-8"?>
-<p:sldLayout xmlns:a="http://schemas.openxmlformats.org/drawingml/2006/main" xmlns:p="http://schemas.openxmlformats.org/presentationml/2006/main" xmlns:r="http://schemas.openxmlformats.org/officeDocument/2006/relationships" xmlns:p14="http://schemas.microsoft.com/office/powerpoint/2010/main" xmlns:p15="http://schemas.microsoft.com/office/powerpoint/2012/main" xmlns:mc="http://schemas.openxmlformats.org/markup-compatibility/2006" type="fourObj" preserve="1">
+<p:sldLayout xmlns:a="http://schemas.openxmlformats.org/drawingml/2006/main" xmlns:r="http://schemas.openxmlformats.org/officeDocument/2006/relationships" xmlns:p="http://schemas.openxmlformats.org/presentationml/2006/main" type="fourObj" preserve="1">
   <p:cSld name="Title, 4 Content">
     <p:spTree>
       <p:nvGrpSpPr>
@@ -1701,9 +1882,10 @@
           </a:prstGeom>
         </p:spPr>
         <p:txBody>
-          <a:bodyPr lIns="0" rIns="0" tIns="0" bIns="0" anchor="ctr"/>
-          <a:p>
-            <a:endParaRPr b="0" lang="cs-CZ" sz="1800" spc="-1" strike="noStrike">
+          <a:bodyPr lIns="0" tIns="0" rIns="0" bIns="0" anchor="ctr"/>
+          <a:lstStyle/>
+          <a:p>
+            <a:endParaRPr lang="cs-CZ" sz="1800" b="0" strike="noStrike" spc="-1">
               <a:solidFill>
                 <a:srgbClr val="000000"/>
               </a:solidFill>
@@ -1732,11 +1914,12 @@
           </a:prstGeom>
         </p:spPr>
         <p:txBody>
-          <a:bodyPr lIns="0" rIns="0" tIns="0" bIns="0">
+          <a:bodyPr lIns="0" tIns="0" rIns="0" bIns="0">
             <a:normAutofit/>
           </a:bodyPr>
-          <a:p>
-            <a:endParaRPr b="0" lang="cs-CZ" sz="2800" spc="-1" strike="noStrike">
+          <a:lstStyle/>
+          <a:p>
+            <a:endParaRPr lang="cs-CZ" sz="2800" b="0" strike="noStrike" spc="-1">
               <a:solidFill>
                 <a:srgbClr val="000000"/>
               </a:solidFill>
@@ -1765,11 +1948,12 @@
           </a:prstGeom>
         </p:spPr>
         <p:txBody>
-          <a:bodyPr lIns="0" rIns="0" tIns="0" bIns="0">
+          <a:bodyPr lIns="0" tIns="0" rIns="0" bIns="0">
             <a:normAutofit/>
           </a:bodyPr>
-          <a:p>
-            <a:endParaRPr b="0" lang="cs-CZ" sz="2800" spc="-1" strike="noStrike">
+          <a:lstStyle/>
+          <a:p>
+            <a:endParaRPr lang="cs-CZ" sz="2800" b="0" strike="noStrike" spc="-1">
               <a:solidFill>
                 <a:srgbClr val="000000"/>
               </a:solidFill>
@@ -1798,11 +1982,12 @@
           </a:prstGeom>
         </p:spPr>
         <p:txBody>
-          <a:bodyPr lIns="0" rIns="0" tIns="0" bIns="0">
+          <a:bodyPr lIns="0" tIns="0" rIns="0" bIns="0">
             <a:normAutofit/>
           </a:bodyPr>
-          <a:p>
-            <a:endParaRPr b="0" lang="cs-CZ" sz="2800" spc="-1" strike="noStrike">
+          <a:lstStyle/>
+          <a:p>
+            <a:endParaRPr lang="cs-CZ" sz="2800" b="0" strike="noStrike" spc="-1">
               <a:solidFill>
                 <a:srgbClr val="000000"/>
               </a:solidFill>
@@ -1831,11 +2016,12 @@
           </a:prstGeom>
         </p:spPr>
         <p:txBody>
-          <a:bodyPr lIns="0" rIns="0" tIns="0" bIns="0">
+          <a:bodyPr lIns="0" tIns="0" rIns="0" bIns="0">
             <a:normAutofit/>
           </a:bodyPr>
-          <a:p>
-            <a:endParaRPr b="0" lang="cs-CZ" sz="2800" spc="-1" strike="noStrike">
+          <a:lstStyle/>
+          <a:p>
+            <a:endParaRPr lang="cs-CZ" sz="2800" b="0" strike="noStrike" spc="-1">
               <a:solidFill>
                 <a:srgbClr val="000000"/>
               </a:solidFill>
@@ -1846,11 +2032,14 @@
       </p:sp>
     </p:spTree>
   </p:cSld>
+  <p:clrMapOvr>
+    <a:masterClrMapping/>
+  </p:clrMapOvr>
 </p:sldLayout>
 </file>
 
 <file path=ppt/slideLayouts/slideLayout24.xml><?xml version="1.0" encoding="utf-8"?>
-<p:sldLayout xmlns:a="http://schemas.openxmlformats.org/drawingml/2006/main" xmlns:p="http://schemas.openxmlformats.org/presentationml/2006/main" xmlns:r="http://schemas.openxmlformats.org/officeDocument/2006/relationships" xmlns:p14="http://schemas.microsoft.com/office/powerpoint/2010/main" xmlns:p15="http://schemas.microsoft.com/office/powerpoint/2012/main" xmlns:mc="http://schemas.openxmlformats.org/markup-compatibility/2006" type="blank" preserve="1">
+<p:sldLayout xmlns:a="http://schemas.openxmlformats.org/drawingml/2006/main" xmlns:r="http://schemas.openxmlformats.org/officeDocument/2006/relationships" xmlns:p="http://schemas.openxmlformats.org/presentationml/2006/main" type="blank" preserve="1">
   <p:cSld name="Title, 6 Content">
     <p:spTree>
       <p:nvGrpSpPr>
@@ -1886,9 +2075,10 @@
           </a:prstGeom>
         </p:spPr>
         <p:txBody>
-          <a:bodyPr lIns="0" rIns="0" tIns="0" bIns="0" anchor="ctr"/>
-          <a:p>
-            <a:endParaRPr b="0" lang="cs-CZ" sz="1800" spc="-1" strike="noStrike">
+          <a:bodyPr lIns="0" tIns="0" rIns="0" bIns="0" anchor="ctr"/>
+          <a:lstStyle/>
+          <a:p>
+            <a:endParaRPr lang="cs-CZ" sz="1800" b="0" strike="noStrike" spc="-1">
               <a:solidFill>
                 <a:srgbClr val="000000"/>
               </a:solidFill>
@@ -1917,11 +2107,12 @@
           </a:prstGeom>
         </p:spPr>
         <p:txBody>
-          <a:bodyPr lIns="0" rIns="0" tIns="0" bIns="0">
+          <a:bodyPr lIns="0" tIns="0" rIns="0" bIns="0">
             <a:normAutofit/>
           </a:bodyPr>
-          <a:p>
-            <a:endParaRPr b="0" lang="cs-CZ" sz="2800" spc="-1" strike="noStrike">
+          <a:lstStyle/>
+          <a:p>
+            <a:endParaRPr lang="cs-CZ" sz="2800" b="0" strike="noStrike" spc="-1">
               <a:solidFill>
                 <a:srgbClr val="000000"/>
               </a:solidFill>
@@ -1950,11 +2141,12 @@
           </a:prstGeom>
         </p:spPr>
         <p:txBody>
-          <a:bodyPr lIns="0" rIns="0" tIns="0" bIns="0">
+          <a:bodyPr lIns="0" tIns="0" rIns="0" bIns="0">
             <a:normAutofit/>
           </a:bodyPr>
-          <a:p>
-            <a:endParaRPr b="0" lang="cs-CZ" sz="2800" spc="-1" strike="noStrike">
+          <a:lstStyle/>
+          <a:p>
+            <a:endParaRPr lang="cs-CZ" sz="2800" b="0" strike="noStrike" spc="-1">
               <a:solidFill>
                 <a:srgbClr val="000000"/>
               </a:solidFill>
@@ -1983,11 +2175,12 @@
           </a:prstGeom>
         </p:spPr>
         <p:txBody>
-          <a:bodyPr lIns="0" rIns="0" tIns="0" bIns="0">
+          <a:bodyPr lIns="0" tIns="0" rIns="0" bIns="0">
             <a:normAutofit/>
           </a:bodyPr>
-          <a:p>
-            <a:endParaRPr b="0" lang="cs-CZ" sz="2800" spc="-1" strike="noStrike">
+          <a:lstStyle/>
+          <a:p>
+            <a:endParaRPr lang="cs-CZ" sz="2800" b="0" strike="noStrike" spc="-1">
               <a:solidFill>
                 <a:srgbClr val="000000"/>
               </a:solidFill>
@@ -2016,11 +2209,12 @@
           </a:prstGeom>
         </p:spPr>
         <p:txBody>
-          <a:bodyPr lIns="0" rIns="0" tIns="0" bIns="0">
+          <a:bodyPr lIns="0" tIns="0" rIns="0" bIns="0">
             <a:normAutofit/>
           </a:bodyPr>
-          <a:p>
-            <a:endParaRPr b="0" lang="cs-CZ" sz="2800" spc="-1" strike="noStrike">
+          <a:lstStyle/>
+          <a:p>
+            <a:endParaRPr lang="cs-CZ" sz="2800" b="0" strike="noStrike" spc="-1">
               <a:solidFill>
                 <a:srgbClr val="000000"/>
               </a:solidFill>
@@ -2049,11 +2243,12 @@
           </a:prstGeom>
         </p:spPr>
         <p:txBody>
-          <a:bodyPr lIns="0" rIns="0" tIns="0" bIns="0">
+          <a:bodyPr lIns="0" tIns="0" rIns="0" bIns="0">
             <a:normAutofit/>
           </a:bodyPr>
-          <a:p>
-            <a:endParaRPr b="0" lang="cs-CZ" sz="2800" spc="-1" strike="noStrike">
+          <a:lstStyle/>
+          <a:p>
+            <a:endParaRPr lang="cs-CZ" sz="2800" b="0" strike="noStrike" spc="-1">
               <a:solidFill>
                 <a:srgbClr val="000000"/>
               </a:solidFill>
@@ -2082,11 +2277,12 @@
           </a:prstGeom>
         </p:spPr>
         <p:txBody>
-          <a:bodyPr lIns="0" rIns="0" tIns="0" bIns="0">
+          <a:bodyPr lIns="0" tIns="0" rIns="0" bIns="0">
             <a:normAutofit/>
           </a:bodyPr>
-          <a:p>
-            <a:endParaRPr b="0" lang="cs-CZ" sz="2800" spc="-1" strike="noStrike">
+          <a:lstStyle/>
+          <a:p>
+            <a:endParaRPr lang="cs-CZ" sz="2800" b="0" strike="noStrike" spc="-1">
               <a:solidFill>
                 <a:srgbClr val="000000"/>
               </a:solidFill>
@@ -2097,11 +2293,14 @@
       </p:sp>
     </p:spTree>
   </p:cSld>
+  <p:clrMapOvr>
+    <a:masterClrMapping/>
+  </p:clrMapOvr>
 </p:sldLayout>
 </file>
 
 <file path=ppt/slideLayouts/slideLayout25.xml><?xml version="1.0" encoding="utf-8"?>
-<p:sldLayout xmlns:a="http://schemas.openxmlformats.org/drawingml/2006/main" xmlns:p="http://schemas.openxmlformats.org/presentationml/2006/main" xmlns:r="http://schemas.openxmlformats.org/officeDocument/2006/relationships" xmlns:p14="http://schemas.microsoft.com/office/powerpoint/2010/main" xmlns:p15="http://schemas.microsoft.com/office/powerpoint/2012/main" xmlns:mc="http://schemas.openxmlformats.org/markup-compatibility/2006" type="blank" preserve="1">
+<p:sldLayout xmlns:a="http://schemas.openxmlformats.org/drawingml/2006/main" xmlns:r="http://schemas.openxmlformats.org/officeDocument/2006/relationships" xmlns:p="http://schemas.openxmlformats.org/presentationml/2006/main" type="blank" preserve="1">
   <p:cSld name="Blank Slide">
     <p:spTree>
       <p:nvGrpSpPr>
@@ -2119,11 +2318,14 @@
       </p:grpSpPr>
     </p:spTree>
   </p:cSld>
+  <p:clrMapOvr>
+    <a:masterClrMapping/>
+  </p:clrMapOvr>
 </p:sldLayout>
 </file>
 
 <file path=ppt/slideLayouts/slideLayout26.xml><?xml version="1.0" encoding="utf-8"?>
-<p:sldLayout xmlns:a="http://schemas.openxmlformats.org/drawingml/2006/main" xmlns:p="http://schemas.openxmlformats.org/presentationml/2006/main" xmlns:r="http://schemas.openxmlformats.org/officeDocument/2006/relationships" xmlns:p14="http://schemas.microsoft.com/office/powerpoint/2010/main" xmlns:p15="http://schemas.microsoft.com/office/powerpoint/2012/main" xmlns:mc="http://schemas.openxmlformats.org/markup-compatibility/2006" type="tx" preserve="1">
+<p:sldLayout xmlns:a="http://schemas.openxmlformats.org/drawingml/2006/main" xmlns:r="http://schemas.openxmlformats.org/officeDocument/2006/relationships" xmlns:p="http://schemas.openxmlformats.org/presentationml/2006/main" type="tx" preserve="1">
   <p:cSld name="Title Slide">
     <p:spTree>
       <p:nvGrpSpPr>
@@ -2159,9 +2361,10 @@
           </a:prstGeom>
         </p:spPr>
         <p:txBody>
-          <a:bodyPr lIns="0" rIns="0" tIns="0" bIns="0" anchor="ctr"/>
-          <a:p>
-            <a:endParaRPr b="0" lang="cs-CZ" sz="1800" spc="-1" strike="noStrike">
+          <a:bodyPr lIns="0" tIns="0" rIns="0" bIns="0" anchor="ctr"/>
+          <a:lstStyle/>
+          <a:p>
+            <a:endParaRPr lang="cs-CZ" sz="1800" b="0" strike="noStrike" spc="-1">
               <a:solidFill>
                 <a:srgbClr val="000000"/>
               </a:solidFill>
@@ -2190,10 +2393,11 @@
           </a:prstGeom>
         </p:spPr>
         <p:txBody>
-          <a:bodyPr lIns="0" rIns="0" tIns="0" bIns="0" anchor="ctr"/>
+          <a:bodyPr lIns="0" tIns="0" rIns="0" bIns="0" anchor="ctr"/>
+          <a:lstStyle/>
           <a:p>
             <a:pPr algn="ctr"/>
-            <a:endParaRPr b="0" lang="cs-CZ" sz="3200" spc="-1" strike="noStrike">
+            <a:endParaRPr lang="cs-CZ" sz="3200" b="0" strike="noStrike" spc="-1">
               <a:latin typeface="Arial"/>
             </a:endParaRPr>
           </a:p>
@@ -2201,11 +2405,14 @@
       </p:sp>
     </p:spTree>
   </p:cSld>
+  <p:clrMapOvr>
+    <a:masterClrMapping/>
+  </p:clrMapOvr>
 </p:sldLayout>
 </file>
 
 <file path=ppt/slideLayouts/slideLayout27.xml><?xml version="1.0" encoding="utf-8"?>
-<p:sldLayout xmlns:a="http://schemas.openxmlformats.org/drawingml/2006/main" xmlns:p="http://schemas.openxmlformats.org/presentationml/2006/main" xmlns:r="http://schemas.openxmlformats.org/officeDocument/2006/relationships" xmlns:p14="http://schemas.microsoft.com/office/powerpoint/2010/main" xmlns:p15="http://schemas.microsoft.com/office/powerpoint/2012/main" xmlns:mc="http://schemas.openxmlformats.org/markup-compatibility/2006" type="obj" preserve="1">
+<p:sldLayout xmlns:a="http://schemas.openxmlformats.org/drawingml/2006/main" xmlns:r="http://schemas.openxmlformats.org/officeDocument/2006/relationships" xmlns:p="http://schemas.openxmlformats.org/presentationml/2006/main" type="obj" preserve="1">
   <p:cSld name="Title, Content">
     <p:spTree>
       <p:nvGrpSpPr>
@@ -2241,9 +2448,10 @@
           </a:prstGeom>
         </p:spPr>
         <p:txBody>
-          <a:bodyPr lIns="0" rIns="0" tIns="0" bIns="0" anchor="ctr"/>
-          <a:p>
-            <a:endParaRPr b="0" lang="cs-CZ" sz="1800" spc="-1" strike="noStrike">
+          <a:bodyPr lIns="0" tIns="0" rIns="0" bIns="0" anchor="ctr"/>
+          <a:lstStyle/>
+          <a:p>
+            <a:endParaRPr lang="cs-CZ" sz="1800" b="0" strike="noStrike" spc="-1">
               <a:solidFill>
                 <a:srgbClr val="000000"/>
               </a:solidFill>
@@ -2272,11 +2480,12 @@
           </a:prstGeom>
         </p:spPr>
         <p:txBody>
-          <a:bodyPr lIns="0" rIns="0" tIns="0" bIns="0">
+          <a:bodyPr lIns="0" tIns="0" rIns="0" bIns="0">
             <a:normAutofit/>
           </a:bodyPr>
-          <a:p>
-            <a:endParaRPr b="0" lang="cs-CZ" sz="2800" spc="-1" strike="noStrike">
+          <a:lstStyle/>
+          <a:p>
+            <a:endParaRPr lang="cs-CZ" sz="2800" b="0" strike="noStrike" spc="-1">
               <a:solidFill>
                 <a:srgbClr val="000000"/>
               </a:solidFill>
@@ -2287,11 +2496,14 @@
       </p:sp>
     </p:spTree>
   </p:cSld>
+  <p:clrMapOvr>
+    <a:masterClrMapping/>
+  </p:clrMapOvr>
 </p:sldLayout>
 </file>
 
 <file path=ppt/slideLayouts/slideLayout28.xml><?xml version="1.0" encoding="utf-8"?>
-<p:sldLayout xmlns:a="http://schemas.openxmlformats.org/drawingml/2006/main" xmlns:p="http://schemas.openxmlformats.org/presentationml/2006/main" xmlns:r="http://schemas.openxmlformats.org/officeDocument/2006/relationships" xmlns:p14="http://schemas.microsoft.com/office/powerpoint/2010/main" xmlns:p15="http://schemas.microsoft.com/office/powerpoint/2012/main" xmlns:mc="http://schemas.openxmlformats.org/markup-compatibility/2006" type="twoObj" preserve="1">
+<p:sldLayout xmlns:a="http://schemas.openxmlformats.org/drawingml/2006/main" xmlns:r="http://schemas.openxmlformats.org/officeDocument/2006/relationships" xmlns:p="http://schemas.openxmlformats.org/presentationml/2006/main" type="twoObj" preserve="1">
   <p:cSld name="Title, 2 Content">
     <p:spTree>
       <p:nvGrpSpPr>
@@ -2327,9 +2539,10 @@
           </a:prstGeom>
         </p:spPr>
         <p:txBody>
-          <a:bodyPr lIns="0" rIns="0" tIns="0" bIns="0" anchor="ctr"/>
-          <a:p>
-            <a:endParaRPr b="0" lang="cs-CZ" sz="1800" spc="-1" strike="noStrike">
+          <a:bodyPr lIns="0" tIns="0" rIns="0" bIns="0" anchor="ctr"/>
+          <a:lstStyle/>
+          <a:p>
+            <a:endParaRPr lang="cs-CZ" sz="1800" b="0" strike="noStrike" spc="-1">
               <a:solidFill>
                 <a:srgbClr val="000000"/>
               </a:solidFill>
@@ -2358,11 +2571,12 @@
           </a:prstGeom>
         </p:spPr>
         <p:txBody>
-          <a:bodyPr lIns="0" rIns="0" tIns="0" bIns="0">
+          <a:bodyPr lIns="0" tIns="0" rIns="0" bIns="0">
             <a:normAutofit/>
           </a:bodyPr>
-          <a:p>
-            <a:endParaRPr b="0" lang="cs-CZ" sz="2800" spc="-1" strike="noStrike">
+          <a:lstStyle/>
+          <a:p>
+            <a:endParaRPr lang="cs-CZ" sz="2800" b="0" strike="noStrike" spc="-1">
               <a:solidFill>
                 <a:srgbClr val="000000"/>
               </a:solidFill>
@@ -2391,11 +2605,12 @@
           </a:prstGeom>
         </p:spPr>
         <p:txBody>
-          <a:bodyPr lIns="0" rIns="0" tIns="0" bIns="0">
+          <a:bodyPr lIns="0" tIns="0" rIns="0" bIns="0">
             <a:normAutofit/>
           </a:bodyPr>
-          <a:p>
-            <a:endParaRPr b="0" lang="cs-CZ" sz="2800" spc="-1" strike="noStrike">
+          <a:lstStyle/>
+          <a:p>
+            <a:endParaRPr lang="cs-CZ" sz="2800" b="0" strike="noStrike" spc="-1">
               <a:solidFill>
                 <a:srgbClr val="000000"/>
               </a:solidFill>
@@ -2406,11 +2621,14 @@
       </p:sp>
     </p:spTree>
   </p:cSld>
+  <p:clrMapOvr>
+    <a:masterClrMapping/>
+  </p:clrMapOvr>
 </p:sldLayout>
 </file>
 
 <file path=ppt/slideLayouts/slideLayout29.xml><?xml version="1.0" encoding="utf-8"?>
-<p:sldLayout xmlns:a="http://schemas.openxmlformats.org/drawingml/2006/main" xmlns:p="http://schemas.openxmlformats.org/presentationml/2006/main" xmlns:r="http://schemas.openxmlformats.org/officeDocument/2006/relationships" xmlns:p14="http://schemas.microsoft.com/office/powerpoint/2010/main" xmlns:p15="http://schemas.microsoft.com/office/powerpoint/2012/main" xmlns:mc="http://schemas.openxmlformats.org/markup-compatibility/2006" type="titleOnly" preserve="1">
+<p:sldLayout xmlns:a="http://schemas.openxmlformats.org/drawingml/2006/main" xmlns:r="http://schemas.openxmlformats.org/officeDocument/2006/relationships" xmlns:p="http://schemas.openxmlformats.org/presentationml/2006/main" type="titleOnly" preserve="1">
   <p:cSld name="Title Only">
     <p:spTree>
       <p:nvGrpSpPr>
@@ -2446,9 +2664,10 @@
           </a:prstGeom>
         </p:spPr>
         <p:txBody>
-          <a:bodyPr lIns="0" rIns="0" tIns="0" bIns="0" anchor="ctr"/>
-          <a:p>
-            <a:endParaRPr b="0" lang="cs-CZ" sz="1800" spc="-1" strike="noStrike">
+          <a:bodyPr lIns="0" tIns="0" rIns="0" bIns="0" anchor="ctr"/>
+          <a:lstStyle/>
+          <a:p>
+            <a:endParaRPr lang="cs-CZ" sz="1800" b="0" strike="noStrike" spc="-1">
               <a:solidFill>
                 <a:srgbClr val="000000"/>
               </a:solidFill>
@@ -2459,11 +2678,14 @@
       </p:sp>
     </p:spTree>
   </p:cSld>
+  <p:clrMapOvr>
+    <a:masterClrMapping/>
+  </p:clrMapOvr>
 </p:sldLayout>
 </file>
 
 <file path=ppt/slideLayouts/slideLayout3.xml><?xml version="1.0" encoding="utf-8"?>
-<p:sldLayout xmlns:a="http://schemas.openxmlformats.org/drawingml/2006/main" xmlns:p="http://schemas.openxmlformats.org/presentationml/2006/main" xmlns:r="http://schemas.openxmlformats.org/officeDocument/2006/relationships" xmlns:p14="http://schemas.microsoft.com/office/powerpoint/2010/main" xmlns:p15="http://schemas.microsoft.com/office/powerpoint/2012/main" xmlns:mc="http://schemas.openxmlformats.org/markup-compatibility/2006" type="obj" preserve="1">
+<p:sldLayout xmlns:a="http://schemas.openxmlformats.org/drawingml/2006/main" xmlns:r="http://schemas.openxmlformats.org/officeDocument/2006/relationships" xmlns:p="http://schemas.openxmlformats.org/presentationml/2006/main" type="obj" preserve="1">
   <p:cSld name="Title, Content">
     <p:spTree>
       <p:nvGrpSpPr>
@@ -2499,9 +2721,10 @@
           </a:prstGeom>
         </p:spPr>
         <p:txBody>
-          <a:bodyPr lIns="0" rIns="0" tIns="0" bIns="0" anchor="ctr"/>
-          <a:p>
-            <a:endParaRPr b="0" lang="cs-CZ" sz="1800" spc="-1" strike="noStrike">
+          <a:bodyPr lIns="0" tIns="0" rIns="0" bIns="0" anchor="ctr"/>
+          <a:lstStyle/>
+          <a:p>
+            <a:endParaRPr lang="cs-CZ" sz="1800" b="0" strike="noStrike" spc="-1">
               <a:solidFill>
                 <a:srgbClr val="000000"/>
               </a:solidFill>
@@ -2530,11 +2753,12 @@
           </a:prstGeom>
         </p:spPr>
         <p:txBody>
-          <a:bodyPr lIns="0" rIns="0" tIns="0" bIns="0">
+          <a:bodyPr lIns="0" tIns="0" rIns="0" bIns="0">
             <a:normAutofit/>
           </a:bodyPr>
-          <a:p>
-            <a:endParaRPr b="0" lang="cs-CZ" sz="2800" spc="-1" strike="noStrike">
+          <a:lstStyle/>
+          <a:p>
+            <a:endParaRPr lang="cs-CZ" sz="2800" b="0" strike="noStrike" spc="-1">
               <a:solidFill>
                 <a:srgbClr val="000000"/>
               </a:solidFill>
@@ -2545,11 +2769,14 @@
       </p:sp>
     </p:spTree>
   </p:cSld>
+  <p:clrMapOvr>
+    <a:masterClrMapping/>
+  </p:clrMapOvr>
 </p:sldLayout>
 </file>
 
 <file path=ppt/slideLayouts/slideLayout30.xml><?xml version="1.0" encoding="utf-8"?>
-<p:sldLayout xmlns:a="http://schemas.openxmlformats.org/drawingml/2006/main" xmlns:p="http://schemas.openxmlformats.org/presentationml/2006/main" xmlns:r="http://schemas.openxmlformats.org/officeDocument/2006/relationships" xmlns:p14="http://schemas.microsoft.com/office/powerpoint/2010/main" xmlns:p15="http://schemas.microsoft.com/office/powerpoint/2012/main" xmlns:mc="http://schemas.openxmlformats.org/markup-compatibility/2006" type="objOnly" preserve="1">
+<p:sldLayout xmlns:a="http://schemas.openxmlformats.org/drawingml/2006/main" xmlns:r="http://schemas.openxmlformats.org/officeDocument/2006/relationships" xmlns:p="http://schemas.openxmlformats.org/presentationml/2006/main" type="objOnly" preserve="1">
   <p:cSld name="Centered Text">
     <p:spTree>
       <p:nvGrpSpPr>
@@ -2585,10 +2812,11 @@
           </a:prstGeom>
         </p:spPr>
         <p:txBody>
-          <a:bodyPr lIns="0" rIns="0" tIns="0" bIns="0" anchor="ctr"/>
+          <a:bodyPr lIns="0" tIns="0" rIns="0" bIns="0" anchor="ctr"/>
+          <a:lstStyle/>
           <a:p>
             <a:pPr algn="ctr"/>
-            <a:endParaRPr b="0" lang="cs-CZ" sz="3200" spc="-1" strike="noStrike">
+            <a:endParaRPr lang="cs-CZ" sz="3200" b="0" strike="noStrike" spc="-1">
               <a:latin typeface="Arial"/>
             </a:endParaRPr>
           </a:p>
@@ -2596,11 +2824,14 @@
       </p:sp>
     </p:spTree>
   </p:cSld>
+  <p:clrMapOvr>
+    <a:masterClrMapping/>
+  </p:clrMapOvr>
 </p:sldLayout>
 </file>
 
 <file path=ppt/slideLayouts/slideLayout31.xml><?xml version="1.0" encoding="utf-8"?>
-<p:sldLayout xmlns:a="http://schemas.openxmlformats.org/drawingml/2006/main" xmlns:p="http://schemas.openxmlformats.org/presentationml/2006/main" xmlns:r="http://schemas.openxmlformats.org/officeDocument/2006/relationships" xmlns:p14="http://schemas.microsoft.com/office/powerpoint/2010/main" xmlns:p15="http://schemas.microsoft.com/office/powerpoint/2012/main" xmlns:mc="http://schemas.openxmlformats.org/markup-compatibility/2006" type="twoObjAndObj" preserve="1">
+<p:sldLayout xmlns:a="http://schemas.openxmlformats.org/drawingml/2006/main" xmlns:r="http://schemas.openxmlformats.org/officeDocument/2006/relationships" xmlns:p="http://schemas.openxmlformats.org/presentationml/2006/main" type="twoObjAndObj" preserve="1">
   <p:cSld name="Title, 2 Content and Content">
     <p:spTree>
       <p:nvGrpSpPr>
@@ -2636,9 +2867,10 @@
           </a:prstGeom>
         </p:spPr>
         <p:txBody>
-          <a:bodyPr lIns="0" rIns="0" tIns="0" bIns="0" anchor="ctr"/>
-          <a:p>
-            <a:endParaRPr b="0" lang="cs-CZ" sz="1800" spc="-1" strike="noStrike">
+          <a:bodyPr lIns="0" tIns="0" rIns="0" bIns="0" anchor="ctr"/>
+          <a:lstStyle/>
+          <a:p>
+            <a:endParaRPr lang="cs-CZ" sz="1800" b="0" strike="noStrike" spc="-1">
               <a:solidFill>
                 <a:srgbClr val="000000"/>
               </a:solidFill>
@@ -2667,11 +2899,12 @@
           </a:prstGeom>
         </p:spPr>
         <p:txBody>
-          <a:bodyPr lIns="0" rIns="0" tIns="0" bIns="0">
+          <a:bodyPr lIns="0" tIns="0" rIns="0" bIns="0">
             <a:normAutofit/>
           </a:bodyPr>
-          <a:p>
-            <a:endParaRPr b="0" lang="cs-CZ" sz="2800" spc="-1" strike="noStrike">
+          <a:lstStyle/>
+          <a:p>
+            <a:endParaRPr lang="cs-CZ" sz="2800" b="0" strike="noStrike" spc="-1">
               <a:solidFill>
                 <a:srgbClr val="000000"/>
               </a:solidFill>
@@ -2700,11 +2933,12 @@
           </a:prstGeom>
         </p:spPr>
         <p:txBody>
-          <a:bodyPr lIns="0" rIns="0" tIns="0" bIns="0">
+          <a:bodyPr lIns="0" tIns="0" rIns="0" bIns="0">
             <a:normAutofit/>
           </a:bodyPr>
-          <a:p>
-            <a:endParaRPr b="0" lang="cs-CZ" sz="2800" spc="-1" strike="noStrike">
+          <a:lstStyle/>
+          <a:p>
+            <a:endParaRPr lang="cs-CZ" sz="2800" b="0" strike="noStrike" spc="-1">
               <a:solidFill>
                 <a:srgbClr val="000000"/>
               </a:solidFill>
@@ -2733,11 +2967,12 @@
           </a:prstGeom>
         </p:spPr>
         <p:txBody>
-          <a:bodyPr lIns="0" rIns="0" tIns="0" bIns="0">
+          <a:bodyPr lIns="0" tIns="0" rIns="0" bIns="0">
             <a:normAutofit/>
           </a:bodyPr>
-          <a:p>
-            <a:endParaRPr b="0" lang="cs-CZ" sz="2800" spc="-1" strike="noStrike">
+          <a:lstStyle/>
+          <a:p>
+            <a:endParaRPr lang="cs-CZ" sz="2800" b="0" strike="noStrike" spc="-1">
               <a:solidFill>
                 <a:srgbClr val="000000"/>
               </a:solidFill>
@@ -2748,11 +2983,14 @@
       </p:sp>
     </p:spTree>
   </p:cSld>
+  <p:clrMapOvr>
+    <a:masterClrMapping/>
+  </p:clrMapOvr>
 </p:sldLayout>
 </file>
 
 <file path=ppt/slideLayouts/slideLayout32.xml><?xml version="1.0" encoding="utf-8"?>
-<p:sldLayout xmlns:a="http://schemas.openxmlformats.org/drawingml/2006/main" xmlns:p="http://schemas.openxmlformats.org/presentationml/2006/main" xmlns:r="http://schemas.openxmlformats.org/officeDocument/2006/relationships" xmlns:p14="http://schemas.microsoft.com/office/powerpoint/2010/main" xmlns:p15="http://schemas.microsoft.com/office/powerpoint/2012/main" xmlns:mc="http://schemas.openxmlformats.org/markup-compatibility/2006" type="objAndTwoObj" preserve="1">
+<p:sldLayout xmlns:a="http://schemas.openxmlformats.org/drawingml/2006/main" xmlns:r="http://schemas.openxmlformats.org/officeDocument/2006/relationships" xmlns:p="http://schemas.openxmlformats.org/presentationml/2006/main" type="objAndTwoObj" preserve="1">
   <p:cSld name="Title Content and 2 Content">
     <p:spTree>
       <p:nvGrpSpPr>
@@ -2788,9 +3026,10 @@
           </a:prstGeom>
         </p:spPr>
         <p:txBody>
-          <a:bodyPr lIns="0" rIns="0" tIns="0" bIns="0" anchor="ctr"/>
-          <a:p>
-            <a:endParaRPr b="0" lang="cs-CZ" sz="1800" spc="-1" strike="noStrike">
+          <a:bodyPr lIns="0" tIns="0" rIns="0" bIns="0" anchor="ctr"/>
+          <a:lstStyle/>
+          <a:p>
+            <a:endParaRPr lang="cs-CZ" sz="1800" b="0" strike="noStrike" spc="-1">
               <a:solidFill>
                 <a:srgbClr val="000000"/>
               </a:solidFill>
@@ -2819,11 +3058,12 @@
           </a:prstGeom>
         </p:spPr>
         <p:txBody>
-          <a:bodyPr lIns="0" rIns="0" tIns="0" bIns="0">
+          <a:bodyPr lIns="0" tIns="0" rIns="0" bIns="0">
             <a:normAutofit/>
           </a:bodyPr>
-          <a:p>
-            <a:endParaRPr b="0" lang="cs-CZ" sz="2800" spc="-1" strike="noStrike">
+          <a:lstStyle/>
+          <a:p>
+            <a:endParaRPr lang="cs-CZ" sz="2800" b="0" strike="noStrike" spc="-1">
               <a:solidFill>
                 <a:srgbClr val="000000"/>
               </a:solidFill>
@@ -2852,11 +3092,12 @@
           </a:prstGeom>
         </p:spPr>
         <p:txBody>
-          <a:bodyPr lIns="0" rIns="0" tIns="0" bIns="0">
+          <a:bodyPr lIns="0" tIns="0" rIns="0" bIns="0">
             <a:normAutofit/>
           </a:bodyPr>
-          <a:p>
-            <a:endParaRPr b="0" lang="cs-CZ" sz="2800" spc="-1" strike="noStrike">
+          <a:lstStyle/>
+          <a:p>
+            <a:endParaRPr lang="cs-CZ" sz="2800" b="0" strike="noStrike" spc="-1">
               <a:solidFill>
                 <a:srgbClr val="000000"/>
               </a:solidFill>
@@ -2885,11 +3126,12 @@
           </a:prstGeom>
         </p:spPr>
         <p:txBody>
-          <a:bodyPr lIns="0" rIns="0" tIns="0" bIns="0">
+          <a:bodyPr lIns="0" tIns="0" rIns="0" bIns="0">
             <a:normAutofit/>
           </a:bodyPr>
-          <a:p>
-            <a:endParaRPr b="0" lang="cs-CZ" sz="2800" spc="-1" strike="noStrike">
+          <a:lstStyle/>
+          <a:p>
+            <a:endParaRPr lang="cs-CZ" sz="2800" b="0" strike="noStrike" spc="-1">
               <a:solidFill>
                 <a:srgbClr val="000000"/>
               </a:solidFill>
@@ -2900,11 +3142,14 @@
       </p:sp>
     </p:spTree>
   </p:cSld>
+  <p:clrMapOvr>
+    <a:masterClrMapping/>
+  </p:clrMapOvr>
 </p:sldLayout>
 </file>
 
 <file path=ppt/slideLayouts/slideLayout33.xml><?xml version="1.0" encoding="utf-8"?>
-<p:sldLayout xmlns:a="http://schemas.openxmlformats.org/drawingml/2006/main" xmlns:p="http://schemas.openxmlformats.org/presentationml/2006/main" xmlns:r="http://schemas.openxmlformats.org/officeDocument/2006/relationships" xmlns:p14="http://schemas.microsoft.com/office/powerpoint/2010/main" xmlns:p15="http://schemas.microsoft.com/office/powerpoint/2012/main" xmlns:mc="http://schemas.openxmlformats.org/markup-compatibility/2006" type="twoObjOverTx" preserve="1">
+<p:sldLayout xmlns:a="http://schemas.openxmlformats.org/drawingml/2006/main" xmlns:r="http://schemas.openxmlformats.org/officeDocument/2006/relationships" xmlns:p="http://schemas.openxmlformats.org/presentationml/2006/main" type="twoObjOverTx" preserve="1">
   <p:cSld name="Title, 2 Content over Content">
     <p:spTree>
       <p:nvGrpSpPr>
@@ -2940,9 +3185,10 @@
           </a:prstGeom>
         </p:spPr>
         <p:txBody>
-          <a:bodyPr lIns="0" rIns="0" tIns="0" bIns="0" anchor="ctr"/>
-          <a:p>
-            <a:endParaRPr b="0" lang="cs-CZ" sz="1800" spc="-1" strike="noStrike">
+          <a:bodyPr lIns="0" tIns="0" rIns="0" bIns="0" anchor="ctr"/>
+          <a:lstStyle/>
+          <a:p>
+            <a:endParaRPr lang="cs-CZ" sz="1800" b="0" strike="noStrike" spc="-1">
               <a:solidFill>
                 <a:srgbClr val="000000"/>
               </a:solidFill>
@@ -2971,11 +3217,12 @@
           </a:prstGeom>
         </p:spPr>
         <p:txBody>
-          <a:bodyPr lIns="0" rIns="0" tIns="0" bIns="0">
+          <a:bodyPr lIns="0" tIns="0" rIns="0" bIns="0">
             <a:normAutofit/>
           </a:bodyPr>
-          <a:p>
-            <a:endParaRPr b="0" lang="cs-CZ" sz="2800" spc="-1" strike="noStrike">
+          <a:lstStyle/>
+          <a:p>
+            <a:endParaRPr lang="cs-CZ" sz="2800" b="0" strike="noStrike" spc="-1">
               <a:solidFill>
                 <a:srgbClr val="000000"/>
               </a:solidFill>
@@ -3004,11 +3251,12 @@
           </a:prstGeom>
         </p:spPr>
         <p:txBody>
-          <a:bodyPr lIns="0" rIns="0" tIns="0" bIns="0">
+          <a:bodyPr lIns="0" tIns="0" rIns="0" bIns="0">
             <a:normAutofit/>
           </a:bodyPr>
-          <a:p>
-            <a:endParaRPr b="0" lang="cs-CZ" sz="2800" spc="-1" strike="noStrike">
+          <a:lstStyle/>
+          <a:p>
+            <a:endParaRPr lang="cs-CZ" sz="2800" b="0" strike="noStrike" spc="-1">
               <a:solidFill>
                 <a:srgbClr val="000000"/>
               </a:solidFill>
@@ -3037,11 +3285,12 @@
           </a:prstGeom>
         </p:spPr>
         <p:txBody>
-          <a:bodyPr lIns="0" rIns="0" tIns="0" bIns="0">
+          <a:bodyPr lIns="0" tIns="0" rIns="0" bIns="0">
             <a:normAutofit/>
           </a:bodyPr>
-          <a:p>
-            <a:endParaRPr b="0" lang="cs-CZ" sz="2800" spc="-1" strike="noStrike">
+          <a:lstStyle/>
+          <a:p>
+            <a:endParaRPr lang="cs-CZ" sz="2800" b="0" strike="noStrike" spc="-1">
               <a:solidFill>
                 <a:srgbClr val="000000"/>
               </a:solidFill>
@@ -3052,11 +3301,14 @@
       </p:sp>
     </p:spTree>
   </p:cSld>
+  <p:clrMapOvr>
+    <a:masterClrMapping/>
+  </p:clrMapOvr>
 </p:sldLayout>
 </file>
 
 <file path=ppt/slideLayouts/slideLayout34.xml><?xml version="1.0" encoding="utf-8"?>
-<p:sldLayout xmlns:a="http://schemas.openxmlformats.org/drawingml/2006/main" xmlns:p="http://schemas.openxmlformats.org/presentationml/2006/main" xmlns:r="http://schemas.openxmlformats.org/officeDocument/2006/relationships" xmlns:p14="http://schemas.microsoft.com/office/powerpoint/2010/main" xmlns:p15="http://schemas.microsoft.com/office/powerpoint/2012/main" xmlns:mc="http://schemas.openxmlformats.org/markup-compatibility/2006" type="objOverTx" preserve="1">
+<p:sldLayout xmlns:a="http://schemas.openxmlformats.org/drawingml/2006/main" xmlns:r="http://schemas.openxmlformats.org/officeDocument/2006/relationships" xmlns:p="http://schemas.openxmlformats.org/presentationml/2006/main" type="objOverTx" preserve="1">
   <p:cSld name="Title, Content over Content">
     <p:spTree>
       <p:nvGrpSpPr>
@@ -3092,9 +3344,10 @@
           </a:prstGeom>
         </p:spPr>
         <p:txBody>
-          <a:bodyPr lIns="0" rIns="0" tIns="0" bIns="0" anchor="ctr"/>
-          <a:p>
-            <a:endParaRPr b="0" lang="cs-CZ" sz="1800" spc="-1" strike="noStrike">
+          <a:bodyPr lIns="0" tIns="0" rIns="0" bIns="0" anchor="ctr"/>
+          <a:lstStyle/>
+          <a:p>
+            <a:endParaRPr lang="cs-CZ" sz="1800" b="0" strike="noStrike" spc="-1">
               <a:solidFill>
                 <a:srgbClr val="000000"/>
               </a:solidFill>
@@ -3123,11 +3376,12 @@
           </a:prstGeom>
         </p:spPr>
         <p:txBody>
-          <a:bodyPr lIns="0" rIns="0" tIns="0" bIns="0">
+          <a:bodyPr lIns="0" tIns="0" rIns="0" bIns="0">
             <a:normAutofit/>
           </a:bodyPr>
-          <a:p>
-            <a:endParaRPr b="0" lang="cs-CZ" sz="2800" spc="-1" strike="noStrike">
+          <a:lstStyle/>
+          <a:p>
+            <a:endParaRPr lang="cs-CZ" sz="2800" b="0" strike="noStrike" spc="-1">
               <a:solidFill>
                 <a:srgbClr val="000000"/>
               </a:solidFill>
@@ -3156,11 +3410,12 @@
           </a:prstGeom>
         </p:spPr>
         <p:txBody>
-          <a:bodyPr lIns="0" rIns="0" tIns="0" bIns="0">
+          <a:bodyPr lIns="0" tIns="0" rIns="0" bIns="0">
             <a:normAutofit/>
           </a:bodyPr>
-          <a:p>
-            <a:endParaRPr b="0" lang="cs-CZ" sz="2800" spc="-1" strike="noStrike">
+          <a:lstStyle/>
+          <a:p>
+            <a:endParaRPr lang="cs-CZ" sz="2800" b="0" strike="noStrike" spc="-1">
               <a:solidFill>
                 <a:srgbClr val="000000"/>
               </a:solidFill>
@@ -3171,11 +3426,14 @@
       </p:sp>
     </p:spTree>
   </p:cSld>
+  <p:clrMapOvr>
+    <a:masterClrMapping/>
+  </p:clrMapOvr>
 </p:sldLayout>
 </file>
 
 <file path=ppt/slideLayouts/slideLayout35.xml><?xml version="1.0" encoding="utf-8"?>
-<p:sldLayout xmlns:a="http://schemas.openxmlformats.org/drawingml/2006/main" xmlns:p="http://schemas.openxmlformats.org/presentationml/2006/main" xmlns:r="http://schemas.openxmlformats.org/officeDocument/2006/relationships" xmlns:p14="http://schemas.microsoft.com/office/powerpoint/2010/main" xmlns:p15="http://schemas.microsoft.com/office/powerpoint/2012/main" xmlns:mc="http://schemas.openxmlformats.org/markup-compatibility/2006" type="fourObj" preserve="1">
+<p:sldLayout xmlns:a="http://schemas.openxmlformats.org/drawingml/2006/main" xmlns:r="http://schemas.openxmlformats.org/officeDocument/2006/relationships" xmlns:p="http://schemas.openxmlformats.org/presentationml/2006/main" type="fourObj" preserve="1">
   <p:cSld name="Title, 4 Content">
     <p:spTree>
       <p:nvGrpSpPr>
@@ -3211,9 +3469,10 @@
           </a:prstGeom>
         </p:spPr>
         <p:txBody>
-          <a:bodyPr lIns="0" rIns="0" tIns="0" bIns="0" anchor="ctr"/>
-          <a:p>
-            <a:endParaRPr b="0" lang="cs-CZ" sz="1800" spc="-1" strike="noStrike">
+          <a:bodyPr lIns="0" tIns="0" rIns="0" bIns="0" anchor="ctr"/>
+          <a:lstStyle/>
+          <a:p>
+            <a:endParaRPr lang="cs-CZ" sz="1800" b="0" strike="noStrike" spc="-1">
               <a:solidFill>
                 <a:srgbClr val="000000"/>
               </a:solidFill>
@@ -3242,11 +3501,12 @@
           </a:prstGeom>
         </p:spPr>
         <p:txBody>
-          <a:bodyPr lIns="0" rIns="0" tIns="0" bIns="0">
+          <a:bodyPr lIns="0" tIns="0" rIns="0" bIns="0">
             <a:normAutofit/>
           </a:bodyPr>
-          <a:p>
-            <a:endParaRPr b="0" lang="cs-CZ" sz="2800" spc="-1" strike="noStrike">
+          <a:lstStyle/>
+          <a:p>
+            <a:endParaRPr lang="cs-CZ" sz="2800" b="0" strike="noStrike" spc="-1">
               <a:solidFill>
                 <a:srgbClr val="000000"/>
               </a:solidFill>
@@ -3275,11 +3535,12 @@
           </a:prstGeom>
         </p:spPr>
         <p:txBody>
-          <a:bodyPr lIns="0" rIns="0" tIns="0" bIns="0">
+          <a:bodyPr lIns="0" tIns="0" rIns="0" bIns="0">
             <a:normAutofit/>
           </a:bodyPr>
-          <a:p>
-            <a:endParaRPr b="0" lang="cs-CZ" sz="2800" spc="-1" strike="noStrike">
+          <a:lstStyle/>
+          <a:p>
+            <a:endParaRPr lang="cs-CZ" sz="2800" b="0" strike="noStrike" spc="-1">
               <a:solidFill>
                 <a:srgbClr val="000000"/>
               </a:solidFill>
@@ -3308,11 +3569,12 @@
           </a:prstGeom>
         </p:spPr>
         <p:txBody>
-          <a:bodyPr lIns="0" rIns="0" tIns="0" bIns="0">
+          <a:bodyPr lIns="0" tIns="0" rIns="0" bIns="0">
             <a:normAutofit/>
           </a:bodyPr>
-          <a:p>
-            <a:endParaRPr b="0" lang="cs-CZ" sz="2800" spc="-1" strike="noStrike">
+          <a:lstStyle/>
+          <a:p>
+            <a:endParaRPr lang="cs-CZ" sz="2800" b="0" strike="noStrike" spc="-1">
               <a:solidFill>
                 <a:srgbClr val="000000"/>
               </a:solidFill>
@@ -3341,11 +3603,12 @@
           </a:prstGeom>
         </p:spPr>
         <p:txBody>
-          <a:bodyPr lIns="0" rIns="0" tIns="0" bIns="0">
+          <a:bodyPr lIns="0" tIns="0" rIns="0" bIns="0">
             <a:normAutofit/>
           </a:bodyPr>
-          <a:p>
-            <a:endParaRPr b="0" lang="cs-CZ" sz="2800" spc="-1" strike="noStrike">
+          <a:lstStyle/>
+          <a:p>
+            <a:endParaRPr lang="cs-CZ" sz="2800" b="0" strike="noStrike" spc="-1">
               <a:solidFill>
                 <a:srgbClr val="000000"/>
               </a:solidFill>
@@ -3356,11 +3619,14 @@
       </p:sp>
     </p:spTree>
   </p:cSld>
+  <p:clrMapOvr>
+    <a:masterClrMapping/>
+  </p:clrMapOvr>
 </p:sldLayout>
 </file>
 
 <file path=ppt/slideLayouts/slideLayout36.xml><?xml version="1.0" encoding="utf-8"?>
-<p:sldLayout xmlns:a="http://schemas.openxmlformats.org/drawingml/2006/main" xmlns:p="http://schemas.openxmlformats.org/presentationml/2006/main" xmlns:r="http://schemas.openxmlformats.org/officeDocument/2006/relationships" xmlns:p14="http://schemas.microsoft.com/office/powerpoint/2010/main" xmlns:p15="http://schemas.microsoft.com/office/powerpoint/2012/main" xmlns:mc="http://schemas.openxmlformats.org/markup-compatibility/2006" type="blank" preserve="1">
+<p:sldLayout xmlns:a="http://schemas.openxmlformats.org/drawingml/2006/main" xmlns:r="http://schemas.openxmlformats.org/officeDocument/2006/relationships" xmlns:p="http://schemas.openxmlformats.org/presentationml/2006/main" type="blank" preserve="1">
   <p:cSld name="Title, 6 Content">
     <p:spTree>
       <p:nvGrpSpPr>
@@ -3396,9 +3662,10 @@
           </a:prstGeom>
         </p:spPr>
         <p:txBody>
-          <a:bodyPr lIns="0" rIns="0" tIns="0" bIns="0" anchor="ctr"/>
-          <a:p>
-            <a:endParaRPr b="0" lang="cs-CZ" sz="1800" spc="-1" strike="noStrike">
+          <a:bodyPr lIns="0" tIns="0" rIns="0" bIns="0" anchor="ctr"/>
+          <a:lstStyle/>
+          <a:p>
+            <a:endParaRPr lang="cs-CZ" sz="1800" b="0" strike="noStrike" spc="-1">
               <a:solidFill>
                 <a:srgbClr val="000000"/>
               </a:solidFill>
@@ -3427,11 +3694,12 @@
           </a:prstGeom>
         </p:spPr>
         <p:txBody>
-          <a:bodyPr lIns="0" rIns="0" tIns="0" bIns="0">
+          <a:bodyPr lIns="0" tIns="0" rIns="0" bIns="0">
             <a:normAutofit/>
           </a:bodyPr>
-          <a:p>
-            <a:endParaRPr b="0" lang="cs-CZ" sz="2800" spc="-1" strike="noStrike">
+          <a:lstStyle/>
+          <a:p>
+            <a:endParaRPr lang="cs-CZ" sz="2800" b="0" strike="noStrike" spc="-1">
               <a:solidFill>
                 <a:srgbClr val="000000"/>
               </a:solidFill>
@@ -3460,11 +3728,12 @@
           </a:prstGeom>
         </p:spPr>
         <p:txBody>
-          <a:bodyPr lIns="0" rIns="0" tIns="0" bIns="0">
+          <a:bodyPr lIns="0" tIns="0" rIns="0" bIns="0">
             <a:normAutofit/>
           </a:bodyPr>
-          <a:p>
-            <a:endParaRPr b="0" lang="cs-CZ" sz="2800" spc="-1" strike="noStrike">
+          <a:lstStyle/>
+          <a:p>
+            <a:endParaRPr lang="cs-CZ" sz="2800" b="0" strike="noStrike" spc="-1">
               <a:solidFill>
                 <a:srgbClr val="000000"/>
               </a:solidFill>
@@ -3493,11 +3762,12 @@
           </a:prstGeom>
         </p:spPr>
         <p:txBody>
-          <a:bodyPr lIns="0" rIns="0" tIns="0" bIns="0">
+          <a:bodyPr lIns="0" tIns="0" rIns="0" bIns="0">
             <a:normAutofit/>
           </a:bodyPr>
-          <a:p>
-            <a:endParaRPr b="0" lang="cs-CZ" sz="2800" spc="-1" strike="noStrike">
+          <a:lstStyle/>
+          <a:p>
+            <a:endParaRPr lang="cs-CZ" sz="2800" b="0" strike="noStrike" spc="-1">
               <a:solidFill>
                 <a:srgbClr val="000000"/>
               </a:solidFill>
@@ -3526,11 +3796,12 @@
           </a:prstGeom>
         </p:spPr>
         <p:txBody>
-          <a:bodyPr lIns="0" rIns="0" tIns="0" bIns="0">
+          <a:bodyPr lIns="0" tIns="0" rIns="0" bIns="0">
             <a:normAutofit/>
           </a:bodyPr>
-          <a:p>
-            <a:endParaRPr b="0" lang="cs-CZ" sz="2800" spc="-1" strike="noStrike">
+          <a:lstStyle/>
+          <a:p>
+            <a:endParaRPr lang="cs-CZ" sz="2800" b="0" strike="noStrike" spc="-1">
               <a:solidFill>
                 <a:srgbClr val="000000"/>
               </a:solidFill>
@@ -3559,11 +3830,12 @@
           </a:prstGeom>
         </p:spPr>
         <p:txBody>
-          <a:bodyPr lIns="0" rIns="0" tIns="0" bIns="0">
+          <a:bodyPr lIns="0" tIns="0" rIns="0" bIns="0">
             <a:normAutofit/>
           </a:bodyPr>
-          <a:p>
-            <a:endParaRPr b="0" lang="cs-CZ" sz="2800" spc="-1" strike="noStrike">
+          <a:lstStyle/>
+          <a:p>
+            <a:endParaRPr lang="cs-CZ" sz="2800" b="0" strike="noStrike" spc="-1">
               <a:solidFill>
                 <a:srgbClr val="000000"/>
               </a:solidFill>
@@ -3592,11 +3864,12 @@
           </a:prstGeom>
         </p:spPr>
         <p:txBody>
-          <a:bodyPr lIns="0" rIns="0" tIns="0" bIns="0">
+          <a:bodyPr lIns="0" tIns="0" rIns="0" bIns="0">
             <a:normAutofit/>
           </a:bodyPr>
-          <a:p>
-            <a:endParaRPr b="0" lang="cs-CZ" sz="2800" spc="-1" strike="noStrike">
+          <a:lstStyle/>
+          <a:p>
+            <a:endParaRPr lang="cs-CZ" sz="2800" b="0" strike="noStrike" spc="-1">
               <a:solidFill>
                 <a:srgbClr val="000000"/>
               </a:solidFill>
@@ -3607,11 +3880,14 @@
       </p:sp>
     </p:spTree>
   </p:cSld>
+  <p:clrMapOvr>
+    <a:masterClrMapping/>
+  </p:clrMapOvr>
 </p:sldLayout>
 </file>
 
 <file path=ppt/slideLayouts/slideLayout4.xml><?xml version="1.0" encoding="utf-8"?>
-<p:sldLayout xmlns:a="http://schemas.openxmlformats.org/drawingml/2006/main" xmlns:p="http://schemas.openxmlformats.org/presentationml/2006/main" xmlns:r="http://schemas.openxmlformats.org/officeDocument/2006/relationships" xmlns:p14="http://schemas.microsoft.com/office/powerpoint/2010/main" xmlns:p15="http://schemas.microsoft.com/office/powerpoint/2012/main" xmlns:mc="http://schemas.openxmlformats.org/markup-compatibility/2006" type="twoObj" preserve="1">
+<p:sldLayout xmlns:a="http://schemas.openxmlformats.org/drawingml/2006/main" xmlns:r="http://schemas.openxmlformats.org/officeDocument/2006/relationships" xmlns:p="http://schemas.openxmlformats.org/presentationml/2006/main" type="twoObj" preserve="1">
   <p:cSld name="Title, 2 Content">
     <p:spTree>
       <p:nvGrpSpPr>
@@ -3647,9 +3923,10 @@
           </a:prstGeom>
         </p:spPr>
         <p:txBody>
-          <a:bodyPr lIns="0" rIns="0" tIns="0" bIns="0" anchor="ctr"/>
-          <a:p>
-            <a:endParaRPr b="0" lang="cs-CZ" sz="1800" spc="-1" strike="noStrike">
+          <a:bodyPr lIns="0" tIns="0" rIns="0" bIns="0" anchor="ctr"/>
+          <a:lstStyle/>
+          <a:p>
+            <a:endParaRPr lang="cs-CZ" sz="1800" b="0" strike="noStrike" spc="-1">
               <a:solidFill>
                 <a:srgbClr val="000000"/>
               </a:solidFill>
@@ -3678,11 +3955,12 @@
           </a:prstGeom>
         </p:spPr>
         <p:txBody>
-          <a:bodyPr lIns="0" rIns="0" tIns="0" bIns="0">
+          <a:bodyPr lIns="0" tIns="0" rIns="0" bIns="0">
             <a:normAutofit/>
           </a:bodyPr>
-          <a:p>
-            <a:endParaRPr b="0" lang="cs-CZ" sz="2800" spc="-1" strike="noStrike">
+          <a:lstStyle/>
+          <a:p>
+            <a:endParaRPr lang="cs-CZ" sz="2800" b="0" strike="noStrike" spc="-1">
               <a:solidFill>
                 <a:srgbClr val="000000"/>
               </a:solidFill>
@@ -3711,11 +3989,12 @@
           </a:prstGeom>
         </p:spPr>
         <p:txBody>
-          <a:bodyPr lIns="0" rIns="0" tIns="0" bIns="0">
+          <a:bodyPr lIns="0" tIns="0" rIns="0" bIns="0">
             <a:normAutofit/>
           </a:bodyPr>
-          <a:p>
-            <a:endParaRPr b="0" lang="cs-CZ" sz="2800" spc="-1" strike="noStrike">
+          <a:lstStyle/>
+          <a:p>
+            <a:endParaRPr lang="cs-CZ" sz="2800" b="0" strike="noStrike" spc="-1">
               <a:solidFill>
                 <a:srgbClr val="000000"/>
               </a:solidFill>
@@ -3726,11 +4005,14 @@
       </p:sp>
     </p:spTree>
   </p:cSld>
+  <p:clrMapOvr>
+    <a:masterClrMapping/>
+  </p:clrMapOvr>
 </p:sldLayout>
 </file>
 
 <file path=ppt/slideLayouts/slideLayout5.xml><?xml version="1.0" encoding="utf-8"?>
-<p:sldLayout xmlns:a="http://schemas.openxmlformats.org/drawingml/2006/main" xmlns:p="http://schemas.openxmlformats.org/presentationml/2006/main" xmlns:r="http://schemas.openxmlformats.org/officeDocument/2006/relationships" xmlns:p14="http://schemas.microsoft.com/office/powerpoint/2010/main" xmlns:p15="http://schemas.microsoft.com/office/powerpoint/2012/main" xmlns:mc="http://schemas.openxmlformats.org/markup-compatibility/2006" type="titleOnly" preserve="1">
+<p:sldLayout xmlns:a="http://schemas.openxmlformats.org/drawingml/2006/main" xmlns:r="http://schemas.openxmlformats.org/officeDocument/2006/relationships" xmlns:p="http://schemas.openxmlformats.org/presentationml/2006/main" type="titleOnly" preserve="1">
   <p:cSld name="Title Only">
     <p:spTree>
       <p:nvGrpSpPr>
@@ -3766,9 +4048,10 @@
           </a:prstGeom>
         </p:spPr>
         <p:txBody>
-          <a:bodyPr lIns="0" rIns="0" tIns="0" bIns="0" anchor="ctr"/>
-          <a:p>
-            <a:endParaRPr b="0" lang="cs-CZ" sz="1800" spc="-1" strike="noStrike">
+          <a:bodyPr lIns="0" tIns="0" rIns="0" bIns="0" anchor="ctr"/>
+          <a:lstStyle/>
+          <a:p>
+            <a:endParaRPr lang="cs-CZ" sz="1800" b="0" strike="noStrike" spc="-1">
               <a:solidFill>
                 <a:srgbClr val="000000"/>
               </a:solidFill>
@@ -3779,11 +4062,14 @@
       </p:sp>
     </p:spTree>
   </p:cSld>
+  <p:clrMapOvr>
+    <a:masterClrMapping/>
+  </p:clrMapOvr>
 </p:sldLayout>
 </file>
 
 <file path=ppt/slideLayouts/slideLayout6.xml><?xml version="1.0" encoding="utf-8"?>
-<p:sldLayout xmlns:a="http://schemas.openxmlformats.org/drawingml/2006/main" xmlns:p="http://schemas.openxmlformats.org/presentationml/2006/main" xmlns:r="http://schemas.openxmlformats.org/officeDocument/2006/relationships" xmlns:p14="http://schemas.microsoft.com/office/powerpoint/2010/main" xmlns:p15="http://schemas.microsoft.com/office/powerpoint/2012/main" xmlns:mc="http://schemas.openxmlformats.org/markup-compatibility/2006" type="objOnly" preserve="1">
+<p:sldLayout xmlns:a="http://schemas.openxmlformats.org/drawingml/2006/main" xmlns:r="http://schemas.openxmlformats.org/officeDocument/2006/relationships" xmlns:p="http://schemas.openxmlformats.org/presentationml/2006/main" type="objOnly" preserve="1">
   <p:cSld name="Centered Text">
     <p:spTree>
       <p:nvGrpSpPr>
@@ -3819,10 +4105,11 @@
           </a:prstGeom>
         </p:spPr>
         <p:txBody>
-          <a:bodyPr lIns="0" rIns="0" tIns="0" bIns="0" anchor="ctr"/>
+          <a:bodyPr lIns="0" tIns="0" rIns="0" bIns="0" anchor="ctr"/>
+          <a:lstStyle/>
           <a:p>
             <a:pPr algn="ctr"/>
-            <a:endParaRPr b="0" lang="cs-CZ" sz="3200" spc="-1" strike="noStrike">
+            <a:endParaRPr lang="cs-CZ" sz="3200" b="0" strike="noStrike" spc="-1">
               <a:latin typeface="Arial"/>
             </a:endParaRPr>
           </a:p>
@@ -3830,11 +4117,14 @@
       </p:sp>
     </p:spTree>
   </p:cSld>
+  <p:clrMapOvr>
+    <a:masterClrMapping/>
+  </p:clrMapOvr>
 </p:sldLayout>
 </file>
 
 <file path=ppt/slideLayouts/slideLayout7.xml><?xml version="1.0" encoding="utf-8"?>
-<p:sldLayout xmlns:a="http://schemas.openxmlformats.org/drawingml/2006/main" xmlns:p="http://schemas.openxmlformats.org/presentationml/2006/main" xmlns:r="http://schemas.openxmlformats.org/officeDocument/2006/relationships" xmlns:p14="http://schemas.microsoft.com/office/powerpoint/2010/main" xmlns:p15="http://schemas.microsoft.com/office/powerpoint/2012/main" xmlns:mc="http://schemas.openxmlformats.org/markup-compatibility/2006" type="twoObjAndObj" preserve="1">
+<p:sldLayout xmlns:a="http://schemas.openxmlformats.org/drawingml/2006/main" xmlns:r="http://schemas.openxmlformats.org/officeDocument/2006/relationships" xmlns:p="http://schemas.openxmlformats.org/presentationml/2006/main" type="twoObjAndObj" preserve="1">
   <p:cSld name="Title, 2 Content and Content">
     <p:spTree>
       <p:nvGrpSpPr>
@@ -3870,9 +4160,10 @@
           </a:prstGeom>
         </p:spPr>
         <p:txBody>
-          <a:bodyPr lIns="0" rIns="0" tIns="0" bIns="0" anchor="ctr"/>
-          <a:p>
-            <a:endParaRPr b="0" lang="cs-CZ" sz="1800" spc="-1" strike="noStrike">
+          <a:bodyPr lIns="0" tIns="0" rIns="0" bIns="0" anchor="ctr"/>
+          <a:lstStyle/>
+          <a:p>
+            <a:endParaRPr lang="cs-CZ" sz="1800" b="0" strike="noStrike" spc="-1">
               <a:solidFill>
                 <a:srgbClr val="000000"/>
               </a:solidFill>
@@ -3901,11 +4192,12 @@
           </a:prstGeom>
         </p:spPr>
         <p:txBody>
-          <a:bodyPr lIns="0" rIns="0" tIns="0" bIns="0">
+          <a:bodyPr lIns="0" tIns="0" rIns="0" bIns="0">
             <a:normAutofit/>
           </a:bodyPr>
-          <a:p>
-            <a:endParaRPr b="0" lang="cs-CZ" sz="2800" spc="-1" strike="noStrike">
+          <a:lstStyle/>
+          <a:p>
+            <a:endParaRPr lang="cs-CZ" sz="2800" b="0" strike="noStrike" spc="-1">
               <a:solidFill>
                 <a:srgbClr val="000000"/>
               </a:solidFill>
@@ -3934,11 +4226,12 @@
           </a:prstGeom>
         </p:spPr>
         <p:txBody>
-          <a:bodyPr lIns="0" rIns="0" tIns="0" bIns="0">
+          <a:bodyPr lIns="0" tIns="0" rIns="0" bIns="0">
             <a:normAutofit/>
           </a:bodyPr>
-          <a:p>
-            <a:endParaRPr b="0" lang="cs-CZ" sz="2800" spc="-1" strike="noStrike">
+          <a:lstStyle/>
+          <a:p>
+            <a:endParaRPr lang="cs-CZ" sz="2800" b="0" strike="noStrike" spc="-1">
               <a:solidFill>
                 <a:srgbClr val="000000"/>
               </a:solidFill>
@@ -3967,11 +4260,12 @@
           </a:prstGeom>
         </p:spPr>
         <p:txBody>
-          <a:bodyPr lIns="0" rIns="0" tIns="0" bIns="0">
+          <a:bodyPr lIns="0" tIns="0" rIns="0" bIns="0">
             <a:normAutofit/>
           </a:bodyPr>
-          <a:p>
-            <a:endParaRPr b="0" lang="cs-CZ" sz="2800" spc="-1" strike="noStrike">
+          <a:lstStyle/>
+          <a:p>
+            <a:endParaRPr lang="cs-CZ" sz="2800" b="0" strike="noStrike" spc="-1">
               <a:solidFill>
                 <a:srgbClr val="000000"/>
               </a:solidFill>
@@ -3982,11 +4276,14 @@
       </p:sp>
     </p:spTree>
   </p:cSld>
+  <p:clrMapOvr>
+    <a:masterClrMapping/>
+  </p:clrMapOvr>
 </p:sldLayout>
 </file>
 
 <file path=ppt/slideLayouts/slideLayout8.xml><?xml version="1.0" encoding="utf-8"?>
-<p:sldLayout xmlns:a="http://schemas.openxmlformats.org/drawingml/2006/main" xmlns:p="http://schemas.openxmlformats.org/presentationml/2006/main" xmlns:r="http://schemas.openxmlformats.org/officeDocument/2006/relationships" xmlns:p14="http://schemas.microsoft.com/office/powerpoint/2010/main" xmlns:p15="http://schemas.microsoft.com/office/powerpoint/2012/main" xmlns:mc="http://schemas.openxmlformats.org/markup-compatibility/2006" type="objAndTwoObj" preserve="1">
+<p:sldLayout xmlns:a="http://schemas.openxmlformats.org/drawingml/2006/main" xmlns:r="http://schemas.openxmlformats.org/officeDocument/2006/relationships" xmlns:p="http://schemas.openxmlformats.org/presentationml/2006/main" type="objAndTwoObj" preserve="1">
   <p:cSld name="Title Content and 2 Content">
     <p:spTree>
       <p:nvGrpSpPr>
@@ -4022,9 +4319,10 @@
           </a:prstGeom>
         </p:spPr>
         <p:txBody>
-          <a:bodyPr lIns="0" rIns="0" tIns="0" bIns="0" anchor="ctr"/>
-          <a:p>
-            <a:endParaRPr b="0" lang="cs-CZ" sz="1800" spc="-1" strike="noStrike">
+          <a:bodyPr lIns="0" tIns="0" rIns="0" bIns="0" anchor="ctr"/>
+          <a:lstStyle/>
+          <a:p>
+            <a:endParaRPr lang="cs-CZ" sz="1800" b="0" strike="noStrike" spc="-1">
               <a:solidFill>
                 <a:srgbClr val="000000"/>
               </a:solidFill>
@@ -4053,11 +4351,12 @@
           </a:prstGeom>
         </p:spPr>
         <p:txBody>
-          <a:bodyPr lIns="0" rIns="0" tIns="0" bIns="0">
+          <a:bodyPr lIns="0" tIns="0" rIns="0" bIns="0">
             <a:normAutofit/>
           </a:bodyPr>
-          <a:p>
-            <a:endParaRPr b="0" lang="cs-CZ" sz="2800" spc="-1" strike="noStrike">
+          <a:lstStyle/>
+          <a:p>
+            <a:endParaRPr lang="cs-CZ" sz="2800" b="0" strike="noStrike" spc="-1">
               <a:solidFill>
                 <a:srgbClr val="000000"/>
               </a:solidFill>
@@ -4086,11 +4385,12 @@
           </a:prstGeom>
         </p:spPr>
         <p:txBody>
-          <a:bodyPr lIns="0" rIns="0" tIns="0" bIns="0">
+          <a:bodyPr lIns="0" tIns="0" rIns="0" bIns="0">
             <a:normAutofit/>
           </a:bodyPr>
-          <a:p>
-            <a:endParaRPr b="0" lang="cs-CZ" sz="2800" spc="-1" strike="noStrike">
+          <a:lstStyle/>
+          <a:p>
+            <a:endParaRPr lang="cs-CZ" sz="2800" b="0" strike="noStrike" spc="-1">
               <a:solidFill>
                 <a:srgbClr val="000000"/>
               </a:solidFill>
@@ -4119,11 +4419,12 @@
           </a:prstGeom>
         </p:spPr>
         <p:txBody>
-          <a:bodyPr lIns="0" rIns="0" tIns="0" bIns="0">
+          <a:bodyPr lIns="0" tIns="0" rIns="0" bIns="0">
             <a:normAutofit/>
           </a:bodyPr>
-          <a:p>
-            <a:endParaRPr b="0" lang="cs-CZ" sz="2800" spc="-1" strike="noStrike">
+          <a:lstStyle/>
+          <a:p>
+            <a:endParaRPr lang="cs-CZ" sz="2800" b="0" strike="noStrike" spc="-1">
               <a:solidFill>
                 <a:srgbClr val="000000"/>
               </a:solidFill>
@@ -4134,11 +4435,14 @@
       </p:sp>
     </p:spTree>
   </p:cSld>
+  <p:clrMapOvr>
+    <a:masterClrMapping/>
+  </p:clrMapOvr>
 </p:sldLayout>
 </file>
 
 <file path=ppt/slideLayouts/slideLayout9.xml><?xml version="1.0" encoding="utf-8"?>
-<p:sldLayout xmlns:a="http://schemas.openxmlformats.org/drawingml/2006/main" xmlns:p="http://schemas.openxmlformats.org/presentationml/2006/main" xmlns:r="http://schemas.openxmlformats.org/officeDocument/2006/relationships" xmlns:p14="http://schemas.microsoft.com/office/powerpoint/2010/main" xmlns:p15="http://schemas.microsoft.com/office/powerpoint/2012/main" xmlns:mc="http://schemas.openxmlformats.org/markup-compatibility/2006" type="twoObjOverTx" preserve="1">
+<p:sldLayout xmlns:a="http://schemas.openxmlformats.org/drawingml/2006/main" xmlns:r="http://schemas.openxmlformats.org/officeDocument/2006/relationships" xmlns:p="http://schemas.openxmlformats.org/presentationml/2006/main" type="twoObjOverTx" preserve="1">
   <p:cSld name="Title, 2 Content over Content">
     <p:spTree>
       <p:nvGrpSpPr>
@@ -4174,9 +4478,10 @@
           </a:prstGeom>
         </p:spPr>
         <p:txBody>
-          <a:bodyPr lIns="0" rIns="0" tIns="0" bIns="0" anchor="ctr"/>
-          <a:p>
-            <a:endParaRPr b="0" lang="cs-CZ" sz="1800" spc="-1" strike="noStrike">
+          <a:bodyPr lIns="0" tIns="0" rIns="0" bIns="0" anchor="ctr"/>
+          <a:lstStyle/>
+          <a:p>
+            <a:endParaRPr lang="cs-CZ" sz="1800" b="0" strike="noStrike" spc="-1">
               <a:solidFill>
                 <a:srgbClr val="000000"/>
               </a:solidFill>
@@ -4205,11 +4510,12 @@
           </a:prstGeom>
         </p:spPr>
         <p:txBody>
-          <a:bodyPr lIns="0" rIns="0" tIns="0" bIns="0">
+          <a:bodyPr lIns="0" tIns="0" rIns="0" bIns="0">
             <a:normAutofit/>
           </a:bodyPr>
-          <a:p>
-            <a:endParaRPr b="0" lang="cs-CZ" sz="2800" spc="-1" strike="noStrike">
+          <a:lstStyle/>
+          <a:p>
+            <a:endParaRPr lang="cs-CZ" sz="2800" b="0" strike="noStrike" spc="-1">
               <a:solidFill>
                 <a:srgbClr val="000000"/>
               </a:solidFill>
@@ -4238,11 +4544,12 @@
           </a:prstGeom>
         </p:spPr>
         <p:txBody>
-          <a:bodyPr lIns="0" rIns="0" tIns="0" bIns="0">
+          <a:bodyPr lIns="0" tIns="0" rIns="0" bIns="0">
             <a:normAutofit/>
           </a:bodyPr>
-          <a:p>
-            <a:endParaRPr b="0" lang="cs-CZ" sz="2800" spc="-1" strike="noStrike">
+          <a:lstStyle/>
+          <a:p>
+            <a:endParaRPr lang="cs-CZ" sz="2800" b="0" strike="noStrike" spc="-1">
               <a:solidFill>
                 <a:srgbClr val="000000"/>
               </a:solidFill>
@@ -4271,11 +4578,12 @@
           </a:prstGeom>
         </p:spPr>
         <p:txBody>
-          <a:bodyPr lIns="0" rIns="0" tIns="0" bIns="0">
+          <a:bodyPr lIns="0" tIns="0" rIns="0" bIns="0">
             <a:normAutofit/>
           </a:bodyPr>
-          <a:p>
-            <a:endParaRPr b="0" lang="cs-CZ" sz="2800" spc="-1" strike="noStrike">
+          <a:lstStyle/>
+          <a:p>
+            <a:endParaRPr lang="cs-CZ" sz="2800" b="0" strike="noStrike" spc="-1">
               <a:solidFill>
                 <a:srgbClr val="000000"/>
               </a:solidFill>
@@ -4286,20 +4594,24 @@
       </p:sp>
     </p:spTree>
   </p:cSld>
+  <p:clrMapOvr>
+    <a:masterClrMapping/>
+  </p:clrMapOvr>
 </p:sldLayout>
 </file>
 
 <file path=ppt/slideMasters/slideMaster1.xml><?xml version="1.0" encoding="utf-8"?>
-<p:sldMaster xmlns:a="http://schemas.openxmlformats.org/drawingml/2006/main" xmlns:p="http://schemas.openxmlformats.org/presentationml/2006/main" xmlns:r="http://schemas.openxmlformats.org/officeDocument/2006/relationships" xmlns:p14="http://schemas.microsoft.com/office/powerpoint/2010/main" xmlns:p15="http://schemas.microsoft.com/office/powerpoint/2012/main" xmlns:mc="http://schemas.openxmlformats.org/markup-compatibility/2006">
+<p:sldMaster xmlns:a="http://schemas.openxmlformats.org/drawingml/2006/main" xmlns:r="http://schemas.openxmlformats.org/officeDocument/2006/relationships" xmlns:p="http://schemas.openxmlformats.org/presentationml/2006/main">
   <p:cSld>
     <p:bg>
       <p:bgPr>
         <a:blipFill rotWithShape="0">
-          <a:blip r:embed="rId2"/>
+          <a:blip r:embed="rId14"/>
           <a:stretch>
             <a:fillRect/>
           </a:stretch>
         </a:blipFill>
+        <a:effectLst/>
       </p:bgPr>
     </p:bg>
     <p:spTree>
@@ -4318,7 +4630,7 @@
       </p:grpSpPr>
       <p:sp>
         <p:nvSpPr>
-          <p:cNvPr id="0" name="PlaceHolder 1"/>
+          <p:cNvPr id="2" name="PlaceHolder 1"/>
           <p:cNvSpPr>
             <a:spLocks noGrp="1"/>
           </p:cNvSpPr>
@@ -4336,10 +4648,11 @@
           </a:prstGeom>
         </p:spPr>
         <p:txBody>
-          <a:bodyPr lIns="0" rIns="0" tIns="0" bIns="0" anchor="ctr"/>
-          <a:p>
-            <a:r>
-              <a:rPr b="0" lang="cs-CZ" sz="4400" spc="-1" strike="noStrike">
+          <a:bodyPr lIns="0" tIns="0" rIns="0" bIns="0" anchor="ctr"/>
+          <a:lstStyle/>
+          <a:p>
+            <a:r>
+              <a:rPr lang="cs-CZ" sz="4400" b="0" strike="noStrike" spc="-1">
                 <a:solidFill>
                   <a:srgbClr val="000000"/>
                 </a:solidFill>
@@ -4347,18 +4660,12 @@
               </a:rPr>
               <a:t>Klikněte pro úpravu formátu textu nadpisu</a:t>
             </a:r>
-            <a:endParaRPr b="0" lang="cs-CZ" sz="4400" spc="-1" strike="noStrike">
-              <a:solidFill>
-                <a:srgbClr val="000000"/>
-              </a:solidFill>
-              <a:latin typeface="Arial"/>
-            </a:endParaRPr>
-          </a:p>
-        </p:txBody>
-      </p:sp>
-      <p:sp>
-        <p:nvSpPr>
-          <p:cNvPr id="1" name="PlaceHolder 2"/>
+          </a:p>
+        </p:txBody>
+      </p:sp>
+      <p:sp>
+        <p:nvSpPr>
+          <p:cNvPr id="3" name="PlaceHolder 2"/>
           <p:cNvSpPr>
             <a:spLocks noGrp="1"/>
           </p:cNvSpPr>
@@ -4376,9 +4683,10 @@
           </a:prstGeom>
         </p:spPr>
         <p:txBody>
-          <a:bodyPr lIns="0" rIns="0" tIns="0" bIns="0">
+          <a:bodyPr lIns="0" tIns="0" rIns="0" bIns="0">
             <a:normAutofit/>
           </a:bodyPr>
+          <a:lstStyle/>
           <a:p>
             <a:pPr marL="432000" indent="-324000">
               <a:spcBef>
@@ -4392,7 +4700,7 @@
               <a:buChar char=""/>
             </a:pPr>
             <a:r>
-              <a:rPr b="0" lang="cs-CZ" sz="2800" spc="-1" strike="noStrike">
+              <a:rPr lang="cs-CZ" sz="2800" b="0" strike="noStrike" spc="-1">
                 <a:solidFill>
                   <a:srgbClr val="000000"/>
                 </a:solidFill>
@@ -4400,15 +4708,9 @@
               </a:rPr>
               <a:t>Klikněte pro úpravu formátu textu osnovy</a:t>
             </a:r>
-            <a:endParaRPr b="0" lang="cs-CZ" sz="2800" spc="-1" strike="noStrike">
-              <a:solidFill>
-                <a:srgbClr val="000000"/>
-              </a:solidFill>
-              <a:latin typeface="Arial"/>
-            </a:endParaRPr>
-          </a:p>
-          <a:p>
-            <a:pPr lvl="1" marL="864000" indent="-324000">
+          </a:p>
+          <a:p>
+            <a:pPr marL="864000" lvl="1" indent="-324000">
               <a:spcBef>
                 <a:spcPts val="1134"/>
               </a:spcBef>
@@ -4420,7 +4722,7 @@
               <a:buChar char=""/>
             </a:pPr>
             <a:r>
-              <a:rPr b="0" lang="cs-CZ" sz="2000" spc="-1" strike="noStrike">
+              <a:rPr lang="cs-CZ" sz="2000" b="0" strike="noStrike" spc="-1">
                 <a:solidFill>
                   <a:srgbClr val="000000"/>
                 </a:solidFill>
@@ -4428,15 +4730,9 @@
               </a:rPr>
               <a:t>Druhá úroveň</a:t>
             </a:r>
-            <a:endParaRPr b="0" lang="cs-CZ" sz="2000" spc="-1" strike="noStrike">
-              <a:solidFill>
-                <a:srgbClr val="000000"/>
-              </a:solidFill>
-              <a:latin typeface="Arial"/>
-            </a:endParaRPr>
-          </a:p>
-          <a:p>
-            <a:pPr lvl="2" marL="1296000" indent="-288000">
+          </a:p>
+          <a:p>
+            <a:pPr marL="1296000" lvl="2" indent="-288000">
               <a:spcBef>
                 <a:spcPts val="850"/>
               </a:spcBef>
@@ -4448,7 +4744,7 @@
               <a:buChar char=""/>
             </a:pPr>
             <a:r>
-              <a:rPr b="0" lang="cs-CZ" sz="1800" spc="-1" strike="noStrike">
+              <a:rPr lang="cs-CZ" sz="1800" b="0" strike="noStrike" spc="-1">
                 <a:solidFill>
                   <a:srgbClr val="000000"/>
                 </a:solidFill>
@@ -4456,15 +4752,9 @@
               </a:rPr>
               <a:t>Třetí úroveň</a:t>
             </a:r>
-            <a:endParaRPr b="0" lang="cs-CZ" sz="1800" spc="-1" strike="noStrike">
-              <a:solidFill>
-                <a:srgbClr val="000000"/>
-              </a:solidFill>
-              <a:latin typeface="Arial"/>
-            </a:endParaRPr>
-          </a:p>
-          <a:p>
-            <a:pPr lvl="3" marL="1728000" indent="-216000">
+          </a:p>
+          <a:p>
+            <a:pPr marL="1728000" lvl="3" indent="-216000">
               <a:spcBef>
                 <a:spcPts val="567"/>
               </a:spcBef>
@@ -4476,7 +4766,7 @@
               <a:buChar char=""/>
             </a:pPr>
             <a:r>
-              <a:rPr b="0" lang="cs-CZ" sz="1800" spc="-1" strike="noStrike">
+              <a:rPr lang="cs-CZ" sz="1800" b="0" strike="noStrike" spc="-1">
                 <a:solidFill>
                   <a:srgbClr val="000000"/>
                 </a:solidFill>
@@ -4484,15 +4774,9 @@
               </a:rPr>
               <a:t>Čtvrtá úroveň osnovy</a:t>
             </a:r>
-            <a:endParaRPr b="0" lang="cs-CZ" sz="1800" spc="-1" strike="noStrike">
-              <a:solidFill>
-                <a:srgbClr val="000000"/>
-              </a:solidFill>
-              <a:latin typeface="Arial"/>
-            </a:endParaRPr>
-          </a:p>
-          <a:p>
-            <a:pPr lvl="4" marL="2160000" indent="-216000">
+          </a:p>
+          <a:p>
+            <a:pPr marL="2160000" lvl="4" indent="-216000">
               <a:spcBef>
                 <a:spcPts val="283"/>
               </a:spcBef>
@@ -4504,7 +4788,7 @@
               <a:buChar char=""/>
             </a:pPr>
             <a:r>
-              <a:rPr b="0" lang="cs-CZ" sz="2000" spc="-1" strike="noStrike">
+              <a:rPr lang="cs-CZ" sz="2000" b="0" strike="noStrike" spc="-1">
                 <a:solidFill>
                   <a:srgbClr val="000000"/>
                 </a:solidFill>
@@ -4512,15 +4796,9 @@
               </a:rPr>
               <a:t>Pátá úroveň osnovy</a:t>
             </a:r>
-            <a:endParaRPr b="0" lang="cs-CZ" sz="2000" spc="-1" strike="noStrike">
-              <a:solidFill>
-                <a:srgbClr val="000000"/>
-              </a:solidFill>
-              <a:latin typeface="Arial"/>
-            </a:endParaRPr>
-          </a:p>
-          <a:p>
-            <a:pPr lvl="5" marL="2592000" indent="-216000">
+          </a:p>
+          <a:p>
+            <a:pPr marL="2592000" lvl="5" indent="-216000">
               <a:spcBef>
                 <a:spcPts val="283"/>
               </a:spcBef>
@@ -4532,7 +4810,7 @@
               <a:buChar char=""/>
             </a:pPr>
             <a:r>
-              <a:rPr b="0" lang="cs-CZ" sz="2000" spc="-1" strike="noStrike">
+              <a:rPr lang="cs-CZ" sz="2000" b="0" strike="noStrike" spc="-1">
                 <a:solidFill>
                   <a:srgbClr val="000000"/>
                 </a:solidFill>
@@ -4540,15 +4818,9 @@
               </a:rPr>
               <a:t>Šestá úroveň</a:t>
             </a:r>
-            <a:endParaRPr b="0" lang="cs-CZ" sz="2000" spc="-1" strike="noStrike">
-              <a:solidFill>
-                <a:srgbClr val="000000"/>
-              </a:solidFill>
-              <a:latin typeface="Arial"/>
-            </a:endParaRPr>
-          </a:p>
-          <a:p>
-            <a:pPr lvl="6" marL="3024000" indent="-216000">
+          </a:p>
+          <a:p>
+            <a:pPr marL="3024000" lvl="6" indent="-216000">
               <a:spcBef>
                 <a:spcPts val="283"/>
               </a:spcBef>
@@ -4560,7 +4832,7 @@
               <a:buChar char=""/>
             </a:pPr>
             <a:r>
-              <a:rPr b="0" lang="cs-CZ" sz="2000" spc="-1" strike="noStrike">
+              <a:rPr lang="cs-CZ" sz="2000" b="0" strike="noStrike" spc="-1">
                 <a:solidFill>
                   <a:srgbClr val="000000"/>
                 </a:solidFill>
@@ -4568,46 +4840,321 @@
               </a:rPr>
               <a:t>Sedmá úroveň</a:t>
             </a:r>
-            <a:endParaRPr b="0" lang="cs-CZ" sz="2000" spc="-1" strike="noStrike">
-              <a:solidFill>
-                <a:srgbClr val="000000"/>
-              </a:solidFill>
-              <a:latin typeface="Arial"/>
-            </a:endParaRPr>
           </a:p>
         </p:txBody>
       </p:sp>
     </p:spTree>
   </p:cSld>
-  <p:clrMap bg1="lt1" bg2="lt2" tx1="dk1" tx2="dk2" accent1="accent1" accent2="accent2" accent3="accent3" accent4="accent4" accent5="accent5" accent6="accent6" hlink="hlink" folHlink="folHlink"/>
+  <p:clrMap bg1="lt1" tx1="dk1" bg2="lt2" tx2="dk2" accent1="accent1" accent2="accent2" accent3="accent3" accent4="accent4" accent5="accent5" accent6="accent6" hlink="hlink" folHlink="folHlink"/>
   <p:sldLayoutIdLst>
-    <p:sldLayoutId id="2147483649" r:id="rId3"/>
-    <p:sldLayoutId id="2147483650" r:id="rId4"/>
-    <p:sldLayoutId id="2147483651" r:id="rId5"/>
-    <p:sldLayoutId id="2147483652" r:id="rId6"/>
-    <p:sldLayoutId id="2147483653" r:id="rId7"/>
-    <p:sldLayoutId id="2147483654" r:id="rId8"/>
-    <p:sldLayoutId id="2147483655" r:id="rId9"/>
-    <p:sldLayoutId id="2147483656" r:id="rId10"/>
-    <p:sldLayoutId id="2147483657" r:id="rId11"/>
-    <p:sldLayoutId id="2147483658" r:id="rId12"/>
-    <p:sldLayoutId id="2147483659" r:id="rId13"/>
-    <p:sldLayoutId id="2147483660" r:id="rId14"/>
+    <p:sldLayoutId id="2147483649" r:id="rId1"/>
+    <p:sldLayoutId id="2147483650" r:id="rId2"/>
+    <p:sldLayoutId id="2147483651" r:id="rId3"/>
+    <p:sldLayoutId id="2147483652" r:id="rId4"/>
+    <p:sldLayoutId id="2147483653" r:id="rId5"/>
+    <p:sldLayoutId id="2147483654" r:id="rId6"/>
+    <p:sldLayoutId id="2147483655" r:id="rId7"/>
+    <p:sldLayoutId id="2147483656" r:id="rId8"/>
+    <p:sldLayoutId id="2147483657" r:id="rId9"/>
+    <p:sldLayoutId id="2147483658" r:id="rId10"/>
+    <p:sldLayoutId id="2147483659" r:id="rId11"/>
+    <p:sldLayoutId id="2147483660" r:id="rId12"/>
   </p:sldLayoutIdLst>
+  <p:txStyles>
+    <p:titleStyle>
+      <a:lvl1pPr algn="l" defTabSz="914400" rtl="0" eaLnBrk="1" latinLnBrk="0" hangingPunct="1">
+        <a:lnSpc>
+          <a:spcPct val="90000"/>
+        </a:lnSpc>
+        <a:spcBef>
+          <a:spcPct val="0"/>
+        </a:spcBef>
+        <a:buNone/>
+        <a:defRPr sz="4400" kern="1200">
+          <a:solidFill>
+            <a:schemeClr val="tx1"/>
+          </a:solidFill>
+          <a:latin typeface="+mj-lt"/>
+          <a:ea typeface="+mj-ea"/>
+          <a:cs typeface="+mj-cs"/>
+        </a:defRPr>
+      </a:lvl1pPr>
+    </p:titleStyle>
+    <p:bodyStyle>
+      <a:lvl1pPr marL="228600" indent="-228600" algn="l" defTabSz="914400" rtl="0" eaLnBrk="1" latinLnBrk="0" hangingPunct="1">
+        <a:lnSpc>
+          <a:spcPct val="90000"/>
+        </a:lnSpc>
+        <a:spcBef>
+          <a:spcPts val="1000"/>
+        </a:spcBef>
+        <a:buFont typeface="Arial" panose="020B0604020202020204" pitchFamily="34" charset="0"/>
+        <a:buChar char="•"/>
+        <a:defRPr sz="2800" kern="1200">
+          <a:solidFill>
+            <a:schemeClr val="tx1"/>
+          </a:solidFill>
+          <a:latin typeface="+mn-lt"/>
+          <a:ea typeface="+mn-ea"/>
+          <a:cs typeface="+mn-cs"/>
+        </a:defRPr>
+      </a:lvl1pPr>
+      <a:lvl2pPr marL="685800" indent="-228600" algn="l" defTabSz="914400" rtl="0" eaLnBrk="1" latinLnBrk="0" hangingPunct="1">
+        <a:lnSpc>
+          <a:spcPct val="90000"/>
+        </a:lnSpc>
+        <a:spcBef>
+          <a:spcPts val="500"/>
+        </a:spcBef>
+        <a:buFont typeface="Arial" panose="020B0604020202020204" pitchFamily="34" charset="0"/>
+        <a:buChar char="•"/>
+        <a:defRPr sz="2400" kern="1200">
+          <a:solidFill>
+            <a:schemeClr val="tx1"/>
+          </a:solidFill>
+          <a:latin typeface="+mn-lt"/>
+          <a:ea typeface="+mn-ea"/>
+          <a:cs typeface="+mn-cs"/>
+        </a:defRPr>
+      </a:lvl2pPr>
+      <a:lvl3pPr marL="1143000" indent="-228600" algn="l" defTabSz="914400" rtl="0" eaLnBrk="1" latinLnBrk="0" hangingPunct="1">
+        <a:lnSpc>
+          <a:spcPct val="90000"/>
+        </a:lnSpc>
+        <a:spcBef>
+          <a:spcPts val="500"/>
+        </a:spcBef>
+        <a:buFont typeface="Arial" panose="020B0604020202020204" pitchFamily="34" charset="0"/>
+        <a:buChar char="•"/>
+        <a:defRPr sz="2000" kern="1200">
+          <a:solidFill>
+            <a:schemeClr val="tx1"/>
+          </a:solidFill>
+          <a:latin typeface="+mn-lt"/>
+          <a:ea typeface="+mn-ea"/>
+          <a:cs typeface="+mn-cs"/>
+        </a:defRPr>
+      </a:lvl3pPr>
+      <a:lvl4pPr marL="1600200" indent="-228600" algn="l" defTabSz="914400" rtl="0" eaLnBrk="1" latinLnBrk="0" hangingPunct="1">
+        <a:lnSpc>
+          <a:spcPct val="90000"/>
+        </a:lnSpc>
+        <a:spcBef>
+          <a:spcPts val="500"/>
+        </a:spcBef>
+        <a:buFont typeface="Arial" panose="020B0604020202020204" pitchFamily="34" charset="0"/>
+        <a:buChar char="•"/>
+        <a:defRPr sz="1800" kern="1200">
+          <a:solidFill>
+            <a:schemeClr val="tx1"/>
+          </a:solidFill>
+          <a:latin typeface="+mn-lt"/>
+          <a:ea typeface="+mn-ea"/>
+          <a:cs typeface="+mn-cs"/>
+        </a:defRPr>
+      </a:lvl4pPr>
+      <a:lvl5pPr marL="2057400" indent="-228600" algn="l" defTabSz="914400" rtl="0" eaLnBrk="1" latinLnBrk="0" hangingPunct="1">
+        <a:lnSpc>
+          <a:spcPct val="90000"/>
+        </a:lnSpc>
+        <a:spcBef>
+          <a:spcPts val="500"/>
+        </a:spcBef>
+        <a:buFont typeface="Arial" panose="020B0604020202020204" pitchFamily="34" charset="0"/>
+        <a:buChar char="•"/>
+        <a:defRPr sz="1800" kern="1200">
+          <a:solidFill>
+            <a:schemeClr val="tx1"/>
+          </a:solidFill>
+          <a:latin typeface="+mn-lt"/>
+          <a:ea typeface="+mn-ea"/>
+          <a:cs typeface="+mn-cs"/>
+        </a:defRPr>
+      </a:lvl5pPr>
+      <a:lvl6pPr marL="2514600" indent="-228600" algn="l" defTabSz="914400" rtl="0" eaLnBrk="1" latinLnBrk="0" hangingPunct="1">
+        <a:lnSpc>
+          <a:spcPct val="90000"/>
+        </a:lnSpc>
+        <a:spcBef>
+          <a:spcPts val="500"/>
+        </a:spcBef>
+        <a:buFont typeface="Arial" panose="020B0604020202020204" pitchFamily="34" charset="0"/>
+        <a:buChar char="•"/>
+        <a:defRPr sz="1800" kern="1200">
+          <a:solidFill>
+            <a:schemeClr val="tx1"/>
+          </a:solidFill>
+          <a:latin typeface="+mn-lt"/>
+          <a:ea typeface="+mn-ea"/>
+          <a:cs typeface="+mn-cs"/>
+        </a:defRPr>
+      </a:lvl6pPr>
+      <a:lvl7pPr marL="2971800" indent="-228600" algn="l" defTabSz="914400" rtl="0" eaLnBrk="1" latinLnBrk="0" hangingPunct="1">
+        <a:lnSpc>
+          <a:spcPct val="90000"/>
+        </a:lnSpc>
+        <a:spcBef>
+          <a:spcPts val="500"/>
+        </a:spcBef>
+        <a:buFont typeface="Arial" panose="020B0604020202020204" pitchFamily="34" charset="0"/>
+        <a:buChar char="•"/>
+        <a:defRPr sz="1800" kern="1200">
+          <a:solidFill>
+            <a:schemeClr val="tx1"/>
+          </a:solidFill>
+          <a:latin typeface="+mn-lt"/>
+          <a:ea typeface="+mn-ea"/>
+          <a:cs typeface="+mn-cs"/>
+        </a:defRPr>
+      </a:lvl7pPr>
+      <a:lvl8pPr marL="3429000" indent="-228600" algn="l" defTabSz="914400" rtl="0" eaLnBrk="1" latinLnBrk="0" hangingPunct="1">
+        <a:lnSpc>
+          <a:spcPct val="90000"/>
+        </a:lnSpc>
+        <a:spcBef>
+          <a:spcPts val="500"/>
+        </a:spcBef>
+        <a:buFont typeface="Arial" panose="020B0604020202020204" pitchFamily="34" charset="0"/>
+        <a:buChar char="•"/>
+        <a:defRPr sz="1800" kern="1200">
+          <a:solidFill>
+            <a:schemeClr val="tx1"/>
+          </a:solidFill>
+          <a:latin typeface="+mn-lt"/>
+          <a:ea typeface="+mn-ea"/>
+          <a:cs typeface="+mn-cs"/>
+        </a:defRPr>
+      </a:lvl8pPr>
+      <a:lvl9pPr marL="3886200" indent="-228600" algn="l" defTabSz="914400" rtl="0" eaLnBrk="1" latinLnBrk="0" hangingPunct="1">
+        <a:lnSpc>
+          <a:spcPct val="90000"/>
+        </a:lnSpc>
+        <a:spcBef>
+          <a:spcPts val="500"/>
+        </a:spcBef>
+        <a:buFont typeface="Arial" panose="020B0604020202020204" pitchFamily="34" charset="0"/>
+        <a:buChar char="•"/>
+        <a:defRPr sz="1800" kern="1200">
+          <a:solidFill>
+            <a:schemeClr val="tx1"/>
+          </a:solidFill>
+          <a:latin typeface="+mn-lt"/>
+          <a:ea typeface="+mn-ea"/>
+          <a:cs typeface="+mn-cs"/>
+        </a:defRPr>
+      </a:lvl9pPr>
+    </p:bodyStyle>
+    <p:otherStyle>
+      <a:defPPr>
+        <a:defRPr lang="cs-CZ"/>
+      </a:defPPr>
+      <a:lvl1pPr marL="0" algn="l" defTabSz="914400" rtl="0" eaLnBrk="1" latinLnBrk="0" hangingPunct="1">
+        <a:defRPr sz="1800" kern="1200">
+          <a:solidFill>
+            <a:schemeClr val="tx1"/>
+          </a:solidFill>
+          <a:latin typeface="+mn-lt"/>
+          <a:ea typeface="+mn-ea"/>
+          <a:cs typeface="+mn-cs"/>
+        </a:defRPr>
+      </a:lvl1pPr>
+      <a:lvl2pPr marL="457200" algn="l" defTabSz="914400" rtl="0" eaLnBrk="1" latinLnBrk="0" hangingPunct="1">
+        <a:defRPr sz="1800" kern="1200">
+          <a:solidFill>
+            <a:schemeClr val="tx1"/>
+          </a:solidFill>
+          <a:latin typeface="+mn-lt"/>
+          <a:ea typeface="+mn-ea"/>
+          <a:cs typeface="+mn-cs"/>
+        </a:defRPr>
+      </a:lvl2pPr>
+      <a:lvl3pPr marL="914400" algn="l" defTabSz="914400" rtl="0" eaLnBrk="1" latinLnBrk="0" hangingPunct="1">
+        <a:defRPr sz="1800" kern="1200">
+          <a:solidFill>
+            <a:schemeClr val="tx1"/>
+          </a:solidFill>
+          <a:latin typeface="+mn-lt"/>
+          <a:ea typeface="+mn-ea"/>
+          <a:cs typeface="+mn-cs"/>
+        </a:defRPr>
+      </a:lvl3pPr>
+      <a:lvl4pPr marL="1371600" algn="l" defTabSz="914400" rtl="0" eaLnBrk="1" latinLnBrk="0" hangingPunct="1">
+        <a:defRPr sz="1800" kern="1200">
+          <a:solidFill>
+            <a:schemeClr val="tx1"/>
+          </a:solidFill>
+          <a:latin typeface="+mn-lt"/>
+          <a:ea typeface="+mn-ea"/>
+          <a:cs typeface="+mn-cs"/>
+        </a:defRPr>
+      </a:lvl4pPr>
+      <a:lvl5pPr marL="1828800" algn="l" defTabSz="914400" rtl="0" eaLnBrk="1" latinLnBrk="0" hangingPunct="1">
+        <a:defRPr sz="1800" kern="1200">
+          <a:solidFill>
+            <a:schemeClr val="tx1"/>
+          </a:solidFill>
+          <a:latin typeface="+mn-lt"/>
+          <a:ea typeface="+mn-ea"/>
+          <a:cs typeface="+mn-cs"/>
+        </a:defRPr>
+      </a:lvl5pPr>
+      <a:lvl6pPr marL="2286000" algn="l" defTabSz="914400" rtl="0" eaLnBrk="1" latinLnBrk="0" hangingPunct="1">
+        <a:defRPr sz="1800" kern="1200">
+          <a:solidFill>
+            <a:schemeClr val="tx1"/>
+          </a:solidFill>
+          <a:latin typeface="+mn-lt"/>
+          <a:ea typeface="+mn-ea"/>
+          <a:cs typeface="+mn-cs"/>
+        </a:defRPr>
+      </a:lvl6pPr>
+      <a:lvl7pPr marL="2743200" algn="l" defTabSz="914400" rtl="0" eaLnBrk="1" latinLnBrk="0" hangingPunct="1">
+        <a:defRPr sz="1800" kern="1200">
+          <a:solidFill>
+            <a:schemeClr val="tx1"/>
+          </a:solidFill>
+          <a:latin typeface="+mn-lt"/>
+          <a:ea typeface="+mn-ea"/>
+          <a:cs typeface="+mn-cs"/>
+        </a:defRPr>
+      </a:lvl7pPr>
+      <a:lvl8pPr marL="3200400" algn="l" defTabSz="914400" rtl="0" eaLnBrk="1" latinLnBrk="0" hangingPunct="1">
+        <a:defRPr sz="1800" kern="1200">
+          <a:solidFill>
+            <a:schemeClr val="tx1"/>
+          </a:solidFill>
+          <a:latin typeface="+mn-lt"/>
+          <a:ea typeface="+mn-ea"/>
+          <a:cs typeface="+mn-cs"/>
+        </a:defRPr>
+      </a:lvl8pPr>
+      <a:lvl9pPr marL="3657600" algn="l" defTabSz="914400" rtl="0" eaLnBrk="1" latinLnBrk="0" hangingPunct="1">
+        <a:defRPr sz="1800" kern="1200">
+          <a:solidFill>
+            <a:schemeClr val="tx1"/>
+          </a:solidFill>
+          <a:latin typeface="+mn-lt"/>
+          <a:ea typeface="+mn-ea"/>
+          <a:cs typeface="+mn-cs"/>
+        </a:defRPr>
+      </a:lvl9pPr>
+    </p:otherStyle>
+  </p:txStyles>
 </p:sldMaster>
 </file>
 
 <file path=ppt/slideMasters/slideMaster2.xml><?xml version="1.0" encoding="utf-8"?>
-<p:sldMaster xmlns:a="http://schemas.openxmlformats.org/drawingml/2006/main" xmlns:p="http://schemas.openxmlformats.org/presentationml/2006/main" xmlns:r="http://schemas.openxmlformats.org/officeDocument/2006/relationships" xmlns:p14="http://schemas.microsoft.com/office/powerpoint/2010/main" xmlns:p15="http://schemas.microsoft.com/office/powerpoint/2012/main" xmlns:mc="http://schemas.openxmlformats.org/markup-compatibility/2006">
+<p:sldMaster xmlns:a="http://schemas.openxmlformats.org/drawingml/2006/main" xmlns:r="http://schemas.openxmlformats.org/officeDocument/2006/relationships" xmlns:p="http://schemas.openxmlformats.org/presentationml/2006/main">
   <p:cSld>
     <p:bg>
       <p:bgPr>
         <a:blipFill rotWithShape="0">
-          <a:blip r:embed="rId2"/>
+          <a:blip r:embed="rId14"/>
           <a:stretch>
             <a:fillRect/>
           </a:stretch>
         </a:blipFill>
+        <a:effectLst/>
       </p:bgPr>
     </p:bg>
     <p:spTree>
@@ -4644,10 +5191,11 @@
           </a:prstGeom>
         </p:spPr>
         <p:txBody>
-          <a:bodyPr lIns="0" rIns="0" tIns="0" bIns="0" anchor="ctr"/>
-          <a:p>
-            <a:r>
-              <a:rPr b="0" lang="cs-CZ" sz="1800" spc="-1" strike="noStrike">
+          <a:bodyPr lIns="0" tIns="0" rIns="0" bIns="0" anchor="ctr"/>
+          <a:lstStyle/>
+          <a:p>
+            <a:r>
+              <a:rPr lang="cs-CZ" sz="1800" b="0" strike="noStrike" spc="-1">
                 <a:solidFill>
                   <a:srgbClr val="000000"/>
                 </a:solidFill>
@@ -4655,12 +5203,6 @@
               </a:rPr>
               <a:t>Klikněte pro úpravu formátu textu nadpisu</a:t>
             </a:r>
-            <a:endParaRPr b="0" lang="cs-CZ" sz="1800" spc="-1" strike="noStrike">
-              <a:solidFill>
-                <a:srgbClr val="000000"/>
-              </a:solidFill>
-              <a:latin typeface="Arial"/>
-            </a:endParaRPr>
           </a:p>
         </p:txBody>
       </p:sp>
@@ -4684,9 +5226,10 @@
           </a:prstGeom>
         </p:spPr>
         <p:txBody>
-          <a:bodyPr lIns="0" rIns="0" tIns="0" bIns="0">
+          <a:bodyPr lIns="0" tIns="0" rIns="0" bIns="0">
             <a:normAutofit/>
           </a:bodyPr>
+          <a:lstStyle/>
           <a:p>
             <a:pPr marL="432000" indent="-324000">
               <a:spcBef>
@@ -4700,7 +5243,7 @@
               <a:buChar char=""/>
             </a:pPr>
             <a:r>
-              <a:rPr b="0" lang="cs-CZ" sz="2800" spc="-1" strike="noStrike">
+              <a:rPr lang="cs-CZ" sz="2800" b="0" strike="noStrike" spc="-1">
                 <a:solidFill>
                   <a:srgbClr val="000000"/>
                 </a:solidFill>
@@ -4708,15 +5251,9 @@
               </a:rPr>
               <a:t>Klikněte pro úpravu formátu textu osnovy</a:t>
             </a:r>
-            <a:endParaRPr b="0" lang="cs-CZ" sz="2800" spc="-1" strike="noStrike">
-              <a:solidFill>
-                <a:srgbClr val="000000"/>
-              </a:solidFill>
-              <a:latin typeface="Arial"/>
-            </a:endParaRPr>
-          </a:p>
-          <a:p>
-            <a:pPr lvl="1" marL="864000" indent="-324000">
+          </a:p>
+          <a:p>
+            <a:pPr marL="864000" lvl="1" indent="-324000">
               <a:spcBef>
                 <a:spcPts val="1134"/>
               </a:spcBef>
@@ -4728,7 +5265,7 @@
               <a:buChar char=""/>
             </a:pPr>
             <a:r>
-              <a:rPr b="0" lang="cs-CZ" sz="2000" spc="-1" strike="noStrike">
+              <a:rPr lang="cs-CZ" sz="2000" b="0" strike="noStrike" spc="-1">
                 <a:solidFill>
                   <a:srgbClr val="000000"/>
                 </a:solidFill>
@@ -4736,15 +5273,9 @@
               </a:rPr>
               <a:t>Druhá úroveň</a:t>
             </a:r>
-            <a:endParaRPr b="0" lang="cs-CZ" sz="2000" spc="-1" strike="noStrike">
-              <a:solidFill>
-                <a:srgbClr val="000000"/>
-              </a:solidFill>
-              <a:latin typeface="Arial"/>
-            </a:endParaRPr>
-          </a:p>
-          <a:p>
-            <a:pPr lvl="2" marL="1296000" indent="-288000">
+          </a:p>
+          <a:p>
+            <a:pPr marL="1296000" lvl="2" indent="-288000">
               <a:spcBef>
                 <a:spcPts val="850"/>
               </a:spcBef>
@@ -4756,7 +5287,7 @@
               <a:buChar char=""/>
             </a:pPr>
             <a:r>
-              <a:rPr b="0" lang="cs-CZ" sz="1800" spc="-1" strike="noStrike">
+              <a:rPr lang="cs-CZ" sz="1800" b="0" strike="noStrike" spc="-1">
                 <a:solidFill>
                   <a:srgbClr val="000000"/>
                 </a:solidFill>
@@ -4764,15 +5295,9 @@
               </a:rPr>
               <a:t>Třetí úroveň</a:t>
             </a:r>
-            <a:endParaRPr b="0" lang="cs-CZ" sz="1800" spc="-1" strike="noStrike">
-              <a:solidFill>
-                <a:srgbClr val="000000"/>
-              </a:solidFill>
-              <a:latin typeface="Arial"/>
-            </a:endParaRPr>
-          </a:p>
-          <a:p>
-            <a:pPr lvl="3" marL="1728000" indent="-216000">
+          </a:p>
+          <a:p>
+            <a:pPr marL="1728000" lvl="3" indent="-216000">
               <a:spcBef>
                 <a:spcPts val="567"/>
               </a:spcBef>
@@ -4784,7 +5309,7 @@
               <a:buChar char=""/>
             </a:pPr>
             <a:r>
-              <a:rPr b="0" lang="cs-CZ" sz="1800" spc="-1" strike="noStrike">
+              <a:rPr lang="cs-CZ" sz="1800" b="0" strike="noStrike" spc="-1">
                 <a:solidFill>
                   <a:srgbClr val="000000"/>
                 </a:solidFill>
@@ -4792,15 +5317,9 @@
               </a:rPr>
               <a:t>Čtvrtá úroveň osnovy</a:t>
             </a:r>
-            <a:endParaRPr b="0" lang="cs-CZ" sz="1800" spc="-1" strike="noStrike">
-              <a:solidFill>
-                <a:srgbClr val="000000"/>
-              </a:solidFill>
-              <a:latin typeface="Arial"/>
-            </a:endParaRPr>
-          </a:p>
-          <a:p>
-            <a:pPr lvl="4" marL="2160000" indent="-216000">
+          </a:p>
+          <a:p>
+            <a:pPr marL="2160000" lvl="4" indent="-216000">
               <a:spcBef>
                 <a:spcPts val="283"/>
               </a:spcBef>
@@ -4812,7 +5331,7 @@
               <a:buChar char=""/>
             </a:pPr>
             <a:r>
-              <a:rPr b="0" lang="cs-CZ" sz="2000" spc="-1" strike="noStrike">
+              <a:rPr lang="cs-CZ" sz="2000" b="0" strike="noStrike" spc="-1">
                 <a:solidFill>
                   <a:srgbClr val="000000"/>
                 </a:solidFill>
@@ -4820,15 +5339,9 @@
               </a:rPr>
               <a:t>Pátá úroveň osnovy</a:t>
             </a:r>
-            <a:endParaRPr b="0" lang="cs-CZ" sz="2000" spc="-1" strike="noStrike">
-              <a:solidFill>
-                <a:srgbClr val="000000"/>
-              </a:solidFill>
-              <a:latin typeface="Arial"/>
-            </a:endParaRPr>
-          </a:p>
-          <a:p>
-            <a:pPr lvl="5" marL="2592000" indent="-216000">
+          </a:p>
+          <a:p>
+            <a:pPr marL="2592000" lvl="5" indent="-216000">
               <a:spcBef>
                 <a:spcPts val="283"/>
               </a:spcBef>
@@ -4840,7 +5353,7 @@
               <a:buChar char=""/>
             </a:pPr>
             <a:r>
-              <a:rPr b="0" lang="cs-CZ" sz="2000" spc="-1" strike="noStrike">
+              <a:rPr lang="cs-CZ" sz="2000" b="0" strike="noStrike" spc="-1">
                 <a:solidFill>
                   <a:srgbClr val="000000"/>
                 </a:solidFill>
@@ -4848,15 +5361,9 @@
               </a:rPr>
               <a:t>Šestá úroveň</a:t>
             </a:r>
-            <a:endParaRPr b="0" lang="cs-CZ" sz="2000" spc="-1" strike="noStrike">
-              <a:solidFill>
-                <a:srgbClr val="000000"/>
-              </a:solidFill>
-              <a:latin typeface="Arial"/>
-            </a:endParaRPr>
-          </a:p>
-          <a:p>
-            <a:pPr lvl="6" marL="3024000" indent="-216000">
+          </a:p>
+          <a:p>
+            <a:pPr marL="3024000" lvl="6" indent="-216000">
               <a:spcBef>
                 <a:spcPts val="283"/>
               </a:spcBef>
@@ -4868,7 +5375,7 @@
               <a:buChar char=""/>
             </a:pPr>
             <a:r>
-              <a:rPr b="0" lang="cs-CZ" sz="2000" spc="-1" strike="noStrike">
+              <a:rPr lang="cs-CZ" sz="2000" b="0" strike="noStrike" spc="-1">
                 <a:solidFill>
                   <a:srgbClr val="000000"/>
                 </a:solidFill>
@@ -4876,46 +5383,321 @@
               </a:rPr>
               <a:t>Sedmá úroveň</a:t>
             </a:r>
-            <a:endParaRPr b="0" lang="cs-CZ" sz="2000" spc="-1" strike="noStrike">
-              <a:solidFill>
-                <a:srgbClr val="000000"/>
-              </a:solidFill>
-              <a:latin typeface="Arial"/>
-            </a:endParaRPr>
           </a:p>
         </p:txBody>
       </p:sp>
     </p:spTree>
   </p:cSld>
-  <p:clrMap bg1="lt1" bg2="lt2" tx1="dk1" tx2="dk2" accent1="accent1" accent2="accent2" accent3="accent3" accent4="accent4" accent5="accent5" accent6="accent6" hlink="hlink" folHlink="folHlink"/>
+  <p:clrMap bg1="lt1" tx1="dk1" bg2="lt2" tx2="dk2" accent1="accent1" accent2="accent2" accent3="accent3" accent4="accent4" accent5="accent5" accent6="accent6" hlink="hlink" folHlink="folHlink"/>
   <p:sldLayoutIdLst>
-    <p:sldLayoutId id="2147483662" r:id="rId3"/>
-    <p:sldLayoutId id="2147483663" r:id="rId4"/>
-    <p:sldLayoutId id="2147483664" r:id="rId5"/>
-    <p:sldLayoutId id="2147483665" r:id="rId6"/>
-    <p:sldLayoutId id="2147483666" r:id="rId7"/>
-    <p:sldLayoutId id="2147483667" r:id="rId8"/>
-    <p:sldLayoutId id="2147483668" r:id="rId9"/>
-    <p:sldLayoutId id="2147483669" r:id="rId10"/>
-    <p:sldLayoutId id="2147483670" r:id="rId11"/>
-    <p:sldLayoutId id="2147483671" r:id="rId12"/>
-    <p:sldLayoutId id="2147483672" r:id="rId13"/>
-    <p:sldLayoutId id="2147483673" r:id="rId14"/>
+    <p:sldLayoutId id="2147483662" r:id="rId1"/>
+    <p:sldLayoutId id="2147483663" r:id="rId2"/>
+    <p:sldLayoutId id="2147483664" r:id="rId3"/>
+    <p:sldLayoutId id="2147483665" r:id="rId4"/>
+    <p:sldLayoutId id="2147483666" r:id="rId5"/>
+    <p:sldLayoutId id="2147483667" r:id="rId6"/>
+    <p:sldLayoutId id="2147483668" r:id="rId7"/>
+    <p:sldLayoutId id="2147483669" r:id="rId8"/>
+    <p:sldLayoutId id="2147483670" r:id="rId9"/>
+    <p:sldLayoutId id="2147483671" r:id="rId10"/>
+    <p:sldLayoutId id="2147483672" r:id="rId11"/>
+    <p:sldLayoutId id="2147483673" r:id="rId12"/>
   </p:sldLayoutIdLst>
+  <p:txStyles>
+    <p:titleStyle>
+      <a:lvl1pPr algn="l" defTabSz="914400" rtl="0" eaLnBrk="1" latinLnBrk="0" hangingPunct="1">
+        <a:lnSpc>
+          <a:spcPct val="90000"/>
+        </a:lnSpc>
+        <a:spcBef>
+          <a:spcPct val="0"/>
+        </a:spcBef>
+        <a:buNone/>
+        <a:defRPr sz="4400" kern="1200">
+          <a:solidFill>
+            <a:schemeClr val="tx1"/>
+          </a:solidFill>
+          <a:latin typeface="+mj-lt"/>
+          <a:ea typeface="+mj-ea"/>
+          <a:cs typeface="+mj-cs"/>
+        </a:defRPr>
+      </a:lvl1pPr>
+    </p:titleStyle>
+    <p:bodyStyle>
+      <a:lvl1pPr marL="228600" indent="-228600" algn="l" defTabSz="914400" rtl="0" eaLnBrk="1" latinLnBrk="0" hangingPunct="1">
+        <a:lnSpc>
+          <a:spcPct val="90000"/>
+        </a:lnSpc>
+        <a:spcBef>
+          <a:spcPts val="1000"/>
+        </a:spcBef>
+        <a:buFont typeface="Arial" panose="020B0604020202020204" pitchFamily="34" charset="0"/>
+        <a:buChar char="•"/>
+        <a:defRPr sz="2800" kern="1200">
+          <a:solidFill>
+            <a:schemeClr val="tx1"/>
+          </a:solidFill>
+          <a:latin typeface="+mn-lt"/>
+          <a:ea typeface="+mn-ea"/>
+          <a:cs typeface="+mn-cs"/>
+        </a:defRPr>
+      </a:lvl1pPr>
+      <a:lvl2pPr marL="685800" indent="-228600" algn="l" defTabSz="914400" rtl="0" eaLnBrk="1" latinLnBrk="0" hangingPunct="1">
+        <a:lnSpc>
+          <a:spcPct val="90000"/>
+        </a:lnSpc>
+        <a:spcBef>
+          <a:spcPts val="500"/>
+        </a:spcBef>
+        <a:buFont typeface="Arial" panose="020B0604020202020204" pitchFamily="34" charset="0"/>
+        <a:buChar char="•"/>
+        <a:defRPr sz="2400" kern="1200">
+          <a:solidFill>
+            <a:schemeClr val="tx1"/>
+          </a:solidFill>
+          <a:latin typeface="+mn-lt"/>
+          <a:ea typeface="+mn-ea"/>
+          <a:cs typeface="+mn-cs"/>
+        </a:defRPr>
+      </a:lvl2pPr>
+      <a:lvl3pPr marL="1143000" indent="-228600" algn="l" defTabSz="914400" rtl="0" eaLnBrk="1" latinLnBrk="0" hangingPunct="1">
+        <a:lnSpc>
+          <a:spcPct val="90000"/>
+        </a:lnSpc>
+        <a:spcBef>
+          <a:spcPts val="500"/>
+        </a:spcBef>
+        <a:buFont typeface="Arial" panose="020B0604020202020204" pitchFamily="34" charset="0"/>
+        <a:buChar char="•"/>
+        <a:defRPr sz="2000" kern="1200">
+          <a:solidFill>
+            <a:schemeClr val="tx1"/>
+          </a:solidFill>
+          <a:latin typeface="+mn-lt"/>
+          <a:ea typeface="+mn-ea"/>
+          <a:cs typeface="+mn-cs"/>
+        </a:defRPr>
+      </a:lvl3pPr>
+      <a:lvl4pPr marL="1600200" indent="-228600" algn="l" defTabSz="914400" rtl="0" eaLnBrk="1" latinLnBrk="0" hangingPunct="1">
+        <a:lnSpc>
+          <a:spcPct val="90000"/>
+        </a:lnSpc>
+        <a:spcBef>
+          <a:spcPts val="500"/>
+        </a:spcBef>
+        <a:buFont typeface="Arial" panose="020B0604020202020204" pitchFamily="34" charset="0"/>
+        <a:buChar char="•"/>
+        <a:defRPr sz="1800" kern="1200">
+          <a:solidFill>
+            <a:schemeClr val="tx1"/>
+          </a:solidFill>
+          <a:latin typeface="+mn-lt"/>
+          <a:ea typeface="+mn-ea"/>
+          <a:cs typeface="+mn-cs"/>
+        </a:defRPr>
+      </a:lvl4pPr>
+      <a:lvl5pPr marL="2057400" indent="-228600" algn="l" defTabSz="914400" rtl="0" eaLnBrk="1" latinLnBrk="0" hangingPunct="1">
+        <a:lnSpc>
+          <a:spcPct val="90000"/>
+        </a:lnSpc>
+        <a:spcBef>
+          <a:spcPts val="500"/>
+        </a:spcBef>
+        <a:buFont typeface="Arial" panose="020B0604020202020204" pitchFamily="34" charset="0"/>
+        <a:buChar char="•"/>
+        <a:defRPr sz="1800" kern="1200">
+          <a:solidFill>
+            <a:schemeClr val="tx1"/>
+          </a:solidFill>
+          <a:latin typeface="+mn-lt"/>
+          <a:ea typeface="+mn-ea"/>
+          <a:cs typeface="+mn-cs"/>
+        </a:defRPr>
+      </a:lvl5pPr>
+      <a:lvl6pPr marL="2514600" indent="-228600" algn="l" defTabSz="914400" rtl="0" eaLnBrk="1" latinLnBrk="0" hangingPunct="1">
+        <a:lnSpc>
+          <a:spcPct val="90000"/>
+        </a:lnSpc>
+        <a:spcBef>
+          <a:spcPts val="500"/>
+        </a:spcBef>
+        <a:buFont typeface="Arial" panose="020B0604020202020204" pitchFamily="34" charset="0"/>
+        <a:buChar char="•"/>
+        <a:defRPr sz="1800" kern="1200">
+          <a:solidFill>
+            <a:schemeClr val="tx1"/>
+          </a:solidFill>
+          <a:latin typeface="+mn-lt"/>
+          <a:ea typeface="+mn-ea"/>
+          <a:cs typeface="+mn-cs"/>
+        </a:defRPr>
+      </a:lvl6pPr>
+      <a:lvl7pPr marL="2971800" indent="-228600" algn="l" defTabSz="914400" rtl="0" eaLnBrk="1" latinLnBrk="0" hangingPunct="1">
+        <a:lnSpc>
+          <a:spcPct val="90000"/>
+        </a:lnSpc>
+        <a:spcBef>
+          <a:spcPts val="500"/>
+        </a:spcBef>
+        <a:buFont typeface="Arial" panose="020B0604020202020204" pitchFamily="34" charset="0"/>
+        <a:buChar char="•"/>
+        <a:defRPr sz="1800" kern="1200">
+          <a:solidFill>
+            <a:schemeClr val="tx1"/>
+          </a:solidFill>
+          <a:latin typeface="+mn-lt"/>
+          <a:ea typeface="+mn-ea"/>
+          <a:cs typeface="+mn-cs"/>
+        </a:defRPr>
+      </a:lvl7pPr>
+      <a:lvl8pPr marL="3429000" indent="-228600" algn="l" defTabSz="914400" rtl="0" eaLnBrk="1" latinLnBrk="0" hangingPunct="1">
+        <a:lnSpc>
+          <a:spcPct val="90000"/>
+        </a:lnSpc>
+        <a:spcBef>
+          <a:spcPts val="500"/>
+        </a:spcBef>
+        <a:buFont typeface="Arial" panose="020B0604020202020204" pitchFamily="34" charset="0"/>
+        <a:buChar char="•"/>
+        <a:defRPr sz="1800" kern="1200">
+          <a:solidFill>
+            <a:schemeClr val="tx1"/>
+          </a:solidFill>
+          <a:latin typeface="+mn-lt"/>
+          <a:ea typeface="+mn-ea"/>
+          <a:cs typeface="+mn-cs"/>
+        </a:defRPr>
+      </a:lvl8pPr>
+      <a:lvl9pPr marL="3886200" indent="-228600" algn="l" defTabSz="914400" rtl="0" eaLnBrk="1" latinLnBrk="0" hangingPunct="1">
+        <a:lnSpc>
+          <a:spcPct val="90000"/>
+        </a:lnSpc>
+        <a:spcBef>
+          <a:spcPts val="500"/>
+        </a:spcBef>
+        <a:buFont typeface="Arial" panose="020B0604020202020204" pitchFamily="34" charset="0"/>
+        <a:buChar char="•"/>
+        <a:defRPr sz="1800" kern="1200">
+          <a:solidFill>
+            <a:schemeClr val="tx1"/>
+          </a:solidFill>
+          <a:latin typeface="+mn-lt"/>
+          <a:ea typeface="+mn-ea"/>
+          <a:cs typeface="+mn-cs"/>
+        </a:defRPr>
+      </a:lvl9pPr>
+    </p:bodyStyle>
+    <p:otherStyle>
+      <a:defPPr>
+        <a:defRPr lang="cs-CZ"/>
+      </a:defPPr>
+      <a:lvl1pPr marL="0" algn="l" defTabSz="914400" rtl="0" eaLnBrk="1" latinLnBrk="0" hangingPunct="1">
+        <a:defRPr sz="1800" kern="1200">
+          <a:solidFill>
+            <a:schemeClr val="tx1"/>
+          </a:solidFill>
+          <a:latin typeface="+mn-lt"/>
+          <a:ea typeface="+mn-ea"/>
+          <a:cs typeface="+mn-cs"/>
+        </a:defRPr>
+      </a:lvl1pPr>
+      <a:lvl2pPr marL="457200" algn="l" defTabSz="914400" rtl="0" eaLnBrk="1" latinLnBrk="0" hangingPunct="1">
+        <a:defRPr sz="1800" kern="1200">
+          <a:solidFill>
+            <a:schemeClr val="tx1"/>
+          </a:solidFill>
+          <a:latin typeface="+mn-lt"/>
+          <a:ea typeface="+mn-ea"/>
+          <a:cs typeface="+mn-cs"/>
+        </a:defRPr>
+      </a:lvl2pPr>
+      <a:lvl3pPr marL="914400" algn="l" defTabSz="914400" rtl="0" eaLnBrk="1" latinLnBrk="0" hangingPunct="1">
+        <a:defRPr sz="1800" kern="1200">
+          <a:solidFill>
+            <a:schemeClr val="tx1"/>
+          </a:solidFill>
+          <a:latin typeface="+mn-lt"/>
+          <a:ea typeface="+mn-ea"/>
+          <a:cs typeface="+mn-cs"/>
+        </a:defRPr>
+      </a:lvl3pPr>
+      <a:lvl4pPr marL="1371600" algn="l" defTabSz="914400" rtl="0" eaLnBrk="1" latinLnBrk="0" hangingPunct="1">
+        <a:defRPr sz="1800" kern="1200">
+          <a:solidFill>
+            <a:schemeClr val="tx1"/>
+          </a:solidFill>
+          <a:latin typeface="+mn-lt"/>
+          <a:ea typeface="+mn-ea"/>
+          <a:cs typeface="+mn-cs"/>
+        </a:defRPr>
+      </a:lvl4pPr>
+      <a:lvl5pPr marL="1828800" algn="l" defTabSz="914400" rtl="0" eaLnBrk="1" latinLnBrk="0" hangingPunct="1">
+        <a:defRPr sz="1800" kern="1200">
+          <a:solidFill>
+            <a:schemeClr val="tx1"/>
+          </a:solidFill>
+          <a:latin typeface="+mn-lt"/>
+          <a:ea typeface="+mn-ea"/>
+          <a:cs typeface="+mn-cs"/>
+        </a:defRPr>
+      </a:lvl5pPr>
+      <a:lvl6pPr marL="2286000" algn="l" defTabSz="914400" rtl="0" eaLnBrk="1" latinLnBrk="0" hangingPunct="1">
+        <a:defRPr sz="1800" kern="1200">
+          <a:solidFill>
+            <a:schemeClr val="tx1"/>
+          </a:solidFill>
+          <a:latin typeface="+mn-lt"/>
+          <a:ea typeface="+mn-ea"/>
+          <a:cs typeface="+mn-cs"/>
+        </a:defRPr>
+      </a:lvl6pPr>
+      <a:lvl7pPr marL="2743200" algn="l" defTabSz="914400" rtl="0" eaLnBrk="1" latinLnBrk="0" hangingPunct="1">
+        <a:defRPr sz="1800" kern="1200">
+          <a:solidFill>
+            <a:schemeClr val="tx1"/>
+          </a:solidFill>
+          <a:latin typeface="+mn-lt"/>
+          <a:ea typeface="+mn-ea"/>
+          <a:cs typeface="+mn-cs"/>
+        </a:defRPr>
+      </a:lvl7pPr>
+      <a:lvl8pPr marL="3200400" algn="l" defTabSz="914400" rtl="0" eaLnBrk="1" latinLnBrk="0" hangingPunct="1">
+        <a:defRPr sz="1800" kern="1200">
+          <a:solidFill>
+            <a:schemeClr val="tx1"/>
+          </a:solidFill>
+          <a:latin typeface="+mn-lt"/>
+          <a:ea typeface="+mn-ea"/>
+          <a:cs typeface="+mn-cs"/>
+        </a:defRPr>
+      </a:lvl8pPr>
+      <a:lvl9pPr marL="3657600" algn="l" defTabSz="914400" rtl="0" eaLnBrk="1" latinLnBrk="0" hangingPunct="1">
+        <a:defRPr sz="1800" kern="1200">
+          <a:solidFill>
+            <a:schemeClr val="tx1"/>
+          </a:solidFill>
+          <a:latin typeface="+mn-lt"/>
+          <a:ea typeface="+mn-ea"/>
+          <a:cs typeface="+mn-cs"/>
+        </a:defRPr>
+      </a:lvl9pPr>
+    </p:otherStyle>
+  </p:txStyles>
 </p:sldMaster>
 </file>
 
 <file path=ppt/slideMasters/slideMaster3.xml><?xml version="1.0" encoding="utf-8"?>
-<p:sldMaster xmlns:a="http://schemas.openxmlformats.org/drawingml/2006/main" xmlns:p="http://schemas.openxmlformats.org/presentationml/2006/main" xmlns:r="http://schemas.openxmlformats.org/officeDocument/2006/relationships" xmlns:p14="http://schemas.microsoft.com/office/powerpoint/2010/main" xmlns:p15="http://schemas.microsoft.com/office/powerpoint/2012/main" xmlns:mc="http://schemas.openxmlformats.org/markup-compatibility/2006">
+<p:sldMaster xmlns:a="http://schemas.openxmlformats.org/drawingml/2006/main" xmlns:r="http://schemas.openxmlformats.org/officeDocument/2006/relationships" xmlns:p="http://schemas.openxmlformats.org/presentationml/2006/main">
   <p:cSld>
     <p:bg>
       <p:bgPr>
         <a:blipFill rotWithShape="0">
-          <a:blip r:embed="rId2"/>
+          <a:blip r:embed="rId14"/>
           <a:stretch>
             <a:fillRect/>
           </a:stretch>
         </a:blipFill>
+        <a:effectLst/>
       </p:bgPr>
     </p:bg>
     <p:spTree>
@@ -4952,10 +5734,11 @@
           </a:prstGeom>
         </p:spPr>
         <p:txBody>
-          <a:bodyPr lIns="0" rIns="0" tIns="0" bIns="0" anchor="ctr"/>
-          <a:p>
-            <a:r>
-              <a:rPr b="0" lang="cs-CZ" sz="4400" spc="-1" strike="noStrike">
+          <a:bodyPr lIns="0" tIns="0" rIns="0" bIns="0" anchor="ctr"/>
+          <a:lstStyle/>
+          <a:p>
+            <a:r>
+              <a:rPr lang="cs-CZ" sz="4400" b="0" strike="noStrike" spc="-1">
                 <a:solidFill>
                   <a:srgbClr val="000000"/>
                 </a:solidFill>
@@ -4963,12 +5746,6 @@
               </a:rPr>
               <a:t>Klikněte pro úpravu formátu textu nadpisu</a:t>
             </a:r>
-            <a:endParaRPr b="0" lang="cs-CZ" sz="4400" spc="-1" strike="noStrike">
-              <a:solidFill>
-                <a:srgbClr val="000000"/>
-              </a:solidFill>
-              <a:latin typeface="Arial"/>
-            </a:endParaRPr>
           </a:p>
         </p:txBody>
       </p:sp>
@@ -4992,9 +5769,10 @@
           </a:prstGeom>
         </p:spPr>
         <p:txBody>
-          <a:bodyPr lIns="0" rIns="0" tIns="0" bIns="0">
+          <a:bodyPr lIns="0" tIns="0" rIns="0" bIns="0">
             <a:normAutofit/>
           </a:bodyPr>
+          <a:lstStyle/>
           <a:p>
             <a:pPr marL="432000" indent="-324000">
               <a:spcBef>
@@ -5008,7 +5786,7 @@
               <a:buChar char=""/>
             </a:pPr>
             <a:r>
-              <a:rPr b="0" lang="cs-CZ" sz="2800" spc="-1" strike="noStrike">
+              <a:rPr lang="cs-CZ" sz="2800" b="0" strike="noStrike" spc="-1">
                 <a:solidFill>
                   <a:srgbClr val="000000"/>
                 </a:solidFill>
@@ -5016,15 +5794,9 @@
               </a:rPr>
               <a:t>Klikněte pro úpravu formátu textu osnovy</a:t>
             </a:r>
-            <a:endParaRPr b="0" lang="cs-CZ" sz="2800" spc="-1" strike="noStrike">
-              <a:solidFill>
-                <a:srgbClr val="000000"/>
-              </a:solidFill>
-              <a:latin typeface="Arial"/>
-            </a:endParaRPr>
-          </a:p>
-          <a:p>
-            <a:pPr lvl="1" marL="864000" indent="-324000">
+          </a:p>
+          <a:p>
+            <a:pPr marL="864000" lvl="1" indent="-324000">
               <a:spcBef>
                 <a:spcPts val="1134"/>
               </a:spcBef>
@@ -5036,7 +5808,7 @@
               <a:buChar char=""/>
             </a:pPr>
             <a:r>
-              <a:rPr b="0" lang="cs-CZ" sz="2000" spc="-1" strike="noStrike">
+              <a:rPr lang="cs-CZ" sz="2000" b="0" strike="noStrike" spc="-1">
                 <a:solidFill>
                   <a:srgbClr val="000000"/>
                 </a:solidFill>
@@ -5044,15 +5816,9 @@
               </a:rPr>
               <a:t>Druhá úroveň</a:t>
             </a:r>
-            <a:endParaRPr b="0" lang="cs-CZ" sz="2000" spc="-1" strike="noStrike">
-              <a:solidFill>
-                <a:srgbClr val="000000"/>
-              </a:solidFill>
-              <a:latin typeface="Arial"/>
-            </a:endParaRPr>
-          </a:p>
-          <a:p>
-            <a:pPr lvl="2" marL="1296000" indent="-288000">
+          </a:p>
+          <a:p>
+            <a:pPr marL="1296000" lvl="2" indent="-288000">
               <a:spcBef>
                 <a:spcPts val="850"/>
               </a:spcBef>
@@ -5064,7 +5830,7 @@
               <a:buChar char=""/>
             </a:pPr>
             <a:r>
-              <a:rPr b="0" lang="cs-CZ" sz="1800" spc="-1" strike="noStrike">
+              <a:rPr lang="cs-CZ" sz="1800" b="0" strike="noStrike" spc="-1">
                 <a:solidFill>
                   <a:srgbClr val="000000"/>
                 </a:solidFill>
@@ -5072,15 +5838,9 @@
               </a:rPr>
               <a:t>Třetí úroveň</a:t>
             </a:r>
-            <a:endParaRPr b="0" lang="cs-CZ" sz="1800" spc="-1" strike="noStrike">
-              <a:solidFill>
-                <a:srgbClr val="000000"/>
-              </a:solidFill>
-              <a:latin typeface="Arial"/>
-            </a:endParaRPr>
-          </a:p>
-          <a:p>
-            <a:pPr lvl="3" marL="1728000" indent="-216000">
+          </a:p>
+          <a:p>
+            <a:pPr marL="1728000" lvl="3" indent="-216000">
               <a:spcBef>
                 <a:spcPts val="567"/>
               </a:spcBef>
@@ -5092,7 +5852,7 @@
               <a:buChar char=""/>
             </a:pPr>
             <a:r>
-              <a:rPr b="0" lang="cs-CZ" sz="1800" spc="-1" strike="noStrike">
+              <a:rPr lang="cs-CZ" sz="1800" b="0" strike="noStrike" spc="-1">
                 <a:solidFill>
                   <a:srgbClr val="000000"/>
                 </a:solidFill>
@@ -5100,15 +5860,9 @@
               </a:rPr>
               <a:t>Čtvrtá úroveň osnovy</a:t>
             </a:r>
-            <a:endParaRPr b="0" lang="cs-CZ" sz="1800" spc="-1" strike="noStrike">
-              <a:solidFill>
-                <a:srgbClr val="000000"/>
-              </a:solidFill>
-              <a:latin typeface="Arial"/>
-            </a:endParaRPr>
-          </a:p>
-          <a:p>
-            <a:pPr lvl="4" marL="2160000" indent="-216000">
+          </a:p>
+          <a:p>
+            <a:pPr marL="2160000" lvl="4" indent="-216000">
               <a:spcBef>
                 <a:spcPts val="283"/>
               </a:spcBef>
@@ -5120,7 +5874,7 @@
               <a:buChar char=""/>
             </a:pPr>
             <a:r>
-              <a:rPr b="0" lang="cs-CZ" sz="2000" spc="-1" strike="noStrike">
+              <a:rPr lang="cs-CZ" sz="2000" b="0" strike="noStrike" spc="-1">
                 <a:solidFill>
                   <a:srgbClr val="000000"/>
                 </a:solidFill>
@@ -5128,15 +5882,9 @@
               </a:rPr>
               <a:t>Pátá úroveň osnovy</a:t>
             </a:r>
-            <a:endParaRPr b="0" lang="cs-CZ" sz="2000" spc="-1" strike="noStrike">
-              <a:solidFill>
-                <a:srgbClr val="000000"/>
-              </a:solidFill>
-              <a:latin typeface="Arial"/>
-            </a:endParaRPr>
-          </a:p>
-          <a:p>
-            <a:pPr lvl="5" marL="2592000" indent="-216000">
+          </a:p>
+          <a:p>
+            <a:pPr marL="2592000" lvl="5" indent="-216000">
               <a:spcBef>
                 <a:spcPts val="283"/>
               </a:spcBef>
@@ -5148,7 +5896,7 @@
               <a:buChar char=""/>
             </a:pPr>
             <a:r>
-              <a:rPr b="0" lang="cs-CZ" sz="2000" spc="-1" strike="noStrike">
+              <a:rPr lang="cs-CZ" sz="2000" b="0" strike="noStrike" spc="-1">
                 <a:solidFill>
                   <a:srgbClr val="000000"/>
                 </a:solidFill>
@@ -5156,15 +5904,9 @@
               </a:rPr>
               <a:t>Šestá úroveň</a:t>
             </a:r>
-            <a:endParaRPr b="0" lang="cs-CZ" sz="2000" spc="-1" strike="noStrike">
-              <a:solidFill>
-                <a:srgbClr val="000000"/>
-              </a:solidFill>
-              <a:latin typeface="Arial"/>
-            </a:endParaRPr>
-          </a:p>
-          <a:p>
-            <a:pPr lvl="6" marL="3024000" indent="-216000">
+          </a:p>
+          <a:p>
+            <a:pPr marL="3024000" lvl="6" indent="-216000">
               <a:spcBef>
                 <a:spcPts val="283"/>
               </a:spcBef>
@@ -5176,7 +5918,7 @@
               <a:buChar char=""/>
             </a:pPr>
             <a:r>
-              <a:rPr b="0" lang="cs-CZ" sz="2000" spc="-1" strike="noStrike">
+              <a:rPr lang="cs-CZ" sz="2000" b="0" strike="noStrike" spc="-1">
                 <a:solidFill>
                   <a:srgbClr val="000000"/>
                 </a:solidFill>
@@ -5184,37 +5926,311 @@
               </a:rPr>
               <a:t>Sedmá úroveň</a:t>
             </a:r>
-            <a:endParaRPr b="0" lang="cs-CZ" sz="2000" spc="-1" strike="noStrike">
-              <a:solidFill>
-                <a:srgbClr val="000000"/>
-              </a:solidFill>
-              <a:latin typeface="Arial"/>
-            </a:endParaRPr>
           </a:p>
         </p:txBody>
       </p:sp>
     </p:spTree>
   </p:cSld>
-  <p:clrMap bg1="lt1" bg2="lt2" tx1="dk1" tx2="dk2" accent1="accent1" accent2="accent2" accent3="accent3" accent4="accent4" accent5="accent5" accent6="accent6" hlink="hlink" folHlink="folHlink"/>
+  <p:clrMap bg1="lt1" tx1="dk1" bg2="lt2" tx2="dk2" accent1="accent1" accent2="accent2" accent3="accent3" accent4="accent4" accent5="accent5" accent6="accent6" hlink="hlink" folHlink="folHlink"/>
   <p:sldLayoutIdLst>
-    <p:sldLayoutId id="2147483675" r:id="rId3"/>
-    <p:sldLayoutId id="2147483676" r:id="rId4"/>
-    <p:sldLayoutId id="2147483677" r:id="rId5"/>
-    <p:sldLayoutId id="2147483678" r:id="rId6"/>
-    <p:sldLayoutId id="2147483679" r:id="rId7"/>
-    <p:sldLayoutId id="2147483680" r:id="rId8"/>
-    <p:sldLayoutId id="2147483681" r:id="rId9"/>
-    <p:sldLayoutId id="2147483682" r:id="rId10"/>
-    <p:sldLayoutId id="2147483683" r:id="rId11"/>
-    <p:sldLayoutId id="2147483684" r:id="rId12"/>
-    <p:sldLayoutId id="2147483685" r:id="rId13"/>
-    <p:sldLayoutId id="2147483686" r:id="rId14"/>
+    <p:sldLayoutId id="2147483675" r:id="rId1"/>
+    <p:sldLayoutId id="2147483676" r:id="rId2"/>
+    <p:sldLayoutId id="2147483677" r:id="rId3"/>
+    <p:sldLayoutId id="2147483678" r:id="rId4"/>
+    <p:sldLayoutId id="2147483679" r:id="rId5"/>
+    <p:sldLayoutId id="2147483680" r:id="rId6"/>
+    <p:sldLayoutId id="2147483681" r:id="rId7"/>
+    <p:sldLayoutId id="2147483682" r:id="rId8"/>
+    <p:sldLayoutId id="2147483683" r:id="rId9"/>
+    <p:sldLayoutId id="2147483684" r:id="rId10"/>
+    <p:sldLayoutId id="2147483685" r:id="rId11"/>
+    <p:sldLayoutId id="2147483686" r:id="rId12"/>
   </p:sldLayoutIdLst>
+  <p:txStyles>
+    <p:titleStyle>
+      <a:lvl1pPr algn="l" defTabSz="914400" rtl="0" eaLnBrk="1" latinLnBrk="0" hangingPunct="1">
+        <a:lnSpc>
+          <a:spcPct val="90000"/>
+        </a:lnSpc>
+        <a:spcBef>
+          <a:spcPct val="0"/>
+        </a:spcBef>
+        <a:buNone/>
+        <a:defRPr sz="4400" kern="1200">
+          <a:solidFill>
+            <a:schemeClr val="tx1"/>
+          </a:solidFill>
+          <a:latin typeface="+mj-lt"/>
+          <a:ea typeface="+mj-ea"/>
+          <a:cs typeface="+mj-cs"/>
+        </a:defRPr>
+      </a:lvl1pPr>
+    </p:titleStyle>
+    <p:bodyStyle>
+      <a:lvl1pPr marL="228600" indent="-228600" algn="l" defTabSz="914400" rtl="0" eaLnBrk="1" latinLnBrk="0" hangingPunct="1">
+        <a:lnSpc>
+          <a:spcPct val="90000"/>
+        </a:lnSpc>
+        <a:spcBef>
+          <a:spcPts val="1000"/>
+        </a:spcBef>
+        <a:buFont typeface="Arial" panose="020B0604020202020204" pitchFamily="34" charset="0"/>
+        <a:buChar char="•"/>
+        <a:defRPr sz="2800" kern="1200">
+          <a:solidFill>
+            <a:schemeClr val="tx1"/>
+          </a:solidFill>
+          <a:latin typeface="+mn-lt"/>
+          <a:ea typeface="+mn-ea"/>
+          <a:cs typeface="+mn-cs"/>
+        </a:defRPr>
+      </a:lvl1pPr>
+      <a:lvl2pPr marL="685800" indent="-228600" algn="l" defTabSz="914400" rtl="0" eaLnBrk="1" latinLnBrk="0" hangingPunct="1">
+        <a:lnSpc>
+          <a:spcPct val="90000"/>
+        </a:lnSpc>
+        <a:spcBef>
+          <a:spcPts val="500"/>
+        </a:spcBef>
+        <a:buFont typeface="Arial" panose="020B0604020202020204" pitchFamily="34" charset="0"/>
+        <a:buChar char="•"/>
+        <a:defRPr sz="2400" kern="1200">
+          <a:solidFill>
+            <a:schemeClr val="tx1"/>
+          </a:solidFill>
+          <a:latin typeface="+mn-lt"/>
+          <a:ea typeface="+mn-ea"/>
+          <a:cs typeface="+mn-cs"/>
+        </a:defRPr>
+      </a:lvl2pPr>
+      <a:lvl3pPr marL="1143000" indent="-228600" algn="l" defTabSz="914400" rtl="0" eaLnBrk="1" latinLnBrk="0" hangingPunct="1">
+        <a:lnSpc>
+          <a:spcPct val="90000"/>
+        </a:lnSpc>
+        <a:spcBef>
+          <a:spcPts val="500"/>
+        </a:spcBef>
+        <a:buFont typeface="Arial" panose="020B0604020202020204" pitchFamily="34" charset="0"/>
+        <a:buChar char="•"/>
+        <a:defRPr sz="2000" kern="1200">
+          <a:solidFill>
+            <a:schemeClr val="tx1"/>
+          </a:solidFill>
+          <a:latin typeface="+mn-lt"/>
+          <a:ea typeface="+mn-ea"/>
+          <a:cs typeface="+mn-cs"/>
+        </a:defRPr>
+      </a:lvl3pPr>
+      <a:lvl4pPr marL="1600200" indent="-228600" algn="l" defTabSz="914400" rtl="0" eaLnBrk="1" latinLnBrk="0" hangingPunct="1">
+        <a:lnSpc>
+          <a:spcPct val="90000"/>
+        </a:lnSpc>
+        <a:spcBef>
+          <a:spcPts val="500"/>
+        </a:spcBef>
+        <a:buFont typeface="Arial" panose="020B0604020202020204" pitchFamily="34" charset="0"/>
+        <a:buChar char="•"/>
+        <a:defRPr sz="1800" kern="1200">
+          <a:solidFill>
+            <a:schemeClr val="tx1"/>
+          </a:solidFill>
+          <a:latin typeface="+mn-lt"/>
+          <a:ea typeface="+mn-ea"/>
+          <a:cs typeface="+mn-cs"/>
+        </a:defRPr>
+      </a:lvl4pPr>
+      <a:lvl5pPr marL="2057400" indent="-228600" algn="l" defTabSz="914400" rtl="0" eaLnBrk="1" latinLnBrk="0" hangingPunct="1">
+        <a:lnSpc>
+          <a:spcPct val="90000"/>
+        </a:lnSpc>
+        <a:spcBef>
+          <a:spcPts val="500"/>
+        </a:spcBef>
+        <a:buFont typeface="Arial" panose="020B0604020202020204" pitchFamily="34" charset="0"/>
+        <a:buChar char="•"/>
+        <a:defRPr sz="1800" kern="1200">
+          <a:solidFill>
+            <a:schemeClr val="tx1"/>
+          </a:solidFill>
+          <a:latin typeface="+mn-lt"/>
+          <a:ea typeface="+mn-ea"/>
+          <a:cs typeface="+mn-cs"/>
+        </a:defRPr>
+      </a:lvl5pPr>
+      <a:lvl6pPr marL="2514600" indent="-228600" algn="l" defTabSz="914400" rtl="0" eaLnBrk="1" latinLnBrk="0" hangingPunct="1">
+        <a:lnSpc>
+          <a:spcPct val="90000"/>
+        </a:lnSpc>
+        <a:spcBef>
+          <a:spcPts val="500"/>
+        </a:spcBef>
+        <a:buFont typeface="Arial" panose="020B0604020202020204" pitchFamily="34" charset="0"/>
+        <a:buChar char="•"/>
+        <a:defRPr sz="1800" kern="1200">
+          <a:solidFill>
+            <a:schemeClr val="tx1"/>
+          </a:solidFill>
+          <a:latin typeface="+mn-lt"/>
+          <a:ea typeface="+mn-ea"/>
+          <a:cs typeface="+mn-cs"/>
+        </a:defRPr>
+      </a:lvl6pPr>
+      <a:lvl7pPr marL="2971800" indent="-228600" algn="l" defTabSz="914400" rtl="0" eaLnBrk="1" latinLnBrk="0" hangingPunct="1">
+        <a:lnSpc>
+          <a:spcPct val="90000"/>
+        </a:lnSpc>
+        <a:spcBef>
+          <a:spcPts val="500"/>
+        </a:spcBef>
+        <a:buFont typeface="Arial" panose="020B0604020202020204" pitchFamily="34" charset="0"/>
+        <a:buChar char="•"/>
+        <a:defRPr sz="1800" kern="1200">
+          <a:solidFill>
+            <a:schemeClr val="tx1"/>
+          </a:solidFill>
+          <a:latin typeface="+mn-lt"/>
+          <a:ea typeface="+mn-ea"/>
+          <a:cs typeface="+mn-cs"/>
+        </a:defRPr>
+      </a:lvl7pPr>
+      <a:lvl8pPr marL="3429000" indent="-228600" algn="l" defTabSz="914400" rtl="0" eaLnBrk="1" latinLnBrk="0" hangingPunct="1">
+        <a:lnSpc>
+          <a:spcPct val="90000"/>
+        </a:lnSpc>
+        <a:spcBef>
+          <a:spcPts val="500"/>
+        </a:spcBef>
+        <a:buFont typeface="Arial" panose="020B0604020202020204" pitchFamily="34" charset="0"/>
+        <a:buChar char="•"/>
+        <a:defRPr sz="1800" kern="1200">
+          <a:solidFill>
+            <a:schemeClr val="tx1"/>
+          </a:solidFill>
+          <a:latin typeface="+mn-lt"/>
+          <a:ea typeface="+mn-ea"/>
+          <a:cs typeface="+mn-cs"/>
+        </a:defRPr>
+      </a:lvl8pPr>
+      <a:lvl9pPr marL="3886200" indent="-228600" algn="l" defTabSz="914400" rtl="0" eaLnBrk="1" latinLnBrk="0" hangingPunct="1">
+        <a:lnSpc>
+          <a:spcPct val="90000"/>
+        </a:lnSpc>
+        <a:spcBef>
+          <a:spcPts val="500"/>
+        </a:spcBef>
+        <a:buFont typeface="Arial" panose="020B0604020202020204" pitchFamily="34" charset="0"/>
+        <a:buChar char="•"/>
+        <a:defRPr sz="1800" kern="1200">
+          <a:solidFill>
+            <a:schemeClr val="tx1"/>
+          </a:solidFill>
+          <a:latin typeface="+mn-lt"/>
+          <a:ea typeface="+mn-ea"/>
+          <a:cs typeface="+mn-cs"/>
+        </a:defRPr>
+      </a:lvl9pPr>
+    </p:bodyStyle>
+    <p:otherStyle>
+      <a:defPPr>
+        <a:defRPr lang="cs-CZ"/>
+      </a:defPPr>
+      <a:lvl1pPr marL="0" algn="l" defTabSz="914400" rtl="0" eaLnBrk="1" latinLnBrk="0" hangingPunct="1">
+        <a:defRPr sz="1800" kern="1200">
+          <a:solidFill>
+            <a:schemeClr val="tx1"/>
+          </a:solidFill>
+          <a:latin typeface="+mn-lt"/>
+          <a:ea typeface="+mn-ea"/>
+          <a:cs typeface="+mn-cs"/>
+        </a:defRPr>
+      </a:lvl1pPr>
+      <a:lvl2pPr marL="457200" algn="l" defTabSz="914400" rtl="0" eaLnBrk="1" latinLnBrk="0" hangingPunct="1">
+        <a:defRPr sz="1800" kern="1200">
+          <a:solidFill>
+            <a:schemeClr val="tx1"/>
+          </a:solidFill>
+          <a:latin typeface="+mn-lt"/>
+          <a:ea typeface="+mn-ea"/>
+          <a:cs typeface="+mn-cs"/>
+        </a:defRPr>
+      </a:lvl2pPr>
+      <a:lvl3pPr marL="914400" algn="l" defTabSz="914400" rtl="0" eaLnBrk="1" latinLnBrk="0" hangingPunct="1">
+        <a:defRPr sz="1800" kern="1200">
+          <a:solidFill>
+            <a:schemeClr val="tx1"/>
+          </a:solidFill>
+          <a:latin typeface="+mn-lt"/>
+          <a:ea typeface="+mn-ea"/>
+          <a:cs typeface="+mn-cs"/>
+        </a:defRPr>
+      </a:lvl3pPr>
+      <a:lvl4pPr marL="1371600" algn="l" defTabSz="914400" rtl="0" eaLnBrk="1" latinLnBrk="0" hangingPunct="1">
+        <a:defRPr sz="1800" kern="1200">
+          <a:solidFill>
+            <a:schemeClr val="tx1"/>
+          </a:solidFill>
+          <a:latin typeface="+mn-lt"/>
+          <a:ea typeface="+mn-ea"/>
+          <a:cs typeface="+mn-cs"/>
+        </a:defRPr>
+      </a:lvl4pPr>
+      <a:lvl5pPr marL="1828800" algn="l" defTabSz="914400" rtl="0" eaLnBrk="1" latinLnBrk="0" hangingPunct="1">
+        <a:defRPr sz="1800" kern="1200">
+          <a:solidFill>
+            <a:schemeClr val="tx1"/>
+          </a:solidFill>
+          <a:latin typeface="+mn-lt"/>
+          <a:ea typeface="+mn-ea"/>
+          <a:cs typeface="+mn-cs"/>
+        </a:defRPr>
+      </a:lvl5pPr>
+      <a:lvl6pPr marL="2286000" algn="l" defTabSz="914400" rtl="0" eaLnBrk="1" latinLnBrk="0" hangingPunct="1">
+        <a:defRPr sz="1800" kern="1200">
+          <a:solidFill>
+            <a:schemeClr val="tx1"/>
+          </a:solidFill>
+          <a:latin typeface="+mn-lt"/>
+          <a:ea typeface="+mn-ea"/>
+          <a:cs typeface="+mn-cs"/>
+        </a:defRPr>
+      </a:lvl6pPr>
+      <a:lvl7pPr marL="2743200" algn="l" defTabSz="914400" rtl="0" eaLnBrk="1" latinLnBrk="0" hangingPunct="1">
+        <a:defRPr sz="1800" kern="1200">
+          <a:solidFill>
+            <a:schemeClr val="tx1"/>
+          </a:solidFill>
+          <a:latin typeface="+mn-lt"/>
+          <a:ea typeface="+mn-ea"/>
+          <a:cs typeface="+mn-cs"/>
+        </a:defRPr>
+      </a:lvl7pPr>
+      <a:lvl8pPr marL="3200400" algn="l" defTabSz="914400" rtl="0" eaLnBrk="1" latinLnBrk="0" hangingPunct="1">
+        <a:defRPr sz="1800" kern="1200">
+          <a:solidFill>
+            <a:schemeClr val="tx1"/>
+          </a:solidFill>
+          <a:latin typeface="+mn-lt"/>
+          <a:ea typeface="+mn-ea"/>
+          <a:cs typeface="+mn-cs"/>
+        </a:defRPr>
+      </a:lvl8pPr>
+      <a:lvl9pPr marL="3657600" algn="l" defTabSz="914400" rtl="0" eaLnBrk="1" latinLnBrk="0" hangingPunct="1">
+        <a:defRPr sz="1800" kern="1200">
+          <a:solidFill>
+            <a:schemeClr val="tx1"/>
+          </a:solidFill>
+          <a:latin typeface="+mn-lt"/>
+          <a:ea typeface="+mn-ea"/>
+          <a:cs typeface="+mn-cs"/>
+        </a:defRPr>
+      </a:lvl9pPr>
+    </p:otherStyle>
+  </p:txStyles>
 </p:sldMaster>
 </file>
 
 <file path=ppt/slides/slide1.xml><?xml version="1.0" encoding="utf-8"?>
-<p:sld xmlns:a="http://schemas.openxmlformats.org/drawingml/2006/main" xmlns:p="http://schemas.openxmlformats.org/presentationml/2006/main" xmlns:r="http://schemas.openxmlformats.org/officeDocument/2006/relationships" xmlns:p14="http://schemas.microsoft.com/office/powerpoint/2010/main" xmlns:p15="http://schemas.microsoft.com/office/powerpoint/2012/main" xmlns:mc="http://schemas.openxmlformats.org/markup-compatibility/2006">
+<p:sld xmlns:a="http://schemas.openxmlformats.org/drawingml/2006/main" xmlns:r="http://schemas.openxmlformats.org/officeDocument/2006/relationships" xmlns:p="http://schemas.openxmlformats.org/presentationml/2006/main">
   <p:cSld>
     <p:spTree>
       <p:nvGrpSpPr>
@@ -5250,15 +6266,22 @@
           </a:ln>
         </p:spPr>
         <p:style>
-          <a:lnRef idx="0"/>
-          <a:fillRef idx="0"/>
-          <a:effectRef idx="0"/>
+          <a:lnRef idx="0">
+            <a:scrgbClr r="0" g="0" b="0"/>
+          </a:lnRef>
+          <a:fillRef idx="0">
+            <a:scrgbClr r="0" g="0" b="0"/>
+          </a:fillRef>
+          <a:effectRef idx="0">
+            <a:scrgbClr r="0" g="0" b="0"/>
+          </a:effectRef>
           <a:fontRef idx="minor"/>
         </p:style>
         <p:txBody>
-          <a:bodyPr lIns="0" rIns="0" tIns="0" bIns="0" anchor="ctr">
+          <a:bodyPr lIns="0" tIns="0" rIns="0" bIns="0" anchor="ctr">
             <a:normAutofit/>
           </a:bodyPr>
+          <a:lstStyle/>
           <a:p>
             <a:pPr algn="ctr">
               <a:lnSpc>
@@ -5266,16 +6289,16 @@
               </a:lnSpc>
             </a:pPr>
             <a:r>
-              <a:rPr b="0" lang="cs-CZ" sz="4400" spc="-1" strike="noStrike">
-                <a:solidFill>
-                  <a:srgbClr val="ffffff"/>
+              <a:rPr lang="cs-CZ" sz="4400" b="0" strike="noStrike" spc="-1">
+                <a:solidFill>
+                  <a:srgbClr val="FFFFFF"/>
                 </a:solidFill>
                 <a:latin typeface="Ubuntu"/>
                 <a:ea typeface="DejaVu Sans"/>
               </a:rPr>
               <a:t>6-2 Periferie – Magická lampa</a:t>
             </a:r>
-            <a:endParaRPr b="0" lang="cs-CZ" sz="4400" spc="-1" strike="noStrike">
+            <a:endParaRPr lang="cs-CZ" sz="4400" b="0" strike="noStrike" spc="-1">
               <a:latin typeface="Arial"/>
             </a:endParaRPr>
           </a:p>
@@ -5301,13 +6324,20 @@
           </a:ln>
         </p:spPr>
         <p:style>
-          <a:lnRef idx="0"/>
-          <a:fillRef idx="0"/>
-          <a:effectRef idx="0"/>
+          <a:lnRef idx="0">
+            <a:scrgbClr r="0" g="0" b="0"/>
+          </a:lnRef>
+          <a:fillRef idx="0">
+            <a:scrgbClr r="0" g="0" b="0"/>
+          </a:fillRef>
+          <a:effectRef idx="0">
+            <a:scrgbClr r="0" g="0" b="0"/>
+          </a:effectRef>
           <a:fontRef idx="minor"/>
         </p:style>
         <p:txBody>
-          <a:bodyPr lIns="90000" rIns="90000" tIns="45000" bIns="45000"/>
+          <a:bodyPr lIns="90000" tIns="45000" rIns="90000" bIns="45000"/>
+          <a:lstStyle/>
           <a:p>
             <a:pPr>
               <a:lnSpc>
@@ -5315,7 +6345,7 @@
               </a:lnSpc>
             </a:pPr>
             <a:r>
-              <a:rPr b="0" lang="cs-CZ" sz="6000" spc="-1" strike="noStrike">
+              <a:rPr lang="cs-CZ" sz="6000" b="0" strike="noStrike" spc="-1">
                 <a:solidFill>
                   <a:srgbClr val="000000"/>
                 </a:solidFill>
@@ -5324,7 +6354,7 @@
               </a:rPr>
               <a:t>PRIM – Micro:bit</a:t>
             </a:r>
-            <a:endParaRPr b="0" lang="cs-CZ" sz="6000" spc="-1" strike="noStrike">
+            <a:endParaRPr lang="cs-CZ" sz="6000" b="0" strike="noStrike" spc="-1">
               <a:latin typeface="Arial"/>
             </a:endParaRPr>
           </a:p>
@@ -5332,6 +6362,9 @@
       </p:sp>
     </p:spTree>
   </p:cSld>
+  <p:clrMapOvr>
+    <a:masterClrMapping/>
+  </p:clrMapOvr>
   <p:timing>
     <p:tnLst>
       <p:par>
@@ -5340,14 +6373,14 @@
             <p:seq>
               <p:cTn id="2" dur="indefinite" nodeType="mainSeq"/>
               <p:prevCondLst>
-                <p:cond delay="0" evt="onPrev">
+                <p:cond evt="onPrev" delay="0">
                   <p:tgtEl>
                     <p:sldTgt/>
                   </p:tgtEl>
                 </p:cond>
               </p:prevCondLst>
               <p:nextCondLst>
-                <p:cond delay="0" evt="onNext">
+                <p:cond evt="onNext" delay="0">
                   <p:tgtEl>
                     <p:sldTgt/>
                   </p:tgtEl>
@@ -5363,7 +6396,7 @@
 </file>
 
 <file path=ppt/slides/slide2.xml><?xml version="1.0" encoding="utf-8"?>
-<p:sld xmlns:a="http://schemas.openxmlformats.org/drawingml/2006/main" xmlns:p="http://schemas.openxmlformats.org/presentationml/2006/main" xmlns:r="http://schemas.openxmlformats.org/officeDocument/2006/relationships" xmlns:p14="http://schemas.microsoft.com/office/powerpoint/2010/main" xmlns:p15="http://schemas.microsoft.com/office/powerpoint/2012/main" xmlns:mc="http://schemas.openxmlformats.org/markup-compatibility/2006">
+<p:sld xmlns:a="http://schemas.openxmlformats.org/drawingml/2006/main" xmlns:r="http://schemas.openxmlformats.org/officeDocument/2006/relationships" xmlns:p="http://schemas.openxmlformats.org/presentationml/2006/main">
   <p:cSld>
     <p:spTree>
       <p:nvGrpSpPr>
@@ -5387,7 +6420,7 @@
         </p:nvSpPr>
         <p:spPr>
           <a:xfrm>
-            <a:off x="936000" y="106560"/>
+            <a:off x="925609" y="0"/>
             <a:ext cx="9071640" cy="1261440"/>
           </a:xfrm>
           <a:prstGeom prst="rect">
@@ -5399,15 +6432,16 @@
           </a:ln>
         </p:spPr>
         <p:txBody>
-          <a:bodyPr lIns="0" rIns="0" tIns="0" bIns="0" anchor="ctr"/>
-          <a:p>
-            <a:pPr>
+          <a:bodyPr lIns="0" tIns="0" rIns="0" bIns="0" anchor="ctr"/>
+          <a:lstStyle/>
+          <a:p>
+            <a:pPr algn="ctr">
               <a:lnSpc>
                 <a:spcPct val="90000"/>
               </a:lnSpc>
             </a:pPr>
             <a:r>
-              <a:rPr b="0" lang="cs-CZ" sz="4400" spc="-1" strike="noStrike">
+              <a:rPr lang="cs-CZ" sz="4400" b="0" strike="noStrike" spc="-1" dirty="0">
                 <a:solidFill>
                   <a:srgbClr val="000000"/>
                 </a:solidFill>
@@ -5416,7 +6450,7 @@
               </a:rPr>
               <a:t>Zapojení</a:t>
             </a:r>
-            <a:endParaRPr b="0" lang="cs-CZ" sz="4400" spc="-1" strike="noStrike">
+            <a:endParaRPr lang="cs-CZ" sz="4400" b="0" strike="noStrike" spc="-1" dirty="0">
               <a:solidFill>
                 <a:srgbClr val="000000"/>
               </a:solidFill>
@@ -5427,12 +6461,12 @@
       </p:sp>
       <p:pic>
         <p:nvPicPr>
-          <p:cNvPr id="117" name="Obrázek 3" descr=""/>
+          <p:cNvPr id="117" name="Obrázek 3"/>
           <p:cNvPicPr/>
           <p:nvPr/>
         </p:nvPicPr>
         <p:blipFill>
-          <a:blip r:embed="rId1"/>
+          <a:blip r:embed="rId2"/>
           <a:stretch/>
         </p:blipFill>
         <p:spPr>
@@ -5450,22 +6484,25 @@
       </p:pic>
     </p:spTree>
   </p:cSld>
+  <p:clrMapOvr>
+    <a:masterClrMapping/>
+  </p:clrMapOvr>
   <p:timing>
     <p:tnLst>
       <p:par>
-        <p:cTn id="3" dur="indefinite" restart="never" nodeType="tmRoot">
+        <p:cTn id="1" dur="indefinite" restart="never" nodeType="tmRoot">
           <p:childTnLst>
             <p:seq>
-              <p:cTn id="4" dur="indefinite" nodeType="mainSeq"/>
+              <p:cTn id="2" dur="indefinite" nodeType="mainSeq"/>
               <p:prevCondLst>
-                <p:cond delay="0" evt="onPrev">
+                <p:cond evt="onPrev" delay="0">
                   <p:tgtEl>
                     <p:sldTgt/>
                   </p:tgtEl>
                 </p:cond>
               </p:prevCondLst>
               <p:nextCondLst>
-                <p:cond delay="0" evt="onNext">
+                <p:cond evt="onNext" delay="0">
                   <p:tgtEl>
                     <p:sldTgt/>
                   </p:tgtEl>
@@ -5481,7 +6518,7 @@
 </file>
 
 <file path=ppt/slides/slide3.xml><?xml version="1.0" encoding="utf-8"?>
-<p:sld xmlns:a="http://schemas.openxmlformats.org/drawingml/2006/main" xmlns:p="http://schemas.openxmlformats.org/presentationml/2006/main" xmlns:r="http://schemas.openxmlformats.org/officeDocument/2006/relationships" xmlns:p14="http://schemas.microsoft.com/office/powerpoint/2010/main" xmlns:p15="http://schemas.microsoft.com/office/powerpoint/2012/main" xmlns:mc="http://schemas.openxmlformats.org/markup-compatibility/2006">
+<p:sld xmlns:a="http://schemas.openxmlformats.org/drawingml/2006/main" xmlns:r="http://schemas.openxmlformats.org/officeDocument/2006/relationships" xmlns:p="http://schemas.openxmlformats.org/presentationml/2006/main">
   <p:cSld>
     <p:spTree>
       <p:nvGrpSpPr>
@@ -5505,7 +6542,7 @@
         </p:nvSpPr>
         <p:spPr>
           <a:xfrm>
-            <a:off x="504000" y="145080"/>
+            <a:off x="504000" y="-83520"/>
             <a:ext cx="9071640" cy="1261440"/>
           </a:xfrm>
           <a:prstGeom prst="rect">
@@ -5517,15 +6554,16 @@
           </a:ln>
         </p:spPr>
         <p:txBody>
-          <a:bodyPr lIns="0" rIns="0" tIns="0" bIns="0" anchor="ctr"/>
-          <a:p>
-            <a:pPr>
+          <a:bodyPr lIns="0" tIns="0" rIns="0" bIns="0" anchor="ctr"/>
+          <a:lstStyle/>
+          <a:p>
+            <a:pPr algn="ctr">
               <a:lnSpc>
                 <a:spcPct val="90000"/>
               </a:lnSpc>
             </a:pPr>
             <a:r>
-              <a:rPr b="0" lang="cs-CZ" sz="4400" spc="-1" strike="noStrike">
+              <a:rPr lang="cs-CZ" sz="4400" b="0" strike="noStrike" spc="-1" dirty="0">
                 <a:solidFill>
                   <a:srgbClr val="000000"/>
                 </a:solidFill>
@@ -5534,7 +6572,7 @@
               </a:rPr>
               <a:t>Poznámky</a:t>
             </a:r>
-            <a:endParaRPr b="0" lang="cs-CZ" sz="4400" spc="-1" strike="noStrike">
+            <a:endParaRPr lang="cs-CZ" sz="4400" b="0" strike="noStrike" spc="-1" dirty="0">
               <a:solidFill>
                 <a:srgbClr val="000000"/>
               </a:solidFill>
@@ -5563,7 +6601,8 @@
           </a:ln>
         </p:spPr>
         <p:txBody>
-          <a:bodyPr lIns="0" rIns="0" tIns="0" bIns="0"/>
+          <a:bodyPr lIns="0" tIns="0" rIns="0" bIns="0"/>
+          <a:lstStyle/>
           <a:p>
             <a:pPr marL="228600" indent="-228240">
               <a:lnSpc>
@@ -5578,7 +6617,7 @@
               <a:buFont typeface="Arial"/>
               <a:buChar char="•"/>
             </a:pPr>
-            <a:endParaRPr b="0" lang="cs-CZ" sz="3200" spc="-1" strike="noStrike">
+            <a:endParaRPr lang="cs-CZ" sz="3200" b="0" strike="noStrike" spc="-1" dirty="0">
               <a:latin typeface="Arial"/>
             </a:endParaRPr>
           </a:p>
@@ -5597,7 +6636,7 @@
               <a:buChar char="•"/>
             </a:pPr>
             <a:r>
-              <a:rPr b="0" lang="cs-CZ" sz="2800" spc="-1" strike="noStrike">
+              <a:rPr lang="cs-CZ" sz="2800" b="0" strike="noStrike" spc="-1" dirty="0">
                 <a:solidFill>
                   <a:srgbClr val="000000"/>
                 </a:solidFill>
@@ -5606,12 +6645,12 @@
               </a:rPr>
               <a:t>Následující program – magická lampa</a:t>
             </a:r>
-            <a:endParaRPr b="0" lang="cs-CZ" sz="2800" spc="-1" strike="noStrike">
-              <a:latin typeface="Arial"/>
-            </a:endParaRPr>
-          </a:p>
-          <a:p>
-            <a:pPr lvl="1" marL="685800" indent="-228240">
+            <a:endParaRPr lang="cs-CZ" sz="2800" b="0" strike="noStrike" spc="-1" dirty="0">
+              <a:latin typeface="Arial"/>
+            </a:endParaRPr>
+          </a:p>
+          <a:p>
+            <a:pPr marL="685800" lvl="1" indent="-228240">
               <a:lnSpc>
                 <a:spcPct val="90000"/>
               </a:lnSpc>
@@ -5625,7 +6664,7 @@
               <a:buChar char="•"/>
             </a:pPr>
             <a:r>
-              <a:rPr b="0" lang="cs-CZ" sz="2400" spc="-1" strike="noStrike">
+              <a:rPr lang="cs-CZ" sz="2400" b="0" strike="noStrike" spc="-1" dirty="0">
                 <a:solidFill>
                   <a:srgbClr val="000000"/>
                 </a:solidFill>
@@ -5634,12 +6673,12 @@
               </a:rPr>
               <a:t>Použit analogový výstup.</a:t>
             </a:r>
-            <a:endParaRPr b="0" lang="cs-CZ" sz="2400" spc="-1" strike="noStrike">
-              <a:latin typeface="Arial"/>
-            </a:endParaRPr>
-          </a:p>
-          <a:p>
-            <a:pPr lvl="1" marL="685800" indent="-228240">
+            <a:endParaRPr lang="cs-CZ" sz="2400" b="0" strike="noStrike" spc="-1" dirty="0">
+              <a:latin typeface="Arial"/>
+            </a:endParaRPr>
+          </a:p>
+          <a:p>
+            <a:pPr marL="685800" lvl="1" indent="-228240">
               <a:lnSpc>
                 <a:spcPct val="90000"/>
               </a:lnSpc>
@@ -5653,21 +6692,21 @@
               <a:buChar char="•"/>
             </a:pPr>
             <a:r>
-              <a:rPr b="0" lang="cs-CZ" sz="2400" spc="-1" strike="noStrike">
+              <a:rPr lang="cs-CZ" sz="2400" b="0" strike="noStrike" spc="-1" dirty="0">
                 <a:solidFill>
                   <a:srgbClr val="000000"/>
                 </a:solidFill>
                 <a:latin typeface="Arial"/>
                 <a:ea typeface="DejaVu Sans"/>
               </a:rPr>
-              <a:t>Barvy se náhodně postupně rozsvěcí a současně se zhasíná předchozí.</a:t>
-            </a:r>
-            <a:endParaRPr b="0" lang="cs-CZ" sz="2400" spc="-1" strike="noStrike">
-              <a:latin typeface="Arial"/>
-            </a:endParaRPr>
-          </a:p>
-          <a:p>
-            <a:pPr lvl="1" marL="685800" indent="-228240">
+              <a:t>Barvy se náhodně postupně rozsvěcí a současně zhasíná předchozí barva.</a:t>
+            </a:r>
+            <a:endParaRPr lang="cs-CZ" sz="2400" b="0" strike="noStrike" spc="-1" dirty="0">
+              <a:latin typeface="Arial"/>
+            </a:endParaRPr>
+          </a:p>
+          <a:p>
+            <a:pPr marL="685800" lvl="1" indent="-228240">
               <a:lnSpc>
                 <a:spcPct val="90000"/>
               </a:lnSpc>
@@ -5681,7 +6720,7 @@
               <a:buChar char="•"/>
             </a:pPr>
             <a:r>
-              <a:rPr b="0" lang="cs-CZ" sz="2400" spc="-1" strike="noStrike">
+              <a:rPr lang="cs-CZ" sz="2400" b="0" strike="noStrike" spc="-1" dirty="0">
                 <a:solidFill>
                   <a:srgbClr val="000000"/>
                 </a:solidFill>
@@ -5690,7 +6729,7 @@
               </a:rPr>
               <a:t>Ošetřeno aby se barvy neopakovaly.</a:t>
             </a:r>
-            <a:endParaRPr b="0" lang="cs-CZ" sz="2400" spc="-1" strike="noStrike">
+            <a:endParaRPr lang="cs-CZ" sz="2400" b="0" strike="noStrike" spc="-1" dirty="0">
               <a:latin typeface="Arial"/>
             </a:endParaRPr>
           </a:p>
@@ -5698,22 +6737,25 @@
       </p:sp>
     </p:spTree>
   </p:cSld>
+  <p:clrMapOvr>
+    <a:masterClrMapping/>
+  </p:clrMapOvr>
   <p:timing>
     <p:tnLst>
       <p:par>
-        <p:cTn id="5" dur="indefinite" restart="never" nodeType="tmRoot">
+        <p:cTn id="1" dur="indefinite" restart="never" nodeType="tmRoot">
           <p:childTnLst>
             <p:seq>
-              <p:cTn id="6" dur="indefinite" nodeType="mainSeq"/>
+              <p:cTn id="2" dur="indefinite" nodeType="mainSeq"/>
               <p:prevCondLst>
-                <p:cond delay="0" evt="onPrev">
+                <p:cond evt="onPrev" delay="0">
                   <p:tgtEl>
                     <p:sldTgt/>
                   </p:tgtEl>
                 </p:cond>
               </p:prevCondLst>
               <p:nextCondLst>
-                <p:cond delay="0" evt="onNext">
+                <p:cond evt="onNext" delay="0">
                   <p:tgtEl>
                     <p:sldTgt/>
                   </p:tgtEl>
@@ -5729,7 +6771,7 @@
 </file>
 
 <file path=ppt/slides/slide4.xml><?xml version="1.0" encoding="utf-8"?>
-<p:sld xmlns:a="http://schemas.openxmlformats.org/drawingml/2006/main" xmlns:p="http://schemas.openxmlformats.org/presentationml/2006/main" xmlns:r="http://schemas.openxmlformats.org/officeDocument/2006/relationships" xmlns:p14="http://schemas.microsoft.com/office/powerpoint/2010/main" xmlns:p15="http://schemas.microsoft.com/office/powerpoint/2012/main" xmlns:mc="http://schemas.openxmlformats.org/markup-compatibility/2006">
+<p:sld xmlns:a="http://schemas.openxmlformats.org/drawingml/2006/main" xmlns:r="http://schemas.openxmlformats.org/officeDocument/2006/relationships" xmlns:p="http://schemas.openxmlformats.org/presentationml/2006/main">
   <p:cSld>
     <p:spTree>
       <p:nvGrpSpPr>
@@ -5765,15 +6807,16 @@
           </a:ln>
         </p:spPr>
         <p:txBody>
-          <a:bodyPr lIns="0" rIns="0" tIns="0" bIns="0" anchor="ctr"/>
-          <a:p>
-            <a:pPr>
+          <a:bodyPr lIns="0" tIns="0" rIns="0" bIns="0" anchor="ctr"/>
+          <a:lstStyle/>
+          <a:p>
+            <a:pPr algn="ctr">
               <a:lnSpc>
                 <a:spcPct val="90000"/>
               </a:lnSpc>
             </a:pPr>
             <a:r>
-              <a:rPr b="0" lang="cs-CZ" sz="4400" spc="-1" strike="noStrike">
+              <a:rPr lang="cs-CZ" sz="4400" b="0" strike="noStrike" spc="-1">
                 <a:solidFill>
                   <a:srgbClr val="000000"/>
                 </a:solidFill>
@@ -5783,7 +6826,7 @@
               <a:t>Program </a:t>
             </a:r>
             <a:r>
-              <a:rPr b="0" i="1" lang="cs-CZ" sz="4400" spc="-1" strike="noStrike">
+              <a:rPr lang="cs-CZ" sz="4400" b="0" i="1" strike="noStrike" spc="-1">
                 <a:solidFill>
                   <a:srgbClr val="000000"/>
                 </a:solidFill>
@@ -5792,7 +6835,7 @@
               </a:rPr>
               <a:t>Magická lampa</a:t>
             </a:r>
-            <a:endParaRPr b="0" lang="cs-CZ" sz="4400" spc="-1" strike="noStrike">
+            <a:endParaRPr lang="cs-CZ" sz="4400" b="0" strike="noStrike" spc="-1">
               <a:solidFill>
                 <a:srgbClr val="000000"/>
               </a:solidFill>
@@ -5821,9 +6864,10 @@
           </a:ln>
         </p:spPr>
         <p:txBody>
-          <a:bodyPr lIns="0" rIns="0" tIns="0" bIns="0">
+          <a:bodyPr lIns="0" tIns="0" rIns="0" bIns="0">
             <a:normAutofit/>
           </a:bodyPr>
+          <a:lstStyle/>
           <a:p>
             <a:pPr>
               <a:lnSpc>
@@ -5833,7 +6877,7 @@
                 <a:spcPts val="1001"/>
               </a:spcBef>
             </a:pPr>
-            <a:endParaRPr b="0" lang="cs-CZ" sz="3200" spc="-1" strike="noStrike">
+            <a:endParaRPr lang="cs-CZ" sz="3200" b="0" strike="noStrike" spc="-1">
               <a:latin typeface="Arial"/>
             </a:endParaRPr>
           </a:p>
@@ -5846,7 +6890,7 @@
                 <a:spcPts val="1001"/>
               </a:spcBef>
             </a:pPr>
-            <a:endParaRPr b="0" lang="cs-CZ" sz="3200" spc="-1" strike="noStrike">
+            <a:endParaRPr lang="cs-CZ" sz="3200" b="0" strike="noStrike" spc="-1">
               <a:latin typeface="Arial"/>
             </a:endParaRPr>
           </a:p>
@@ -5861,13 +6905,13 @@
         <p:spPr>
           <a:xfrm>
             <a:off x="647640" y="1432440"/>
-            <a:ext cx="8640360" cy="5279760"/>
+            <a:ext cx="8640360" cy="5674942"/>
           </a:xfrm>
           <a:prstGeom prst="rect">
             <a:avLst/>
           </a:prstGeom>
           <a:solidFill>
-            <a:srgbClr val="dddddd"/>
+            <a:srgbClr val="DDDDDD"/>
           </a:solidFill>
           <a:ln>
             <a:solidFill>
@@ -5876,10 +6920,11 @@
           </a:ln>
         </p:spPr>
         <p:txBody>
-          <a:bodyPr lIns="90000" rIns="90000" tIns="45000" bIns="45000"/>
-          <a:p>
-            <a:r>
-              <a:rPr b="0" lang="cs-CZ" sz="2400" spc="-1" strike="noStrike">
+          <a:bodyPr lIns="90000" tIns="45000" rIns="90000" bIns="45000"/>
+          <a:lstStyle/>
+          <a:p>
+            <a:r>
+              <a:rPr lang="cs-CZ" sz="2400" b="0" strike="noStrike" spc="-1" dirty="0" err="1">
                 <a:solidFill>
                   <a:srgbClr val="008000"/>
                 </a:solidFill>
@@ -5888,7 +6933,7 @@
               <a:t>from</a:t>
             </a:r>
             <a:r>
-              <a:rPr b="0" lang="cs-CZ" sz="2400" spc="-1" strike="noStrike">
+              <a:rPr lang="cs-CZ" sz="2400" b="0" strike="noStrike" spc="-1" dirty="0">
                 <a:solidFill>
                   <a:srgbClr val="000000"/>
                 </a:solidFill>
@@ -5897,16 +6942,16 @@
               <a:t> </a:t>
             </a:r>
             <a:r>
-              <a:rPr b="0" lang="cs-CZ" sz="2400" spc="-1" strike="noStrike">
-                <a:solidFill>
-                  <a:srgbClr val="0000ff"/>
+              <a:rPr lang="cs-CZ" sz="2400" b="0" strike="noStrike" spc="-1" dirty="0" err="1">
+                <a:solidFill>
+                  <a:srgbClr val="0000FF"/>
                 </a:solidFill>
                 <a:latin typeface="Courier New"/>
               </a:rPr>
               <a:t>microbit</a:t>
             </a:r>
             <a:r>
-              <a:rPr b="0" lang="cs-CZ" sz="2400" spc="-1" strike="noStrike">
+              <a:rPr lang="cs-CZ" sz="2400" b="0" strike="noStrike" spc="-1" dirty="0">
                 <a:solidFill>
                   <a:srgbClr val="000000"/>
                 </a:solidFill>
@@ -5915,7 +6960,7 @@
               <a:t> </a:t>
             </a:r>
             <a:r>
-              <a:rPr b="0" lang="cs-CZ" sz="2400" spc="-1" strike="noStrike">
+              <a:rPr lang="cs-CZ" sz="2400" b="0" strike="noStrike" spc="-1" dirty="0">
                 <a:solidFill>
                   <a:srgbClr val="008000"/>
                 </a:solidFill>
@@ -5924,7 +6969,7 @@
               <a:t>import</a:t>
             </a:r>
             <a:r>
-              <a:rPr b="0" lang="cs-CZ" sz="2400" spc="-1" strike="noStrike">
+              <a:rPr lang="cs-CZ" sz="2400" b="0" strike="noStrike" spc="-1" dirty="0">
                 <a:solidFill>
                   <a:srgbClr val="000000"/>
                 </a:solidFill>
@@ -5933,7 +6978,7 @@
               <a:t> </a:t>
             </a:r>
             <a:r>
-              <a:rPr b="0" lang="cs-CZ" sz="2400" spc="-1" strike="noStrike">
+              <a:rPr lang="cs-CZ" sz="2400" b="0" strike="noStrike" spc="-1" dirty="0">
                 <a:solidFill>
                   <a:srgbClr val="666666"/>
                 </a:solidFill>
@@ -5941,13 +6986,13 @@
               </a:rPr>
               <a:t>*</a:t>
             </a:r>
-            <a:endParaRPr b="0" lang="cs-CZ" sz="2400" spc="-1" strike="noStrike">
-              <a:latin typeface="Arial"/>
-            </a:endParaRPr>
-          </a:p>
-          <a:p>
-            <a:r>
-              <a:rPr b="0" lang="cs-CZ" sz="2400" spc="-1" strike="noStrike">
+            <a:endParaRPr lang="cs-CZ" sz="2400" b="0" strike="noStrike" spc="-1" dirty="0">
+              <a:latin typeface="Arial"/>
+            </a:endParaRPr>
+          </a:p>
+          <a:p>
+            <a:r>
+              <a:rPr lang="cs-CZ" sz="2400" b="0" strike="noStrike" spc="-1" dirty="0">
                 <a:solidFill>
                   <a:srgbClr val="008000"/>
                 </a:solidFill>
@@ -5956,7 +7001,7 @@
               <a:t>import</a:t>
             </a:r>
             <a:r>
-              <a:rPr b="0" lang="cs-CZ" sz="2400" spc="-1" strike="noStrike">
+              <a:rPr lang="cs-CZ" sz="2400" b="0" strike="noStrike" spc="-1" dirty="0">
                 <a:solidFill>
                   <a:srgbClr val="000000"/>
                 </a:solidFill>
@@ -5965,21 +7010,21 @@
               <a:t> </a:t>
             </a:r>
             <a:r>
-              <a:rPr b="0" lang="cs-CZ" sz="2400" spc="-1" strike="noStrike">
-                <a:solidFill>
-                  <a:srgbClr val="0000ff"/>
+              <a:rPr lang="cs-CZ" sz="2400" b="0" strike="noStrike" spc="-1" dirty="0" err="1">
+                <a:solidFill>
+                  <a:srgbClr val="0000FF"/>
                 </a:solidFill>
                 <a:latin typeface="Courier New"/>
               </a:rPr>
               <a:t>random</a:t>
             </a:r>
-            <a:endParaRPr b="0" lang="cs-CZ" sz="2400" spc="-1" strike="noStrike">
-              <a:latin typeface="Arial"/>
-            </a:endParaRPr>
-          </a:p>
-          <a:p>
-            <a:r>
-              <a:rPr b="0" lang="cs-CZ" sz="2400" spc="-1" strike="noStrike">
+            <a:endParaRPr lang="cs-CZ" sz="2400" b="0" strike="noStrike" spc="-1" dirty="0">
+              <a:latin typeface="Arial"/>
+            </a:endParaRPr>
+          </a:p>
+          <a:p>
+            <a:r>
+              <a:rPr lang="cs-CZ" sz="2400" b="0" strike="noStrike" spc="-1" dirty="0">
                 <a:solidFill>
                   <a:srgbClr val="000000"/>
                 </a:solidFill>
@@ -5988,7 +7033,7 @@
               <a:t>A </a:t>
             </a:r>
             <a:r>
-              <a:rPr b="0" lang="cs-CZ" sz="2400" spc="-1" strike="noStrike">
+              <a:rPr lang="cs-CZ" sz="2400" b="0" strike="noStrike" spc="-1" dirty="0">
                 <a:solidFill>
                   <a:srgbClr val="666666"/>
                 </a:solidFill>
@@ -5997,7 +7042,7 @@
               <a:t>=</a:t>
             </a:r>
             <a:r>
-              <a:rPr b="0" lang="cs-CZ" sz="2400" spc="-1" strike="noStrike">
+              <a:rPr lang="cs-CZ" sz="2400" b="0" strike="noStrike" spc="-1" dirty="0">
                 <a:solidFill>
                   <a:srgbClr val="000000"/>
                 </a:solidFill>
@@ -6005,13 +7050,13 @@
               </a:rPr>
               <a:t> [pin0, pin1, pin2]</a:t>
             </a:r>
-            <a:endParaRPr b="0" lang="cs-CZ" sz="2400" spc="-1" strike="noStrike">
-              <a:latin typeface="Arial"/>
-            </a:endParaRPr>
-          </a:p>
-          <a:p>
-            <a:r>
-              <a:rPr b="0" lang="cs-CZ" sz="2400" spc="-1" strike="noStrike">
+            <a:endParaRPr lang="cs-CZ" sz="2400" b="0" strike="noStrike" spc="-1" dirty="0">
+              <a:latin typeface="Arial"/>
+            </a:endParaRPr>
+          </a:p>
+          <a:p>
+            <a:r>
+              <a:rPr lang="cs-CZ" sz="2400" b="0" strike="noStrike" spc="-1" dirty="0">
                 <a:solidFill>
                   <a:srgbClr val="000000"/>
                 </a:solidFill>
@@ -6020,7 +7065,7 @@
               <a:t>minula </a:t>
             </a:r>
             <a:r>
-              <a:rPr b="0" lang="cs-CZ" sz="2400" spc="-1" strike="noStrike">
+              <a:rPr lang="cs-CZ" sz="2400" b="0" strike="noStrike" spc="-1" dirty="0">
                 <a:solidFill>
                   <a:srgbClr val="666666"/>
                 </a:solidFill>
@@ -6029,7 +7074,7 @@
               <a:t>=</a:t>
             </a:r>
             <a:r>
-              <a:rPr b="0" lang="cs-CZ" sz="2400" spc="-1" strike="noStrike">
+              <a:rPr lang="cs-CZ" sz="2400" b="0" strike="noStrike" spc="-1" dirty="0">
                 <a:solidFill>
                   <a:srgbClr val="000000"/>
                 </a:solidFill>
@@ -6038,7 +7083,7 @@
               <a:t> </a:t>
             </a:r>
             <a:r>
-              <a:rPr b="0" lang="cs-CZ" sz="2400" spc="-1" strike="noStrike">
+              <a:rPr lang="cs-CZ" sz="2400" b="0" strike="noStrike" spc="-1" dirty="0">
                 <a:solidFill>
                   <a:srgbClr val="666666"/>
                 </a:solidFill>
@@ -6046,13 +7091,13 @@
               </a:rPr>
               <a:t>2</a:t>
             </a:r>
-            <a:endParaRPr b="0" lang="cs-CZ" sz="2400" spc="-1" strike="noStrike">
-              <a:latin typeface="Arial"/>
-            </a:endParaRPr>
-          </a:p>
-          <a:p>
-            <a:r>
-              <a:rPr b="0" lang="cs-CZ" sz="2400" spc="-1" strike="noStrike">
+            <a:endParaRPr lang="cs-CZ" sz="2400" b="0" strike="noStrike" spc="-1" dirty="0">
+              <a:latin typeface="Arial"/>
+            </a:endParaRPr>
+          </a:p>
+          <a:p>
+            <a:r>
+              <a:rPr lang="cs-CZ" sz="2400" b="0" strike="noStrike" spc="-1" dirty="0" err="1">
                 <a:solidFill>
                   <a:srgbClr val="008000"/>
                 </a:solidFill>
@@ -6061,7 +7106,7 @@
               <a:t>while</a:t>
             </a:r>
             <a:r>
-              <a:rPr b="0" lang="cs-CZ" sz="2400" spc="-1" strike="noStrike">
+              <a:rPr lang="cs-CZ" sz="2400" b="0" strike="noStrike" spc="-1" dirty="0">
                 <a:solidFill>
                   <a:srgbClr val="000000"/>
                 </a:solidFill>
@@ -6070,7 +7115,7 @@
               <a:t> </a:t>
             </a:r>
             <a:r>
-              <a:rPr b="0" lang="cs-CZ" sz="2400" spc="-1" strike="noStrike">
+              <a:rPr lang="cs-CZ" sz="2400" b="0" strike="noStrike" spc="-1" dirty="0" err="1">
                 <a:solidFill>
                   <a:srgbClr val="008000"/>
                 </a:solidFill>
@@ -6079,7 +7124,7 @@
               <a:t>True</a:t>
             </a:r>
             <a:r>
-              <a:rPr b="0" lang="cs-CZ" sz="2400" spc="-1" strike="noStrike">
+              <a:rPr lang="cs-CZ" sz="2400" b="0" strike="noStrike" spc="-1" dirty="0">
                 <a:solidFill>
                   <a:srgbClr val="000000"/>
                 </a:solidFill>
@@ -6087,13 +7132,117 @@
               </a:rPr>
               <a:t>:    </a:t>
             </a:r>
-            <a:endParaRPr b="0" lang="cs-CZ" sz="2400" spc="-1" strike="noStrike">
-              <a:latin typeface="Arial"/>
-            </a:endParaRPr>
-          </a:p>
-          <a:p>
-            <a:r>
-              <a:rPr b="0" lang="cs-CZ" sz="2400" spc="-1" strike="noStrike">
+            <a:endParaRPr lang="cs-CZ" sz="2400" b="0" strike="noStrike" spc="-1" dirty="0">
+              <a:latin typeface="Arial"/>
+            </a:endParaRPr>
+          </a:p>
+          <a:p>
+            <a:r>
+              <a:rPr lang="cs-CZ" sz="2400" b="0" strike="noStrike" spc="-1" dirty="0">
+                <a:solidFill>
+                  <a:srgbClr val="000000"/>
+                </a:solidFill>
+                <a:latin typeface="Courier New"/>
+              </a:rPr>
+              <a:t>    barva </a:t>
+            </a:r>
+            <a:r>
+              <a:rPr lang="cs-CZ" sz="2400" b="0" strike="noStrike" spc="-1" dirty="0">
+                <a:solidFill>
+                  <a:srgbClr val="666666"/>
+                </a:solidFill>
+                <a:latin typeface="Courier New"/>
+              </a:rPr>
+              <a:t>=</a:t>
+            </a:r>
+            <a:r>
+              <a:rPr lang="cs-CZ" sz="2400" b="0" strike="noStrike" spc="-1" dirty="0">
+                <a:solidFill>
+                  <a:srgbClr val="000000"/>
+                </a:solidFill>
+                <a:latin typeface="Courier New"/>
+              </a:rPr>
+              <a:t> </a:t>
+            </a:r>
+            <a:r>
+              <a:rPr lang="cs-CZ" sz="2400" b="0" strike="noStrike" spc="-1" dirty="0" err="1">
+                <a:solidFill>
+                  <a:srgbClr val="000000"/>
+                </a:solidFill>
+                <a:latin typeface="Courier New"/>
+              </a:rPr>
+              <a:t>random</a:t>
+            </a:r>
+            <a:r>
+              <a:rPr lang="cs-CZ" sz="2400" b="0" strike="noStrike" spc="-1" dirty="0" err="1">
+                <a:solidFill>
+                  <a:srgbClr val="666666"/>
+                </a:solidFill>
+                <a:latin typeface="Courier New"/>
+              </a:rPr>
+              <a:t>.</a:t>
+            </a:r>
+            <a:r>
+              <a:rPr lang="cs-CZ" sz="2400" b="0" strike="noStrike" spc="-1" dirty="0" err="1">
+                <a:solidFill>
+                  <a:srgbClr val="000000"/>
+                </a:solidFill>
+                <a:latin typeface="Courier New"/>
+              </a:rPr>
+              <a:t>randint</a:t>
+            </a:r>
+            <a:r>
+              <a:rPr lang="cs-CZ" sz="2400" b="0" strike="noStrike" spc="-1" dirty="0">
+                <a:solidFill>
+                  <a:srgbClr val="000000"/>
+                </a:solidFill>
+                <a:latin typeface="Courier New"/>
+              </a:rPr>
+              <a:t>(</a:t>
+            </a:r>
+            <a:r>
+              <a:rPr lang="cs-CZ" sz="2400" b="0" strike="noStrike" spc="-1" dirty="0">
+                <a:solidFill>
+                  <a:srgbClr val="666666"/>
+                </a:solidFill>
+                <a:latin typeface="Courier New"/>
+              </a:rPr>
+              <a:t>0</a:t>
+            </a:r>
+            <a:r>
+              <a:rPr lang="cs-CZ" sz="2400" b="0" strike="noStrike" spc="-1" dirty="0">
+                <a:solidFill>
+                  <a:srgbClr val="000000"/>
+                </a:solidFill>
+                <a:latin typeface="Courier New"/>
+              </a:rPr>
+              <a:t>, </a:t>
+            </a:r>
+            <a:r>
+              <a:rPr lang="cs-CZ" sz="2400" b="0" strike="noStrike" spc="-1" dirty="0">
+                <a:solidFill>
+                  <a:srgbClr val="666666"/>
+                </a:solidFill>
+                <a:latin typeface="Courier New"/>
+              </a:rPr>
+              <a:t>2</a:t>
+            </a:r>
+            <a:r>
+              <a:rPr lang="cs-CZ" sz="2400" b="0" strike="noStrike" spc="-1" dirty="0">
+                <a:solidFill>
+                  <a:srgbClr val="000000"/>
+                </a:solidFill>
+                <a:latin typeface="Courier New"/>
+              </a:rPr>
+              <a:t>)</a:t>
+            </a:r>
+            <a:endParaRPr lang="cs-CZ" sz="2400" b="0" strike="noStrike" spc="-1" dirty="0">
+              <a:latin typeface="Arial"/>
+            </a:endParaRPr>
+          </a:p>
+          <a:p>
+            <a:r>
+              <a:rPr lang="cs-CZ" sz="2400" b="0" strike="noStrike" spc="-1" dirty="0">
                 <a:solidFill>
                   <a:srgbClr val="000000"/>
                 </a:solidFill>
@@ -6102,34 +7251,84 @@
               <a:t>    </a:t>
             </a:r>
             <a:r>
-              <a:rPr b="0" lang="cs-CZ" sz="2400" spc="-1" strike="noStrike">
-                <a:solidFill>
-                  <a:srgbClr val="000000"/>
-                </a:solidFill>
-                <a:latin typeface="Courier New"/>
-              </a:rPr>
-              <a:t>barva </a:t>
-            </a:r>
-            <a:r>
-              <a:rPr b="0" lang="cs-CZ" sz="2400" spc="-1" strike="noStrike">
+              <a:rPr lang="cs-CZ" sz="2400" b="0" strike="noStrike" spc="-1" dirty="0" err="1">
+                <a:solidFill>
+                  <a:srgbClr val="008000"/>
+                </a:solidFill>
+                <a:latin typeface="Courier New"/>
+              </a:rPr>
+              <a:t>while</a:t>
+            </a:r>
+            <a:r>
+              <a:rPr lang="cs-CZ" sz="2400" b="0" strike="noStrike" spc="-1" dirty="0">
+                <a:solidFill>
+                  <a:srgbClr val="000000"/>
+                </a:solidFill>
+                <a:latin typeface="Courier New"/>
+              </a:rPr>
+              <a:t> (barva </a:t>
+            </a:r>
+            <a:r>
+              <a:rPr lang="cs-CZ" sz="2400" b="0" strike="noStrike" spc="-1" dirty="0">
                 <a:solidFill>
                   <a:srgbClr val="666666"/>
                 </a:solidFill>
                 <a:latin typeface="Courier New"/>
               </a:rPr>
+              <a:t>==</a:t>
+            </a:r>
+            <a:r>
+              <a:rPr lang="cs-CZ" sz="2400" b="0" strike="noStrike" spc="-1" dirty="0">
+                <a:solidFill>
+                  <a:srgbClr val="000000"/>
+                </a:solidFill>
+                <a:latin typeface="Courier New"/>
+              </a:rPr>
+              <a:t> minula):</a:t>
+            </a:r>
+            <a:endParaRPr lang="cs-CZ" sz="2400" b="0" strike="noStrike" spc="-1" dirty="0">
+              <a:latin typeface="Arial"/>
+            </a:endParaRPr>
+          </a:p>
+          <a:p>
+            <a:r>
+              <a:rPr lang="cs-CZ" sz="2400" b="0" strike="noStrike" spc="-1" dirty="0">
+                <a:solidFill>
+                  <a:srgbClr val="000000"/>
+                </a:solidFill>
+                <a:latin typeface="Courier New"/>
+              </a:rPr>
+              <a:t>        barva </a:t>
+            </a:r>
+            <a:r>
+              <a:rPr lang="cs-CZ" sz="2400" b="0" strike="noStrike" spc="-1" dirty="0">
+                <a:solidFill>
+                  <a:srgbClr val="666666"/>
+                </a:solidFill>
+                <a:latin typeface="Courier New"/>
+              </a:rPr>
               <a:t>=</a:t>
             </a:r>
             <a:r>
-              <a:rPr b="0" lang="cs-CZ" sz="2400" spc="-1" strike="noStrike">
-                <a:solidFill>
-                  <a:srgbClr val="000000"/>
-                </a:solidFill>
-                <a:latin typeface="Courier New"/>
-              </a:rPr>
-              <a:t> random</a:t>
-            </a:r>
-            <a:r>
-              <a:rPr b="0" lang="cs-CZ" sz="2400" spc="-1" strike="noStrike">
+              <a:rPr lang="cs-CZ" sz="2400" b="0" strike="noStrike" spc="-1" dirty="0">
+                <a:solidFill>
+                  <a:srgbClr val="000000"/>
+                </a:solidFill>
+                <a:latin typeface="Courier New"/>
+              </a:rPr>
+              <a:t> </a:t>
+            </a:r>
+            <a:r>
+              <a:rPr lang="cs-CZ" sz="2400" b="0" strike="noStrike" spc="-1" dirty="0" err="1">
+                <a:solidFill>
+                  <a:srgbClr val="000000"/>
+                </a:solidFill>
+                <a:latin typeface="Courier New"/>
+              </a:rPr>
+              <a:t>random</a:t>
+            </a:r>
+            <a:r>
+              <a:rPr lang="cs-CZ" sz="2400" b="0" strike="noStrike" spc="-1" dirty="0" err="1">
                 <a:solidFill>
                   <a:srgbClr val="666666"/>
                 </a:solidFill>
@@ -6138,16 +7337,25 @@
               <a:t>.</a:t>
             </a:r>
             <a:r>
-              <a:rPr b="0" lang="cs-CZ" sz="2400" spc="-1" strike="noStrike">
-                <a:solidFill>
-                  <a:srgbClr val="000000"/>
-                </a:solidFill>
-                <a:latin typeface="Courier New"/>
-              </a:rPr>
-              <a:t>randint(</a:t>
-            </a:r>
-            <a:r>
-              <a:rPr b="0" lang="cs-CZ" sz="2400" spc="-1" strike="noStrike">
+              <a:rPr lang="cs-CZ" sz="2400" b="0" strike="noStrike" spc="-1" dirty="0" err="1">
+                <a:solidFill>
+                  <a:srgbClr val="000000"/>
+                </a:solidFill>
+                <a:latin typeface="Courier New"/>
+              </a:rPr>
+              <a:t>randint</a:t>
+            </a:r>
+            <a:r>
+              <a:rPr lang="cs-CZ" sz="2400" b="0" strike="noStrike" spc="-1" dirty="0">
+                <a:solidFill>
+                  <a:srgbClr val="000000"/>
+                </a:solidFill>
+                <a:latin typeface="Courier New"/>
+              </a:rPr>
+              <a:t>(</a:t>
+            </a:r>
+            <a:r>
+              <a:rPr lang="cs-CZ" sz="2400" b="0" strike="noStrike" spc="-1" dirty="0">
                 <a:solidFill>
                   <a:srgbClr val="666666"/>
                 </a:solidFill>
@@ -6156,7 +7364,7 @@
               <a:t>0</a:t>
             </a:r>
             <a:r>
-              <a:rPr b="0" lang="cs-CZ" sz="2400" spc="-1" strike="noStrike">
+              <a:rPr lang="cs-CZ" sz="2400" b="0" strike="noStrike" spc="-1" dirty="0">
                 <a:solidFill>
                   <a:srgbClr val="000000"/>
                 </a:solidFill>
@@ -6165,7 +7373,7 @@
               <a:t>, </a:t>
             </a:r>
             <a:r>
-              <a:rPr b="0" lang="cs-CZ" sz="2400" spc="-1" strike="noStrike">
+              <a:rPr lang="cs-CZ" sz="2400" b="0" strike="noStrike" spc="-1" dirty="0">
                 <a:solidFill>
                   <a:srgbClr val="666666"/>
                 </a:solidFill>
@@ -6174,7 +7382,7 @@
               <a:t>2</a:t>
             </a:r>
             <a:r>
-              <a:rPr b="0" lang="cs-CZ" sz="2400" spc="-1" strike="noStrike">
+              <a:rPr lang="cs-CZ" sz="2400" b="0" strike="noStrike" spc="-1" dirty="0">
                 <a:solidFill>
                   <a:srgbClr val="000000"/>
                 </a:solidFill>
@@ -6182,13 +7390,13 @@
               </a:rPr>
               <a:t>)</a:t>
             </a:r>
-            <a:endParaRPr b="0" lang="cs-CZ" sz="2400" spc="-1" strike="noStrike">
-              <a:latin typeface="Arial"/>
-            </a:endParaRPr>
-          </a:p>
-          <a:p>
-            <a:r>
-              <a:rPr b="0" lang="cs-CZ" sz="2400" spc="-1" strike="noStrike">
+            <a:endParaRPr lang="cs-CZ" sz="2400" b="0" strike="noStrike" spc="-1" dirty="0">
+              <a:latin typeface="Arial"/>
+            </a:endParaRPr>
+          </a:p>
+          <a:p>
+            <a:r>
+              <a:rPr lang="cs-CZ" sz="2400" b="0" strike="noStrike" spc="-1" dirty="0">
                 <a:solidFill>
                   <a:srgbClr val="000000"/>
                 </a:solidFill>
@@ -6197,48 +7405,324 @@
               <a:t>    </a:t>
             </a:r>
             <a:r>
-              <a:rPr b="0" lang="cs-CZ" sz="2400" spc="-1" strike="noStrike">
+              <a:rPr lang="cs-CZ" sz="2400" b="0" strike="noStrike" spc="-1" dirty="0" err="1">
+                <a:solidFill>
+                  <a:srgbClr val="000000"/>
+                </a:solidFill>
+                <a:latin typeface="Courier New"/>
+              </a:rPr>
+              <a:t>delka</a:t>
+            </a:r>
+            <a:r>
+              <a:rPr lang="cs-CZ" sz="2400" b="0" strike="noStrike" spc="-1" dirty="0">
+                <a:solidFill>
+                  <a:srgbClr val="000000"/>
+                </a:solidFill>
+                <a:latin typeface="Courier New"/>
+              </a:rPr>
+              <a:t> </a:t>
+            </a:r>
+            <a:r>
+              <a:rPr lang="cs-CZ" sz="2400" b="0" strike="noStrike" spc="-1" dirty="0">
+                <a:solidFill>
+                  <a:srgbClr val="666666"/>
+                </a:solidFill>
+                <a:latin typeface="Courier New"/>
+              </a:rPr>
+              <a:t>=</a:t>
+            </a:r>
+            <a:r>
+              <a:rPr lang="cs-CZ" sz="2400" b="0" strike="noStrike" spc="-1" dirty="0">
+                <a:solidFill>
+                  <a:srgbClr val="000000"/>
+                </a:solidFill>
+                <a:latin typeface="Courier New"/>
+              </a:rPr>
+              <a:t> </a:t>
+            </a:r>
+            <a:r>
+              <a:rPr lang="cs-CZ" sz="2400" b="0" strike="noStrike" spc="-1" dirty="0" err="1">
+                <a:solidFill>
+                  <a:srgbClr val="000000"/>
+                </a:solidFill>
+                <a:latin typeface="Courier New"/>
+              </a:rPr>
+              <a:t>random</a:t>
+            </a:r>
+            <a:r>
+              <a:rPr lang="cs-CZ" sz="2400" b="0" strike="noStrike" spc="-1" dirty="0" err="1">
+                <a:solidFill>
+                  <a:srgbClr val="666666"/>
+                </a:solidFill>
+                <a:latin typeface="Courier New"/>
+              </a:rPr>
+              <a:t>.</a:t>
+            </a:r>
+            <a:r>
+              <a:rPr lang="cs-CZ" sz="2400" b="0" strike="noStrike" spc="-1" dirty="0" err="1">
+                <a:solidFill>
+                  <a:srgbClr val="000000"/>
+                </a:solidFill>
+                <a:latin typeface="Courier New"/>
+              </a:rPr>
+              <a:t>randint</a:t>
+            </a:r>
+            <a:r>
+              <a:rPr lang="cs-CZ" sz="2400" b="0" strike="noStrike" spc="-1" dirty="0">
+                <a:solidFill>
+                  <a:srgbClr val="000000"/>
+                </a:solidFill>
+                <a:latin typeface="Courier New"/>
+              </a:rPr>
+              <a:t>(</a:t>
+            </a:r>
+            <a:r>
+              <a:rPr lang="cs-CZ" sz="2400" b="0" strike="noStrike" spc="-1" dirty="0">
+                <a:solidFill>
+                  <a:srgbClr val="666666"/>
+                </a:solidFill>
+                <a:latin typeface="Courier New"/>
+              </a:rPr>
+              <a:t>1000</a:t>
+            </a:r>
+            <a:r>
+              <a:rPr lang="cs-CZ" sz="2400" b="0" strike="noStrike" spc="-1" dirty="0">
+                <a:solidFill>
+                  <a:srgbClr val="000000"/>
+                </a:solidFill>
+                <a:latin typeface="Courier New"/>
+              </a:rPr>
+              <a:t>, </a:t>
+            </a:r>
+            <a:r>
+              <a:rPr lang="cs-CZ" sz="2400" b="0" strike="noStrike" spc="-1" dirty="0">
+                <a:solidFill>
+                  <a:srgbClr val="666666"/>
+                </a:solidFill>
+                <a:latin typeface="Courier New"/>
+              </a:rPr>
+              <a:t>5000</a:t>
+            </a:r>
+            <a:r>
+              <a:rPr lang="cs-CZ" sz="2400" b="0" strike="noStrike" spc="-1" dirty="0">
+                <a:solidFill>
+                  <a:srgbClr val="000000"/>
+                </a:solidFill>
+                <a:latin typeface="Courier New"/>
+              </a:rPr>
+              <a:t>)</a:t>
+            </a:r>
+            <a:endParaRPr lang="cs-CZ" sz="2400" b="0" strike="noStrike" spc="-1" dirty="0">
+              <a:latin typeface="Arial"/>
+            </a:endParaRPr>
+          </a:p>
+          <a:p>
+            <a:r>
+              <a:rPr lang="cs-CZ" sz="2400" b="0" strike="noStrike" spc="-1" dirty="0">
+                <a:solidFill>
+                  <a:srgbClr val="000000"/>
+                </a:solidFill>
+                <a:latin typeface="Courier New"/>
+              </a:rPr>
+              <a:t>    </a:t>
+            </a:r>
+            <a:r>
+              <a:rPr lang="cs-CZ" sz="2400" b="0" strike="noStrike" spc="-1" dirty="0" err="1">
                 <a:solidFill>
                   <a:srgbClr val="008000"/>
                 </a:solidFill>
                 <a:latin typeface="Courier New"/>
               </a:rPr>
-              <a:t>while</a:t>
-            </a:r>
-            <a:r>
-              <a:rPr b="0" lang="cs-CZ" sz="2400" spc="-1" strike="noStrike">
-                <a:solidFill>
-                  <a:srgbClr val="000000"/>
-                </a:solidFill>
-                <a:latin typeface="Courier New"/>
-              </a:rPr>
-              <a:t> (barva </a:t>
-            </a:r>
-            <a:r>
-              <a:rPr b="0" lang="cs-CZ" sz="2400" spc="-1" strike="noStrike">
+              <a:t>for</a:t>
+            </a:r>
+            <a:r>
+              <a:rPr lang="cs-CZ" sz="2400" b="0" strike="noStrike" spc="-1" dirty="0">
+                <a:solidFill>
+                  <a:srgbClr val="000000"/>
+                </a:solidFill>
+                <a:latin typeface="Courier New"/>
+              </a:rPr>
+              <a:t> I </a:t>
+            </a:r>
+            <a:r>
+              <a:rPr lang="cs-CZ" sz="2400" b="0" strike="noStrike" spc="-1" dirty="0">
+                <a:solidFill>
+                  <a:srgbClr val="AA22FF"/>
+                </a:solidFill>
+                <a:latin typeface="Courier New"/>
+              </a:rPr>
+              <a:t>in</a:t>
+            </a:r>
+            <a:r>
+              <a:rPr lang="cs-CZ" sz="2400" b="0" strike="noStrike" spc="-1" dirty="0">
+                <a:solidFill>
+                  <a:srgbClr val="000000"/>
+                </a:solidFill>
+                <a:latin typeface="Courier New"/>
+              </a:rPr>
+              <a:t> </a:t>
+            </a:r>
+            <a:r>
+              <a:rPr lang="cs-CZ" sz="2400" b="0" strike="noStrike" spc="-1" dirty="0" err="1">
+                <a:solidFill>
+                  <a:srgbClr val="008000"/>
+                </a:solidFill>
+                <a:latin typeface="Courier New"/>
+              </a:rPr>
+              <a:t>range</a:t>
+            </a:r>
+            <a:r>
+              <a:rPr lang="cs-CZ" sz="2400" b="0" strike="noStrike" spc="-1" dirty="0">
+                <a:solidFill>
+                  <a:srgbClr val="000000"/>
+                </a:solidFill>
+                <a:latin typeface="Courier New"/>
+              </a:rPr>
+              <a:t>(</a:t>
+            </a:r>
+            <a:r>
+              <a:rPr lang="cs-CZ" sz="2400" b="0" strike="noStrike" spc="-1" dirty="0">
                 <a:solidFill>
                   <a:srgbClr val="666666"/>
                 </a:solidFill>
                 <a:latin typeface="Courier New"/>
               </a:rPr>
-              <a:t>==</a:t>
-            </a:r>
-            <a:r>
-              <a:rPr b="0" lang="cs-CZ" sz="2400" spc="-1" strike="noStrike">
-                <a:solidFill>
-                  <a:srgbClr val="000000"/>
-                </a:solidFill>
-                <a:latin typeface="Courier New"/>
-              </a:rPr>
-              <a:t> minula):</a:t>
-            </a:r>
-            <a:endParaRPr b="0" lang="cs-CZ" sz="2400" spc="-1" strike="noStrike">
-              <a:latin typeface="Arial"/>
-            </a:endParaRPr>
-          </a:p>
-          <a:p>
-            <a:r>
-              <a:rPr b="0" lang="cs-CZ" sz="2400" spc="-1" strike="noStrike">
+              <a:t>0</a:t>
+            </a:r>
+            <a:r>
+              <a:rPr lang="cs-CZ" sz="2400" b="0" strike="noStrike" spc="-1" dirty="0">
+                <a:solidFill>
+                  <a:srgbClr val="000000"/>
+                </a:solidFill>
+                <a:latin typeface="Courier New"/>
+              </a:rPr>
+              <a:t>, </a:t>
+            </a:r>
+            <a:r>
+              <a:rPr lang="cs-CZ" sz="2400" b="0" strike="noStrike" spc="-1" dirty="0">
+                <a:solidFill>
+                  <a:srgbClr val="666666"/>
+                </a:solidFill>
+                <a:latin typeface="Courier New"/>
+              </a:rPr>
+              <a:t>1024</a:t>
+            </a:r>
+            <a:r>
+              <a:rPr lang="cs-CZ" sz="2400" b="0" strike="noStrike" spc="-1" dirty="0">
+                <a:solidFill>
+                  <a:srgbClr val="000000"/>
+                </a:solidFill>
+                <a:latin typeface="Courier New"/>
+              </a:rPr>
+              <a:t>):</a:t>
+            </a:r>
+            <a:endParaRPr lang="cs-CZ" sz="2400" b="0" strike="noStrike" spc="-1" dirty="0">
+              <a:latin typeface="Arial"/>
+            </a:endParaRPr>
+          </a:p>
+          <a:p>
+            <a:r>
+              <a:rPr lang="cs-CZ" sz="2400" b="0" strike="noStrike" spc="-1" dirty="0">
+                <a:solidFill>
+                  <a:srgbClr val="000000"/>
+                </a:solidFill>
+                <a:latin typeface="Courier New"/>
+              </a:rPr>
+              <a:t>        A[barva]</a:t>
+            </a:r>
+            <a:r>
+              <a:rPr lang="cs-CZ" sz="2400" b="0" strike="noStrike" spc="-1" dirty="0">
+                <a:solidFill>
+                  <a:srgbClr val="666666"/>
+                </a:solidFill>
+                <a:latin typeface="Courier New"/>
+              </a:rPr>
+              <a:t>.</a:t>
+            </a:r>
+            <a:r>
+              <a:rPr lang="cs-CZ" sz="2400" b="0" strike="noStrike" spc="-1" dirty="0" err="1">
+                <a:solidFill>
+                  <a:srgbClr val="000000"/>
+                </a:solidFill>
+                <a:latin typeface="Courier New"/>
+              </a:rPr>
+              <a:t>write_analog</a:t>
+            </a:r>
+            <a:r>
+              <a:rPr lang="cs-CZ" sz="2400" b="0" strike="noStrike" spc="-1" dirty="0">
+                <a:solidFill>
+                  <a:srgbClr val="000000"/>
+                </a:solidFill>
+                <a:latin typeface="Courier New"/>
+              </a:rPr>
+              <a:t>(I)</a:t>
+            </a:r>
+            <a:endParaRPr lang="cs-CZ" sz="2400" b="0" strike="noStrike" spc="-1" dirty="0">
+              <a:latin typeface="Arial"/>
+            </a:endParaRPr>
+          </a:p>
+          <a:p>
+            <a:r>
+              <a:rPr lang="cs-CZ" sz="2400" b="0" strike="noStrike" spc="-1" dirty="0">
+                <a:solidFill>
+                  <a:srgbClr val="000000"/>
+                </a:solidFill>
+                <a:latin typeface="Courier New"/>
+              </a:rPr>
+              <a:t>        A[minula]</a:t>
+            </a:r>
+            <a:r>
+              <a:rPr lang="cs-CZ" sz="2400" b="0" strike="noStrike" spc="-1" dirty="0">
+                <a:solidFill>
+                  <a:srgbClr val="666666"/>
+                </a:solidFill>
+                <a:latin typeface="Courier New"/>
+              </a:rPr>
+              <a:t>.</a:t>
+            </a:r>
+            <a:r>
+              <a:rPr lang="cs-CZ" sz="2400" b="0" strike="noStrike" spc="-1" dirty="0" err="1">
+                <a:solidFill>
+                  <a:srgbClr val="000000"/>
+                </a:solidFill>
+                <a:latin typeface="Courier New"/>
+              </a:rPr>
+              <a:t>write_analog</a:t>
+            </a:r>
+            <a:r>
+              <a:rPr lang="cs-CZ" sz="2400" b="0" strike="noStrike" spc="-1" dirty="0">
+                <a:solidFill>
+                  <a:srgbClr val="000000"/>
+                </a:solidFill>
+                <a:latin typeface="Courier New"/>
+              </a:rPr>
+              <a:t>(</a:t>
+            </a:r>
+            <a:r>
+              <a:rPr lang="cs-CZ" sz="2400" b="0" strike="noStrike" spc="-1" dirty="0">
+                <a:solidFill>
+                  <a:srgbClr val="666666"/>
+                </a:solidFill>
+                <a:latin typeface="Courier New"/>
+              </a:rPr>
+              <a:t>1023-</a:t>
+            </a:r>
+            <a:r>
+              <a:rPr lang="cs-CZ" sz="2400" b="0" strike="noStrike" spc="-1" dirty="0">
+                <a:solidFill>
+                  <a:srgbClr val="000000"/>
+                </a:solidFill>
+                <a:latin typeface="Courier New"/>
+              </a:rPr>
+              <a:t>I)</a:t>
+            </a:r>
+            <a:endParaRPr lang="cs-CZ" sz="2400" b="0" strike="noStrike" spc="-1" dirty="0">
+              <a:latin typeface="Arial"/>
+            </a:endParaRPr>
+          </a:p>
+          <a:p>
+            <a:r>
+              <a:rPr lang="cs-CZ" sz="2400" b="0" strike="noStrike" spc="-1" dirty="0">
                 <a:solidFill>
                   <a:srgbClr val="000000"/>
                 </a:solidFill>
@@ -6247,483 +7731,116 @@
               <a:t>        </a:t>
             </a:r>
             <a:r>
-              <a:rPr b="0" lang="cs-CZ" sz="2400" spc="-1" strike="noStrike">
-                <a:solidFill>
-                  <a:srgbClr val="000000"/>
-                </a:solidFill>
-                <a:latin typeface="Courier New"/>
-              </a:rPr>
-              <a:t>barva </a:t>
-            </a:r>
-            <a:r>
-              <a:rPr b="0" lang="cs-CZ" sz="2400" spc="-1" strike="noStrike">
+              <a:rPr lang="cs-CZ" sz="2400" b="0" strike="noStrike" spc="-1" dirty="0" err="1">
+                <a:solidFill>
+                  <a:srgbClr val="000000"/>
+                </a:solidFill>
+                <a:latin typeface="Courier New"/>
+              </a:rPr>
+              <a:t>sleep</a:t>
+            </a:r>
+            <a:r>
+              <a:rPr lang="cs-CZ" sz="2400" b="0" strike="noStrike" spc="-1" dirty="0">
+                <a:solidFill>
+                  <a:srgbClr val="000000"/>
+                </a:solidFill>
+                <a:latin typeface="Courier New"/>
+              </a:rPr>
+              <a:t>(</a:t>
+            </a:r>
+            <a:r>
+              <a:rPr lang="cs-CZ" sz="2400" b="0" strike="noStrike" spc="-1" dirty="0">
                 <a:solidFill>
                   <a:srgbClr val="666666"/>
                 </a:solidFill>
                 <a:latin typeface="Courier New"/>
               </a:rPr>
+              <a:t>2</a:t>
+            </a:r>
+            <a:r>
+              <a:rPr lang="cs-CZ" sz="2400" b="0" strike="noStrike" spc="-1" dirty="0">
+                <a:solidFill>
+                  <a:srgbClr val="000000"/>
+                </a:solidFill>
+                <a:latin typeface="Courier New"/>
+              </a:rPr>
+              <a:t>)</a:t>
+            </a:r>
+            <a:endParaRPr lang="cs-CZ" sz="2400" b="0" strike="noStrike" spc="-1" dirty="0">
+              <a:latin typeface="Arial"/>
+            </a:endParaRPr>
+          </a:p>
+          <a:p>
+            <a:r>
+              <a:rPr lang="cs-CZ" sz="2400" b="0" strike="noStrike" spc="-1" dirty="0">
+                <a:solidFill>
+                  <a:srgbClr val="000000"/>
+                </a:solidFill>
+                <a:latin typeface="Courier New"/>
+              </a:rPr>
+              <a:t>    </a:t>
+            </a:r>
+            <a:r>
+              <a:rPr lang="cs-CZ" sz="2400" b="0" strike="noStrike" spc="-1" dirty="0" err="1">
+                <a:solidFill>
+                  <a:srgbClr val="000000"/>
+                </a:solidFill>
+                <a:latin typeface="Courier New"/>
+              </a:rPr>
+              <a:t>sleep</a:t>
+            </a:r>
+            <a:r>
+              <a:rPr lang="cs-CZ" sz="2400" b="0" strike="noStrike" spc="-1" dirty="0">
+                <a:solidFill>
+                  <a:srgbClr val="000000"/>
+                </a:solidFill>
+                <a:latin typeface="Courier New"/>
+              </a:rPr>
+              <a:t>(</a:t>
+            </a:r>
+            <a:r>
+              <a:rPr lang="cs-CZ" sz="2400" b="0" strike="noStrike" spc="-1" dirty="0" err="1">
+                <a:solidFill>
+                  <a:srgbClr val="000000"/>
+                </a:solidFill>
+                <a:latin typeface="Courier New"/>
+              </a:rPr>
+              <a:t>delka</a:t>
+            </a:r>
+            <a:r>
+              <a:rPr lang="cs-CZ" sz="2400" b="0" strike="noStrike" spc="-1" dirty="0">
+                <a:solidFill>
+                  <a:srgbClr val="000000"/>
+                </a:solidFill>
+                <a:latin typeface="Courier New"/>
+              </a:rPr>
+              <a:t>)</a:t>
+            </a:r>
+            <a:endParaRPr lang="cs-CZ" sz="2400" b="0" strike="noStrike" spc="-1" dirty="0">
+              <a:latin typeface="Arial"/>
+            </a:endParaRPr>
+          </a:p>
+          <a:p>
+            <a:r>
+              <a:rPr lang="cs-CZ" sz="2400" b="0" strike="noStrike" spc="-1" dirty="0">
+                <a:solidFill>
+                  <a:srgbClr val="000000"/>
+                </a:solidFill>
+                <a:latin typeface="Courier New"/>
+              </a:rPr>
+              <a:t>    minula </a:t>
+            </a:r>
+            <a:r>
+              <a:rPr lang="cs-CZ" sz="2400" b="0" strike="noStrike" spc="-1" dirty="0">
+                <a:solidFill>
+                  <a:srgbClr val="666666"/>
+                </a:solidFill>
+                <a:latin typeface="Courier New"/>
+              </a:rPr>
               <a:t>=</a:t>
             </a:r>
             <a:r>
-              <a:rPr b="0" lang="cs-CZ" sz="2400" spc="-1" strike="noStrike">
-                <a:solidFill>
-                  <a:srgbClr val="000000"/>
-                </a:solidFill>
-                <a:latin typeface="Courier New"/>
-              </a:rPr>
-              <a:t> random</a:t>
-            </a:r>
-            <a:r>
-              <a:rPr b="0" lang="cs-CZ" sz="2400" spc="-1" strike="noStrike">
-                <a:solidFill>
-                  <a:srgbClr val="666666"/>
-                </a:solidFill>
-                <a:latin typeface="Courier New"/>
-              </a:rPr>
-              <a:t>.</a:t>
-            </a:r>
-            <a:r>
-              <a:rPr b="0" lang="cs-CZ" sz="2400" spc="-1" strike="noStrike">
-                <a:solidFill>
-                  <a:srgbClr val="000000"/>
-                </a:solidFill>
-                <a:latin typeface="Courier New"/>
-              </a:rPr>
-              <a:t>randint(</a:t>
-            </a:r>
-            <a:r>
-              <a:rPr b="0" lang="cs-CZ" sz="2400" spc="-1" strike="noStrike">
-                <a:solidFill>
-                  <a:srgbClr val="666666"/>
-                </a:solidFill>
-                <a:latin typeface="Courier New"/>
-              </a:rPr>
-              <a:t>0</a:t>
-            </a:r>
-            <a:r>
-              <a:rPr b="0" lang="cs-CZ" sz="2400" spc="-1" strike="noStrike">
-                <a:solidFill>
-                  <a:srgbClr val="000000"/>
-                </a:solidFill>
-                <a:latin typeface="Courier New"/>
-              </a:rPr>
-              <a:t>, </a:t>
-            </a:r>
-            <a:r>
-              <a:rPr b="0" lang="cs-CZ" sz="2400" spc="-1" strike="noStrike">
-                <a:solidFill>
-                  <a:srgbClr val="666666"/>
-                </a:solidFill>
-                <a:latin typeface="Courier New"/>
-              </a:rPr>
-              <a:t>2</a:t>
-            </a:r>
-            <a:r>
-              <a:rPr b="0" lang="cs-CZ" sz="2400" spc="-1" strike="noStrike">
-                <a:solidFill>
-                  <a:srgbClr val="000000"/>
-                </a:solidFill>
-                <a:latin typeface="Courier New"/>
-              </a:rPr>
-              <a:t>)</a:t>
-            </a:r>
-            <a:endParaRPr b="0" lang="cs-CZ" sz="2400" spc="-1" strike="noStrike">
-              <a:latin typeface="Arial"/>
-            </a:endParaRPr>
-          </a:p>
-          <a:p>
-            <a:r>
-              <a:rPr b="0" lang="cs-CZ" sz="2400" spc="-1" strike="noStrike">
-                <a:solidFill>
-                  <a:srgbClr val="000000"/>
-                </a:solidFill>
-                <a:latin typeface="Courier New"/>
-              </a:rPr>
-              <a:t>    </a:t>
-            </a:r>
-            <a:r>
-              <a:rPr b="0" lang="cs-CZ" sz="2400" spc="-1" strike="noStrike">
-                <a:solidFill>
-                  <a:srgbClr val="000000"/>
-                </a:solidFill>
-                <a:latin typeface="Courier New"/>
-              </a:rPr>
-              <a:t>delka </a:t>
-            </a:r>
-            <a:r>
-              <a:rPr b="0" lang="cs-CZ" sz="2400" spc="-1" strike="noStrike">
-                <a:solidFill>
-                  <a:srgbClr val="666666"/>
-                </a:solidFill>
-                <a:latin typeface="Courier New"/>
-              </a:rPr>
-              <a:t>=</a:t>
-            </a:r>
-            <a:r>
-              <a:rPr b="0" lang="cs-CZ" sz="2400" spc="-1" strike="noStrike">
-                <a:solidFill>
-                  <a:srgbClr val="000000"/>
-                </a:solidFill>
-                <a:latin typeface="Courier New"/>
-              </a:rPr>
-              <a:t> random</a:t>
-            </a:r>
-            <a:r>
-              <a:rPr b="0" lang="cs-CZ" sz="2400" spc="-1" strike="noStrike">
-                <a:solidFill>
-                  <a:srgbClr val="666666"/>
-                </a:solidFill>
-                <a:latin typeface="Courier New"/>
-              </a:rPr>
-              <a:t>.</a:t>
-            </a:r>
-            <a:r>
-              <a:rPr b="0" lang="cs-CZ" sz="2400" spc="-1" strike="noStrike">
-                <a:solidFill>
-                  <a:srgbClr val="000000"/>
-                </a:solidFill>
-                <a:latin typeface="Courier New"/>
-              </a:rPr>
-              <a:t>randint(</a:t>
-            </a:r>
-            <a:r>
-              <a:rPr b="0" lang="cs-CZ" sz="2400" spc="-1" strike="noStrike">
-                <a:solidFill>
-                  <a:srgbClr val="666666"/>
-                </a:solidFill>
-                <a:latin typeface="Courier New"/>
-              </a:rPr>
-              <a:t>1000</a:t>
-            </a:r>
-            <a:r>
-              <a:rPr b="0" lang="cs-CZ" sz="2400" spc="-1" strike="noStrike">
-                <a:solidFill>
-                  <a:srgbClr val="000000"/>
-                </a:solidFill>
-                <a:latin typeface="Courier New"/>
-              </a:rPr>
-              <a:t>, </a:t>
-            </a:r>
-            <a:r>
-              <a:rPr b="0" lang="cs-CZ" sz="2400" spc="-1" strike="noStrike">
-                <a:solidFill>
-                  <a:srgbClr val="666666"/>
-                </a:solidFill>
-                <a:latin typeface="Courier New"/>
-              </a:rPr>
-              <a:t>5000</a:t>
-            </a:r>
-            <a:r>
-              <a:rPr b="0" lang="cs-CZ" sz="2400" spc="-1" strike="noStrike">
-                <a:solidFill>
-                  <a:srgbClr val="000000"/>
-                </a:solidFill>
-                <a:latin typeface="Courier New"/>
-              </a:rPr>
-              <a:t>)</a:t>
-            </a:r>
-            <a:endParaRPr b="0" lang="cs-CZ" sz="2400" spc="-1" strike="noStrike">
-              <a:latin typeface="Arial"/>
-            </a:endParaRPr>
-          </a:p>
-          <a:p>
-            <a:r>
-              <a:rPr b="0" lang="cs-CZ" sz="2400" spc="-1" strike="noStrike">
-                <a:solidFill>
-                  <a:srgbClr val="000000"/>
-                </a:solidFill>
-                <a:latin typeface="Courier New"/>
-              </a:rPr>
-              <a:t>    </a:t>
-            </a:r>
-            <a:r>
-              <a:rPr b="0" lang="cs-CZ" sz="2400" spc="-1" strike="noStrike">
-                <a:solidFill>
-                  <a:srgbClr val="008000"/>
-                </a:solidFill>
-                <a:latin typeface="Courier New"/>
-              </a:rPr>
-              <a:t>for</a:t>
-            </a:r>
-            <a:r>
-              <a:rPr b="0" lang="cs-CZ" sz="2400" spc="-1" strike="noStrike">
-                <a:solidFill>
-                  <a:srgbClr val="000000"/>
-                </a:solidFill>
-                <a:latin typeface="Courier New"/>
-              </a:rPr>
-              <a:t> I </a:t>
-            </a:r>
-            <a:r>
-              <a:rPr b="0" lang="cs-CZ" sz="2400" spc="-1" strike="noStrike">
-                <a:solidFill>
-                  <a:srgbClr val="aa22ff"/>
-                </a:solidFill>
-                <a:latin typeface="Courier New"/>
-              </a:rPr>
-              <a:t>in</a:t>
-            </a:r>
-            <a:r>
-              <a:rPr b="0" lang="cs-CZ" sz="2400" spc="-1" strike="noStrike">
-                <a:solidFill>
-                  <a:srgbClr val="000000"/>
-                </a:solidFill>
-                <a:latin typeface="Courier New"/>
-              </a:rPr>
-              <a:t> </a:t>
-            </a:r>
-            <a:r>
-              <a:rPr b="0" lang="cs-CZ" sz="2400" spc="-1" strike="noStrike">
-                <a:solidFill>
-                  <a:srgbClr val="008000"/>
-                </a:solidFill>
-                <a:latin typeface="Courier New"/>
-              </a:rPr>
-              <a:t>range</a:t>
-            </a:r>
-            <a:r>
-              <a:rPr b="0" lang="cs-CZ" sz="2400" spc="-1" strike="noStrike">
-                <a:solidFill>
-                  <a:srgbClr val="000000"/>
-                </a:solidFill>
-                <a:latin typeface="Courier New"/>
-              </a:rPr>
-              <a:t>(</a:t>
-            </a:r>
-            <a:r>
-              <a:rPr b="0" lang="cs-CZ" sz="2400" spc="-1" strike="noStrike">
-                <a:solidFill>
-                  <a:srgbClr val="666666"/>
-                </a:solidFill>
-                <a:latin typeface="Courier New"/>
-              </a:rPr>
-              <a:t>0</a:t>
-            </a:r>
-            <a:r>
-              <a:rPr b="0" lang="cs-CZ" sz="2400" spc="-1" strike="noStrike">
-                <a:solidFill>
-                  <a:srgbClr val="000000"/>
-                </a:solidFill>
-                <a:latin typeface="Courier New"/>
-              </a:rPr>
-              <a:t>, </a:t>
-            </a:r>
-            <a:r>
-              <a:rPr b="0" lang="cs-CZ" sz="2400" spc="-1" strike="noStrike">
-                <a:solidFill>
-                  <a:srgbClr val="666666"/>
-                </a:solidFill>
-                <a:latin typeface="Courier New"/>
-              </a:rPr>
-              <a:t>1024</a:t>
-            </a:r>
-            <a:r>
-              <a:rPr b="0" lang="cs-CZ" sz="2400" spc="-1" strike="noStrike">
-                <a:solidFill>
-                  <a:srgbClr val="000000"/>
-                </a:solidFill>
-                <a:latin typeface="Courier New"/>
-              </a:rPr>
-              <a:t>):</a:t>
-            </a:r>
-            <a:endParaRPr b="0" lang="cs-CZ" sz="2400" spc="-1" strike="noStrike">
-              <a:latin typeface="Arial"/>
-            </a:endParaRPr>
-          </a:p>
-          <a:p>
-            <a:r>
-              <a:rPr b="0" lang="cs-CZ" sz="2400" spc="-1" strike="noStrike">
-                <a:solidFill>
-                  <a:srgbClr val="000000"/>
-                </a:solidFill>
-                <a:latin typeface="Courier New"/>
-              </a:rPr>
-              <a:t>        </a:t>
-            </a:r>
-            <a:r>
-              <a:rPr b="0" lang="cs-CZ" sz="2400" spc="-1" strike="noStrike">
-                <a:solidFill>
-                  <a:srgbClr val="000000"/>
-                </a:solidFill>
-                <a:latin typeface="Courier New"/>
-              </a:rPr>
-              <a:t>A[barva]</a:t>
-            </a:r>
-            <a:r>
-              <a:rPr b="0" lang="cs-CZ" sz="2400" spc="-1" strike="noStrike">
-                <a:solidFill>
-                  <a:srgbClr val="666666"/>
-                </a:solidFill>
-                <a:latin typeface="Courier New"/>
-              </a:rPr>
-              <a:t>.</a:t>
-            </a:r>
-            <a:r>
-              <a:rPr b="0" lang="cs-CZ" sz="2400" spc="-1" strike="noStrike">
-                <a:solidFill>
-                  <a:srgbClr val="000000"/>
-                </a:solidFill>
-                <a:latin typeface="Courier New"/>
-              </a:rPr>
-              <a:t>write_analog(I)</a:t>
-            </a:r>
-            <a:endParaRPr b="0" lang="cs-CZ" sz="2400" spc="-1" strike="noStrike">
-              <a:latin typeface="Arial"/>
-            </a:endParaRPr>
-          </a:p>
-          <a:p>
-            <a:r>
-              <a:rPr b="0" lang="cs-CZ" sz="2400" spc="-1" strike="noStrike">
-                <a:solidFill>
-                  <a:srgbClr val="000000"/>
-                </a:solidFill>
-                <a:latin typeface="Courier New"/>
-              </a:rPr>
-              <a:t>        </a:t>
-            </a:r>
-            <a:r>
-              <a:rPr b="0" lang="cs-CZ" sz="2400" spc="-1" strike="noStrike">
-                <a:solidFill>
-                  <a:srgbClr val="000000"/>
-                </a:solidFill>
-                <a:latin typeface="Courier New"/>
-              </a:rPr>
-              <a:t>A[minula]</a:t>
-            </a:r>
-            <a:r>
-              <a:rPr b="0" lang="cs-CZ" sz="2400" spc="-1" strike="noStrike">
-                <a:solidFill>
-                  <a:srgbClr val="666666"/>
-                </a:solidFill>
-                <a:latin typeface="Courier New"/>
-              </a:rPr>
-              <a:t>.</a:t>
-            </a:r>
-            <a:r>
-              <a:rPr b="0" lang="cs-CZ" sz="2400" spc="-1" strike="noStrike">
-                <a:solidFill>
-                  <a:srgbClr val="000000"/>
-                </a:solidFill>
-                <a:latin typeface="Courier New"/>
-              </a:rPr>
-              <a:t>write_analog(</a:t>
-            </a:r>
-            <a:r>
-              <a:rPr b="0" lang="cs-CZ" sz="2400" spc="-1" strike="noStrike">
-                <a:solidFill>
-                  <a:srgbClr val="666666"/>
-                </a:solidFill>
-                <a:latin typeface="Courier New"/>
-              </a:rPr>
-              <a:t>1023-</a:t>
-            </a:r>
-            <a:r>
-              <a:rPr b="0" lang="cs-CZ" sz="2400" spc="-1" strike="noStrike">
-                <a:solidFill>
-                  <a:srgbClr val="000000"/>
-                </a:solidFill>
-                <a:latin typeface="Courier New"/>
-              </a:rPr>
-              <a:t>I)</a:t>
-            </a:r>
-            <a:endParaRPr b="0" lang="cs-CZ" sz="2400" spc="-1" strike="noStrike">
-              <a:latin typeface="Arial"/>
-            </a:endParaRPr>
-          </a:p>
-          <a:p>
-            <a:r>
-              <a:rPr b="0" lang="cs-CZ" sz="2400" spc="-1" strike="noStrike">
-                <a:solidFill>
-                  <a:srgbClr val="000000"/>
-                </a:solidFill>
-                <a:latin typeface="Courier New"/>
-              </a:rPr>
-              <a:t>        </a:t>
-            </a:r>
-            <a:r>
-              <a:rPr b="0" lang="cs-CZ" sz="2400" spc="-1" strike="noStrike">
-                <a:solidFill>
-                  <a:srgbClr val="000000"/>
-                </a:solidFill>
-                <a:latin typeface="Courier New"/>
-              </a:rPr>
-              <a:t>sleep(</a:t>
-            </a:r>
-            <a:r>
-              <a:rPr b="0" lang="cs-CZ" sz="2400" spc="-1" strike="noStrike">
-                <a:solidFill>
-                  <a:srgbClr val="666666"/>
-                </a:solidFill>
-                <a:latin typeface="Courier New"/>
-              </a:rPr>
-              <a:t>2</a:t>
-            </a:r>
-            <a:r>
-              <a:rPr b="0" lang="cs-CZ" sz="2400" spc="-1" strike="noStrike">
-                <a:solidFill>
-                  <a:srgbClr val="000000"/>
-                </a:solidFill>
-                <a:latin typeface="Courier New"/>
-              </a:rPr>
-              <a:t>)</a:t>
-            </a:r>
-            <a:endParaRPr b="0" lang="cs-CZ" sz="2400" spc="-1" strike="noStrike">
-              <a:latin typeface="Arial"/>
-            </a:endParaRPr>
-          </a:p>
-          <a:p>
-            <a:r>
-              <a:rPr b="0" lang="cs-CZ" sz="2400" spc="-1" strike="noStrike">
-                <a:solidFill>
-                  <a:srgbClr val="000000"/>
-                </a:solidFill>
-                <a:latin typeface="Courier New"/>
-              </a:rPr>
-              <a:t>    </a:t>
-            </a:r>
-            <a:r>
-              <a:rPr b="0" lang="cs-CZ" sz="2400" spc="-1" strike="noStrike">
-                <a:solidFill>
-                  <a:srgbClr val="000000"/>
-                </a:solidFill>
-                <a:latin typeface="Courier New"/>
-              </a:rPr>
-              <a:t>sleep(delka)</a:t>
-            </a:r>
-            <a:endParaRPr b="0" lang="cs-CZ" sz="2400" spc="-1" strike="noStrike">
-              <a:latin typeface="Arial"/>
-            </a:endParaRPr>
-          </a:p>
-          <a:p>
-            <a:r>
-              <a:rPr b="0" lang="cs-CZ" sz="2400" spc="-1" strike="noStrike">
-                <a:solidFill>
-                  <a:srgbClr val="000000"/>
-                </a:solidFill>
-                <a:latin typeface="Courier New"/>
-              </a:rPr>
-              <a:t>    </a:t>
-            </a:r>
-            <a:r>
-              <a:rPr b="0" lang="cs-CZ" sz="2400" spc="-1" strike="noStrike">
-                <a:solidFill>
-                  <a:srgbClr val="000000"/>
-                </a:solidFill>
-                <a:latin typeface="Courier New"/>
-              </a:rPr>
-              <a:t>minula </a:t>
-            </a:r>
-            <a:r>
-              <a:rPr b="0" lang="cs-CZ" sz="2400" spc="-1" strike="noStrike">
-                <a:solidFill>
-                  <a:srgbClr val="666666"/>
-                </a:solidFill>
-                <a:latin typeface="Courier New"/>
-              </a:rPr>
-              <a:t>=</a:t>
-            </a:r>
-            <a:r>
-              <a:rPr b="0" lang="cs-CZ" sz="2400" spc="-1" strike="noStrike">
+              <a:rPr lang="cs-CZ" sz="2400" b="0" strike="noStrike" spc="-1" dirty="0">
                 <a:solidFill>
                   <a:srgbClr val="000000"/>
                 </a:solidFill>
@@ -6731,7 +7848,7 @@
               </a:rPr>
               <a:t> barva</a:t>
             </a:r>
-            <a:endParaRPr b="0" lang="cs-CZ" sz="2400" spc="-1" strike="noStrike">
+            <a:endParaRPr lang="cs-CZ" sz="2400" b="0" strike="noStrike" spc="-1" dirty="0">
               <a:latin typeface="Arial"/>
             </a:endParaRPr>
           </a:p>
@@ -6739,22 +7856,25 @@
       </p:sp>
     </p:spTree>
   </p:cSld>
+  <p:clrMapOvr>
+    <a:masterClrMapping/>
+  </p:clrMapOvr>
   <p:timing>
     <p:tnLst>
       <p:par>
-        <p:cTn id="7" dur="indefinite" restart="never" nodeType="tmRoot">
+        <p:cTn id="1" dur="indefinite" restart="never" nodeType="tmRoot">
           <p:childTnLst>
             <p:seq>
-              <p:cTn id="8" dur="indefinite" nodeType="mainSeq"/>
+              <p:cTn id="2" dur="indefinite" nodeType="mainSeq"/>
               <p:prevCondLst>
-                <p:cond delay="0" evt="onPrev">
+                <p:cond evt="onPrev" delay="0">
                   <p:tgtEl>
                     <p:sldTgt/>
                   </p:tgtEl>
                 </p:cond>
               </p:prevCondLst>
               <p:nextCondLst>
-                <p:cond delay="0" evt="onNext">
+                <p:cond evt="onNext" delay="0">
                   <p:tgtEl>
                     <p:sldTgt/>
                   </p:tgtEl>
@@ -6780,31 +7900,31 @@
         <a:sysClr val="window" lastClr="FFFFFF"/>
       </a:lt1>
       <a:dk2>
-        <a:srgbClr val="1f497d"/>
+        <a:srgbClr val="1F497D"/>
       </a:dk2>
       <a:lt2>
-        <a:srgbClr val="eeece1"/>
+        <a:srgbClr val="EEECE1"/>
       </a:lt2>
       <a:accent1>
-        <a:srgbClr val="4f81bd"/>
+        <a:srgbClr val="4F81BD"/>
       </a:accent1>
       <a:accent2>
-        <a:srgbClr val="c0504d"/>
+        <a:srgbClr val="C0504D"/>
       </a:accent2>
       <a:accent3>
-        <a:srgbClr val="9bbb59"/>
+        <a:srgbClr val="9BBB59"/>
       </a:accent3>
       <a:accent4>
-        <a:srgbClr val="8064a2"/>
+        <a:srgbClr val="8064A2"/>
       </a:accent4>
       <a:accent5>
-        <a:srgbClr val="4bacc6"/>
+        <a:srgbClr val="4BACC6"/>
       </a:accent5>
       <a:accent6>
-        <a:srgbClr val="f79646"/>
+        <a:srgbClr val="F79646"/>
       </a:accent6>
       <a:hlink>
-        <a:srgbClr val="0000ff"/>
+        <a:srgbClr val="0000FF"/>
       </a:hlink>
       <a:folHlink>
         <a:srgbClr val="800080"/>
@@ -6989,6 +8109,8 @@
       </a:bgFillStyleLst>
     </a:fmtScheme>
   </a:themeElements>
+  <a:objectDefaults/>
+  <a:extraClrSchemeLst/>
 </a:theme>
 </file>
 
@@ -7003,31 +8125,31 @@
         <a:sysClr val="window" lastClr="FFFFFF"/>
       </a:lt1>
       <a:dk2>
-        <a:srgbClr val="1f497d"/>
+        <a:srgbClr val="1F497D"/>
       </a:dk2>
       <a:lt2>
-        <a:srgbClr val="eeece1"/>
+        <a:srgbClr val="EEECE1"/>
       </a:lt2>
       <a:accent1>
-        <a:srgbClr val="4f81bd"/>
+        <a:srgbClr val="4F81BD"/>
       </a:accent1>
       <a:accent2>
-        <a:srgbClr val="c0504d"/>
+        <a:srgbClr val="C0504D"/>
       </a:accent2>
       <a:accent3>
-        <a:srgbClr val="9bbb59"/>
+        <a:srgbClr val="9BBB59"/>
       </a:accent3>
       <a:accent4>
-        <a:srgbClr val="8064a2"/>
+        <a:srgbClr val="8064A2"/>
       </a:accent4>
       <a:accent5>
-        <a:srgbClr val="4bacc6"/>
+        <a:srgbClr val="4BACC6"/>
       </a:accent5>
       <a:accent6>
-        <a:srgbClr val="f79646"/>
+        <a:srgbClr val="F79646"/>
       </a:accent6>
       <a:hlink>
-        <a:srgbClr val="0000ff"/>
+        <a:srgbClr val="0000FF"/>
       </a:hlink>
       <a:folHlink>
         <a:srgbClr val="800080"/>
@@ -7212,6 +8334,8 @@
       </a:bgFillStyleLst>
     </a:fmtScheme>
   </a:themeElements>
+  <a:objectDefaults/>
+  <a:extraClrSchemeLst/>
 </a:theme>
 </file>
 
@@ -7226,31 +8350,31 @@
         <a:sysClr val="window" lastClr="FFFFFF"/>
       </a:lt1>
       <a:dk2>
-        <a:srgbClr val="1f497d"/>
+        <a:srgbClr val="1F497D"/>
       </a:dk2>
       <a:lt2>
-        <a:srgbClr val="eeece1"/>
+        <a:srgbClr val="EEECE1"/>
       </a:lt2>
       <a:accent1>
-        <a:srgbClr val="4f81bd"/>
+        <a:srgbClr val="4F81BD"/>
       </a:accent1>
       <a:accent2>
-        <a:srgbClr val="c0504d"/>
+        <a:srgbClr val="C0504D"/>
       </a:accent2>
       <a:accent3>
-        <a:srgbClr val="9bbb59"/>
+        <a:srgbClr val="9BBB59"/>
       </a:accent3>
       <a:accent4>
-        <a:srgbClr val="8064a2"/>
+        <a:srgbClr val="8064A2"/>
       </a:accent4>
       <a:accent5>
-        <a:srgbClr val="4bacc6"/>
+        <a:srgbClr val="4BACC6"/>
       </a:accent5>
       <a:accent6>
-        <a:srgbClr val="f79646"/>
+        <a:srgbClr val="F79646"/>
       </a:accent6>
       <a:hlink>
-        <a:srgbClr val="0000ff"/>
+        <a:srgbClr val="0000FF"/>
       </a:hlink>
       <a:folHlink>
         <a:srgbClr val="800080"/>
@@ -7435,5 +8559,7 @@
       </a:bgFillStyleLst>
     </a:fmtScheme>
   </a:themeElements>
+  <a:objectDefaults/>
+  <a:extraClrSchemeLst/>
 </a:theme>
 </file>